--- a/Presentation1.pptx
+++ b/Presentation1.pptx
@@ -8,7 +8,8 @@
     <p:sldId id="256" r:id="rId2"/>
     <p:sldId id="257" r:id="rId3"/>
     <p:sldId id="258" r:id="rId4"/>
-    <p:sldId id="259" r:id="rId5"/>
+    <p:sldId id="260" r:id="rId5"/>
+    <p:sldId id="259" r:id="rId6"/>
   </p:sldIdLst>
   <p:sldSz cx="12192000" cy="6858000"/>
   <p:notesSz cx="6858000" cy="9144000"/>
@@ -107,6 +108,11 @@
       </a:defRPr>
     </a:lvl9pPr>
   </p:defaultTextStyle>
+  <p:extLst>
+    <p:ext uri="{EFAFB233-063F-42B5-8137-9DF3F51BA10A}">
+      <p15:sldGuideLst xmlns:p15="http://schemas.microsoft.com/office/powerpoint/2012/main"/>
+    </p:ext>
+  </p:extLst>
 </p:presentation>
 </file>
 
@@ -5869,6 +5875,38 @@
               </a:rPr>
               <a:t>devices</a:t>
             </a:r>
+            <a:r>
+              <a:rPr lang="de-AT" dirty="0">
+                <a:solidFill>
+                  <a:srgbClr val="FFFFFF"/>
+                </a:solidFill>
+              </a:rPr>
+              <a:t> </a:t>
+            </a:r>
+            <a:r>
+              <a:rPr lang="de-AT" dirty="0" err="1">
+                <a:solidFill>
+                  <a:srgbClr val="FFFFFF"/>
+                </a:solidFill>
+              </a:rPr>
+              <a:t>settings</a:t>
+            </a:r>
+            <a:r>
+              <a:rPr lang="de-AT" dirty="0">
+                <a:solidFill>
+                  <a:srgbClr val="FFFFFF"/>
+                </a:solidFill>
+              </a:rPr>
+              <a:t> – Mobile </a:t>
+            </a:r>
+            <a:r>
+              <a:rPr lang="de-AT" dirty="0" err="1">
+                <a:solidFill>
+                  <a:srgbClr val="FFFFFF"/>
+                </a:solidFill>
+              </a:rPr>
+              <a:t>devices</a:t>
+            </a:r>
             <a:endParaRPr lang="de-AT" dirty="0">
               <a:solidFill>
                 <a:srgbClr val="FFFFFF"/>
@@ -6244,21 +6282,21 @@
             <p:ph idx="1"/>
             <p:extLst>
               <p:ext uri="{D42A27DB-BD31-4B8C-83A1-F6EECF244321}">
-                <p14:modId xmlns:p14="http://schemas.microsoft.com/office/powerpoint/2010/main" val="4162568593"/>
+                <p14:modId xmlns:p14="http://schemas.microsoft.com/office/powerpoint/2010/main" val="2034438471"/>
               </p:ext>
             </p:extLst>
           </p:nvPr>
         </p:nvGraphicFramePr>
         <p:xfrm>
           <a:off x="1599359" y="1006997"/>
-          <a:ext cx="8401150" cy="2869160"/>
+          <a:ext cx="8337647" cy="2869160"/>
         </p:xfrm>
         <a:graphic>
           <a:graphicData uri="http://schemas.openxmlformats.org/drawingml/2006/table">
             <a:tbl>
               <a:tblPr/>
               <a:tblGrid>
-                <a:gridCol w="1680657">
+                <a:gridCol w="1617154">
                   <a:extLst>
                     <a:ext uri="{9D8B030D-6E8A-4147-A177-3AD203B41FA5}">
                       <a16:colId xmlns:a16="http://schemas.microsoft.com/office/drawing/2014/main" val="146224269"/>
@@ -10843,7 +10881,7 @@
                         </a:spcAft>
                       </a:pPr>
                       <a:r>
-                        <a:rPr lang="de-AT" sz="900" b="0" i="0" u="none" strike="noStrike">
+                        <a:rPr lang="de-AT" sz="900" b="0" i="0" u="none" strike="noStrike" dirty="0">
                           <a:effectLst/>
                           <a:latin typeface="Arial" panose="020B0604020202020204" pitchFamily="34" charset="0"/>
                         </a:rPr>
@@ -11017,6 +11055,5365 @@
 </file>
 
 <file path=ppt/slides/slide4.xml><?xml version="1.0" encoding="utf-8"?>
+<p:sld xmlns:a="http://schemas.openxmlformats.org/drawingml/2006/main" xmlns:r="http://schemas.openxmlformats.org/officeDocument/2006/relationships" xmlns:p="http://schemas.openxmlformats.org/presentationml/2006/main">
+  <p:cSld>
+    <p:spTree>
+      <p:nvGrpSpPr>
+        <p:cNvPr id="1" name=""/>
+        <p:cNvGrpSpPr/>
+        <p:nvPr/>
+      </p:nvGrpSpPr>
+      <p:grpSpPr>
+        <a:xfrm>
+          <a:off x="0" y="0"/>
+          <a:ext cx="0" cy="0"/>
+          <a:chOff x="0" y="0"/>
+          <a:chExt cx="0" cy="0"/>
+        </a:xfrm>
+      </p:grpSpPr>
+      <p:sp>
+        <p:nvSpPr>
+          <p:cNvPr id="4" name="Titel 1">
+            <a:extLst>
+              <a:ext uri="{FF2B5EF4-FFF2-40B4-BE49-F238E27FC236}">
+                <a16:creationId xmlns:a16="http://schemas.microsoft.com/office/drawing/2014/main" id="{F6A5EFE3-3EC7-4BEC-8D14-F07B30647BD4}"/>
+              </a:ext>
+            </a:extLst>
+          </p:cNvPr>
+          <p:cNvSpPr txBox="1">
+            <a:spLocks/>
+          </p:cNvSpPr>
+          <p:nvPr/>
+        </p:nvSpPr>
+        <p:spPr>
+          <a:xfrm>
+            <a:off x="836612" y="4639732"/>
+            <a:ext cx="8534400" cy="1507067"/>
+          </a:xfrm>
+          <a:prstGeom prst="rect">
+            <a:avLst/>
+          </a:prstGeom>
+          <a:effectLst/>
+        </p:spPr>
+        <p:txBody>
+          <a:bodyPr vert="horz" lIns="91440" tIns="45720" rIns="91440" bIns="45720" rtlCol="0" anchor="ctr">
+            <a:normAutofit/>
+          </a:bodyPr>
+          <a:lstStyle>
+            <a:lvl1pPr algn="l" defTabSz="457200" rtl="0" eaLnBrk="1" latinLnBrk="0" hangingPunct="1">
+              <a:spcBef>
+                <a:spcPct val="0"/>
+              </a:spcBef>
+              <a:buNone/>
+              <a:defRPr sz="3600" kern="1200" cap="all">
+                <a:ln w="3175" cmpd="sng">
+                  <a:noFill/>
+                </a:ln>
+                <a:solidFill>
+                  <a:schemeClr val="tx1"/>
+                </a:solidFill>
+                <a:effectLst/>
+                <a:latin typeface="+mj-lt"/>
+                <a:ea typeface="+mj-ea"/>
+                <a:cs typeface="+mj-cs"/>
+              </a:defRPr>
+            </a:lvl1pPr>
+            <a:lvl2pPr eaLnBrk="1" hangingPunct="1">
+              <a:defRPr>
+                <a:solidFill>
+                  <a:schemeClr val="tx2"/>
+                </a:solidFill>
+              </a:defRPr>
+            </a:lvl2pPr>
+            <a:lvl3pPr eaLnBrk="1" hangingPunct="1">
+              <a:defRPr>
+                <a:solidFill>
+                  <a:schemeClr val="tx2"/>
+                </a:solidFill>
+              </a:defRPr>
+            </a:lvl3pPr>
+            <a:lvl4pPr eaLnBrk="1" hangingPunct="1">
+              <a:defRPr>
+                <a:solidFill>
+                  <a:schemeClr val="tx2"/>
+                </a:solidFill>
+              </a:defRPr>
+            </a:lvl4pPr>
+            <a:lvl5pPr eaLnBrk="1" hangingPunct="1">
+              <a:defRPr>
+                <a:solidFill>
+                  <a:schemeClr val="tx2"/>
+                </a:solidFill>
+              </a:defRPr>
+            </a:lvl5pPr>
+            <a:lvl6pPr eaLnBrk="1" hangingPunct="1">
+              <a:defRPr>
+                <a:solidFill>
+                  <a:schemeClr val="tx2"/>
+                </a:solidFill>
+              </a:defRPr>
+            </a:lvl6pPr>
+            <a:lvl7pPr eaLnBrk="1" hangingPunct="1">
+              <a:defRPr>
+                <a:solidFill>
+                  <a:schemeClr val="tx2"/>
+                </a:solidFill>
+              </a:defRPr>
+            </a:lvl7pPr>
+            <a:lvl8pPr eaLnBrk="1" hangingPunct="1">
+              <a:defRPr>
+                <a:solidFill>
+                  <a:schemeClr val="tx2"/>
+                </a:solidFill>
+              </a:defRPr>
+            </a:lvl8pPr>
+            <a:lvl9pPr eaLnBrk="1" hangingPunct="1">
+              <a:defRPr>
+                <a:solidFill>
+                  <a:schemeClr val="tx2"/>
+                </a:solidFill>
+              </a:defRPr>
+            </a:lvl9pPr>
+          </a:lstStyle>
+          <a:p>
+            <a:r>
+              <a:rPr lang="de-AT" dirty="0" err="1">
+                <a:solidFill>
+                  <a:srgbClr val="FFFFFF"/>
+                </a:solidFill>
+              </a:rPr>
+              <a:t>Our</a:t>
+            </a:r>
+            <a:r>
+              <a:rPr lang="de-AT" dirty="0">
+                <a:solidFill>
+                  <a:srgbClr val="FFFFFF"/>
+                </a:solidFill>
+              </a:rPr>
+              <a:t> Team And </a:t>
+            </a:r>
+            <a:r>
+              <a:rPr lang="de-AT" dirty="0" err="1">
+                <a:solidFill>
+                  <a:srgbClr val="FFFFFF"/>
+                </a:solidFill>
+              </a:rPr>
+              <a:t>planned</a:t>
+            </a:r>
+            <a:r>
+              <a:rPr lang="de-AT" dirty="0">
+                <a:solidFill>
+                  <a:srgbClr val="FFFFFF"/>
+                </a:solidFill>
+              </a:rPr>
+              <a:t> </a:t>
+            </a:r>
+            <a:r>
+              <a:rPr lang="de-AT" dirty="0" err="1">
+                <a:solidFill>
+                  <a:srgbClr val="FFFFFF"/>
+                </a:solidFill>
+              </a:rPr>
+              <a:t>devices</a:t>
+            </a:r>
+            <a:r>
+              <a:rPr lang="de-AT" dirty="0">
+                <a:solidFill>
+                  <a:srgbClr val="FFFFFF"/>
+                </a:solidFill>
+              </a:rPr>
+              <a:t> </a:t>
+            </a:r>
+            <a:r>
+              <a:rPr lang="de-AT" dirty="0" err="1">
+                <a:solidFill>
+                  <a:srgbClr val="FFFFFF"/>
+                </a:solidFill>
+              </a:rPr>
+              <a:t>settings</a:t>
+            </a:r>
+            <a:r>
+              <a:rPr lang="de-AT" dirty="0">
+                <a:solidFill>
+                  <a:srgbClr val="FFFFFF"/>
+                </a:solidFill>
+              </a:rPr>
+              <a:t> - Personal Computer</a:t>
+            </a:r>
+          </a:p>
+        </p:txBody>
+      </p:sp>
+      <p:graphicFrame>
+        <p:nvGraphicFramePr>
+          <p:cNvPr id="5" name="Inhaltsplatzhalter 11">
+            <a:extLst>
+              <a:ext uri="{FF2B5EF4-FFF2-40B4-BE49-F238E27FC236}">
+                <a16:creationId xmlns:a16="http://schemas.microsoft.com/office/drawing/2014/main" id="{C756B876-1A4D-4C51-A4FF-2332E0A280F6}"/>
+              </a:ext>
+            </a:extLst>
+          </p:cNvPr>
+          <p:cNvGraphicFramePr>
+            <a:graphicFrameLocks noGrp="1"/>
+          </p:cNvGraphicFramePr>
+          <p:nvPr>
+            <p:ph idx="1"/>
+            <p:extLst>
+              <p:ext uri="{D42A27DB-BD31-4B8C-83A1-F6EECF244321}">
+                <p14:modId xmlns:p14="http://schemas.microsoft.com/office/powerpoint/2010/main" val="1731035037"/>
+              </p:ext>
+            </p:extLst>
+          </p:nvPr>
+        </p:nvGraphicFramePr>
+        <p:xfrm>
+          <a:off x="1599359" y="1006997"/>
+          <a:ext cx="9002335" cy="3380080"/>
+        </p:xfrm>
+        <a:graphic>
+          <a:graphicData uri="http://schemas.openxmlformats.org/drawingml/2006/table">
+            <a:tbl>
+              <a:tblPr/>
+              <a:tblGrid>
+                <a:gridCol w="1623235">
+                  <a:extLst>
+                    <a:ext uri="{9D8B030D-6E8A-4147-A177-3AD203B41FA5}">
+                      <a16:colId xmlns:a16="http://schemas.microsoft.com/office/drawing/2014/main" val="146224269"/>
+                    </a:ext>
+                  </a:extLst>
+                </a:gridCol>
+                <a:gridCol w="2196099">
+                  <a:extLst>
+                    <a:ext uri="{9D8B030D-6E8A-4147-A177-3AD203B41FA5}">
+                      <a16:colId xmlns:a16="http://schemas.microsoft.com/office/drawing/2014/main" val="3729001689"/>
+                    </a:ext>
+                  </a:extLst>
+                </a:gridCol>
+                <a:gridCol w="2252980">
+                  <a:extLst>
+                    <a:ext uri="{9D8B030D-6E8A-4147-A177-3AD203B41FA5}">
+                      <a16:colId xmlns:a16="http://schemas.microsoft.com/office/drawing/2014/main" val="126471210"/>
+                    </a:ext>
+                  </a:extLst>
+                </a:gridCol>
+                <a:gridCol w="1611630">
+                  <a:extLst>
+                    <a:ext uri="{9D8B030D-6E8A-4147-A177-3AD203B41FA5}">
+                      <a16:colId xmlns:a16="http://schemas.microsoft.com/office/drawing/2014/main" val="1847722369"/>
+                    </a:ext>
+                  </a:extLst>
+                </a:gridCol>
+                <a:gridCol w="1318391">
+                  <a:extLst>
+                    <a:ext uri="{9D8B030D-6E8A-4147-A177-3AD203B41FA5}">
+                      <a16:colId xmlns:a16="http://schemas.microsoft.com/office/drawing/2014/main" val="3942555596"/>
+                    </a:ext>
+                  </a:extLst>
+                </a:gridCol>
+              </a:tblGrid>
+              <a:tr h="204940">
+                <a:tc>
+                  <a:txBody>
+                    <a:bodyPr/>
+                    <a:lstStyle/>
+                    <a:p>
+                      <a:pPr algn="l" fontAlgn="t">
+                        <a:spcBef>
+                          <a:spcPts val="0"/>
+                        </a:spcBef>
+                        <a:spcAft>
+                          <a:spcPts val="0"/>
+                        </a:spcAft>
+                      </a:pPr>
+                      <a:r>
+                        <a:rPr lang="de-AT" sz="900" b="1" i="0" u="none" strike="noStrike">
+                          <a:solidFill>
+                            <a:srgbClr val="000000"/>
+                          </a:solidFill>
+                          <a:effectLst/>
+                          <a:latin typeface="Arial" panose="020B0604020202020204" pitchFamily="34" charset="0"/>
+                        </a:rPr>
+                        <a:t>Evaluator</a:t>
+                      </a:r>
+                      <a:endParaRPr lang="de-AT" sz="900" b="0" i="0" u="none" strike="noStrike">
+                        <a:solidFill>
+                          <a:srgbClr val="000000"/>
+                        </a:solidFill>
+                        <a:effectLst/>
+                        <a:latin typeface="Arial" panose="020B0604020202020204" pitchFamily="34" charset="0"/>
+                      </a:endParaRPr>
+                    </a:p>
+                  </a:txBody>
+                  <a:tcPr marL="46577" marR="46577" marT="23289" marB="23289">
+                    <a:lnL w="12700" cap="flat" cmpd="sng" algn="ctr">
+                      <a:solidFill>
+                        <a:srgbClr val="777777"/>
+                      </a:solidFill>
+                      <a:prstDash val="solid"/>
+                      <a:round/>
+                      <a:headEnd type="none" w="med" len="med"/>
+                      <a:tailEnd type="none" w="med" len="med"/>
+                    </a:lnL>
+                    <a:lnR w="12700" cap="flat" cmpd="sng" algn="ctr">
+                      <a:solidFill>
+                        <a:srgbClr val="777777"/>
+                      </a:solidFill>
+                      <a:prstDash val="solid"/>
+                      <a:round/>
+                      <a:headEnd type="none" w="med" len="med"/>
+                      <a:tailEnd type="none" w="med" len="med"/>
+                    </a:lnR>
+                    <a:lnT w="12700" cap="flat" cmpd="sng" algn="ctr">
+                      <a:solidFill>
+                        <a:srgbClr val="777777"/>
+                      </a:solidFill>
+                      <a:prstDash val="solid"/>
+                      <a:round/>
+                      <a:headEnd type="none" w="med" len="med"/>
+                      <a:tailEnd type="none" w="med" len="med"/>
+                    </a:lnT>
+                    <a:lnB w="12700" cap="flat" cmpd="sng" algn="ctr">
+                      <a:solidFill>
+                        <a:srgbClr val="777777"/>
+                      </a:solidFill>
+                      <a:prstDash val="solid"/>
+                      <a:round/>
+                      <a:headEnd type="none" w="med" len="med"/>
+                      <a:tailEnd type="none" w="med" len="med"/>
+                    </a:lnB>
+                    <a:solidFill>
+                      <a:srgbClr val="DDDDDD"/>
+                    </a:solidFill>
+                  </a:tcPr>
+                </a:tc>
+                <a:tc>
+                  <a:txBody>
+                    <a:bodyPr/>
+                    <a:lstStyle/>
+                    <a:p>
+                      <a:pPr algn="l" fontAlgn="t">
+                        <a:spcBef>
+                          <a:spcPts val="0"/>
+                        </a:spcBef>
+                        <a:spcAft>
+                          <a:spcPts val="0"/>
+                        </a:spcAft>
+                      </a:pPr>
+                      <a:r>
+                        <a:rPr lang="de-AT" sz="900" b="1" i="0" u="none" strike="noStrike">
+                          <a:solidFill>
+                            <a:srgbClr val="000000"/>
+                          </a:solidFill>
+                          <a:effectLst/>
+                          <a:latin typeface="Arial" panose="020B0604020202020204" pitchFamily="34" charset="0"/>
+                        </a:rPr>
+                        <a:t>Manuel Sammer (MS)</a:t>
+                      </a:r>
+                      <a:endParaRPr lang="de-AT" sz="900" b="0" i="0" u="none" strike="noStrike">
+                        <a:solidFill>
+                          <a:srgbClr val="000000"/>
+                        </a:solidFill>
+                        <a:effectLst/>
+                        <a:latin typeface="Arial" panose="020B0604020202020204" pitchFamily="34" charset="0"/>
+                      </a:endParaRPr>
+                    </a:p>
+                  </a:txBody>
+                  <a:tcPr marL="46577" marR="46577" marT="23289" marB="23289">
+                    <a:lnL w="12700" cap="flat" cmpd="sng" algn="ctr">
+                      <a:solidFill>
+                        <a:srgbClr val="777777"/>
+                      </a:solidFill>
+                      <a:prstDash val="solid"/>
+                      <a:round/>
+                      <a:headEnd type="none" w="med" len="med"/>
+                      <a:tailEnd type="none" w="med" len="med"/>
+                    </a:lnL>
+                    <a:lnR w="12700" cap="flat" cmpd="sng" algn="ctr">
+                      <a:solidFill>
+                        <a:srgbClr val="777777"/>
+                      </a:solidFill>
+                      <a:prstDash val="solid"/>
+                      <a:round/>
+                      <a:headEnd type="none" w="med" len="med"/>
+                      <a:tailEnd type="none" w="med" len="med"/>
+                    </a:lnR>
+                    <a:lnT w="12700" cap="flat" cmpd="sng" algn="ctr">
+                      <a:solidFill>
+                        <a:srgbClr val="777777"/>
+                      </a:solidFill>
+                      <a:prstDash val="solid"/>
+                      <a:round/>
+                      <a:headEnd type="none" w="med" len="med"/>
+                      <a:tailEnd type="none" w="med" len="med"/>
+                    </a:lnT>
+                    <a:lnB w="12700" cap="flat" cmpd="sng" algn="ctr">
+                      <a:solidFill>
+                        <a:srgbClr val="777777"/>
+                      </a:solidFill>
+                      <a:prstDash val="solid"/>
+                      <a:round/>
+                      <a:headEnd type="none" w="med" len="med"/>
+                      <a:tailEnd type="none" w="med" len="med"/>
+                    </a:lnB>
+                    <a:solidFill>
+                      <a:srgbClr val="DDDDDD"/>
+                    </a:solidFill>
+                  </a:tcPr>
+                </a:tc>
+                <a:tc>
+                  <a:txBody>
+                    <a:bodyPr/>
+                    <a:lstStyle/>
+                    <a:p>
+                      <a:pPr algn="l" fontAlgn="t">
+                        <a:spcBef>
+                          <a:spcPts val="0"/>
+                        </a:spcBef>
+                        <a:spcAft>
+                          <a:spcPts val="0"/>
+                        </a:spcAft>
+                      </a:pPr>
+                      <a:r>
+                        <a:rPr lang="de-AT" sz="900" b="1" i="0" u="none" strike="noStrike">
+                          <a:solidFill>
+                            <a:srgbClr val="000000"/>
+                          </a:solidFill>
+                          <a:effectLst/>
+                          <a:latin typeface="Arial" panose="020B0604020202020204" pitchFamily="34" charset="0"/>
+                        </a:rPr>
+                        <a:t>Lukas Kloiber (LK)</a:t>
+                      </a:r>
+                      <a:endParaRPr lang="de-AT" sz="900" b="0" i="0" u="none" strike="noStrike">
+                        <a:solidFill>
+                          <a:srgbClr val="000000"/>
+                        </a:solidFill>
+                        <a:effectLst/>
+                        <a:latin typeface="Arial" panose="020B0604020202020204" pitchFamily="34" charset="0"/>
+                      </a:endParaRPr>
+                    </a:p>
+                  </a:txBody>
+                  <a:tcPr marL="46577" marR="46577" marT="23289" marB="23289">
+                    <a:lnL w="12700" cap="flat" cmpd="sng" algn="ctr">
+                      <a:solidFill>
+                        <a:srgbClr val="777777"/>
+                      </a:solidFill>
+                      <a:prstDash val="solid"/>
+                      <a:round/>
+                      <a:headEnd type="none" w="med" len="med"/>
+                      <a:tailEnd type="none" w="med" len="med"/>
+                    </a:lnL>
+                    <a:lnR w="12700" cap="flat" cmpd="sng" algn="ctr">
+                      <a:solidFill>
+                        <a:srgbClr val="777777"/>
+                      </a:solidFill>
+                      <a:prstDash val="solid"/>
+                      <a:round/>
+                      <a:headEnd type="none" w="med" len="med"/>
+                      <a:tailEnd type="none" w="med" len="med"/>
+                    </a:lnR>
+                    <a:lnT w="12700" cap="flat" cmpd="sng" algn="ctr">
+                      <a:solidFill>
+                        <a:srgbClr val="777777"/>
+                      </a:solidFill>
+                      <a:prstDash val="solid"/>
+                      <a:round/>
+                      <a:headEnd type="none" w="med" len="med"/>
+                      <a:tailEnd type="none" w="med" len="med"/>
+                    </a:lnT>
+                    <a:lnB w="12700" cap="flat" cmpd="sng" algn="ctr">
+                      <a:solidFill>
+                        <a:srgbClr val="777777"/>
+                      </a:solidFill>
+                      <a:prstDash val="solid"/>
+                      <a:round/>
+                      <a:headEnd type="none" w="med" len="med"/>
+                      <a:tailEnd type="none" w="med" len="med"/>
+                    </a:lnB>
+                    <a:solidFill>
+                      <a:srgbClr val="DDDDDD"/>
+                    </a:solidFill>
+                  </a:tcPr>
+                </a:tc>
+                <a:tc>
+                  <a:txBody>
+                    <a:bodyPr/>
+                    <a:lstStyle/>
+                    <a:p>
+                      <a:pPr algn="l" fontAlgn="t">
+                        <a:spcBef>
+                          <a:spcPts val="0"/>
+                        </a:spcBef>
+                        <a:spcAft>
+                          <a:spcPts val="0"/>
+                        </a:spcAft>
+                      </a:pPr>
+                      <a:r>
+                        <a:rPr lang="de-AT" sz="900" b="1" i="0" u="none" strike="noStrike" dirty="0">
+                          <a:solidFill>
+                            <a:srgbClr val="000000"/>
+                          </a:solidFill>
+                          <a:effectLst/>
+                          <a:latin typeface="Arial" panose="020B0604020202020204" pitchFamily="34" charset="0"/>
+                        </a:rPr>
+                        <a:t>Thomas Gelb (TG)</a:t>
+                      </a:r>
+                      <a:endParaRPr lang="de-AT" sz="900" b="0" i="0" u="none" strike="noStrike" dirty="0">
+                        <a:solidFill>
+                          <a:srgbClr val="000000"/>
+                        </a:solidFill>
+                        <a:effectLst/>
+                        <a:latin typeface="Arial" panose="020B0604020202020204" pitchFamily="34" charset="0"/>
+                      </a:endParaRPr>
+                    </a:p>
+                  </a:txBody>
+                  <a:tcPr marL="46577" marR="46577" marT="23289" marB="23289">
+                    <a:lnL w="12700" cap="flat" cmpd="sng" algn="ctr">
+                      <a:solidFill>
+                        <a:srgbClr val="777777"/>
+                      </a:solidFill>
+                      <a:prstDash val="solid"/>
+                      <a:round/>
+                      <a:headEnd type="none" w="med" len="med"/>
+                      <a:tailEnd type="none" w="med" len="med"/>
+                    </a:lnL>
+                    <a:lnR w="12700" cap="flat" cmpd="sng" algn="ctr">
+                      <a:solidFill>
+                        <a:srgbClr val="777777"/>
+                      </a:solidFill>
+                      <a:prstDash val="solid"/>
+                      <a:round/>
+                      <a:headEnd type="none" w="med" len="med"/>
+                      <a:tailEnd type="none" w="med" len="med"/>
+                    </a:lnR>
+                    <a:lnT w="12700" cap="flat" cmpd="sng" algn="ctr">
+                      <a:solidFill>
+                        <a:srgbClr val="777777"/>
+                      </a:solidFill>
+                      <a:prstDash val="solid"/>
+                      <a:round/>
+                      <a:headEnd type="none" w="med" len="med"/>
+                      <a:tailEnd type="none" w="med" len="med"/>
+                    </a:lnT>
+                    <a:lnB w="12700" cap="flat" cmpd="sng" algn="ctr">
+                      <a:solidFill>
+                        <a:srgbClr val="777777"/>
+                      </a:solidFill>
+                      <a:prstDash val="solid"/>
+                      <a:round/>
+                      <a:headEnd type="none" w="med" len="med"/>
+                      <a:tailEnd type="none" w="med" len="med"/>
+                    </a:lnB>
+                    <a:solidFill>
+                      <a:srgbClr val="DDDDDD"/>
+                    </a:solidFill>
+                  </a:tcPr>
+                </a:tc>
+                <a:tc>
+                  <a:txBody>
+                    <a:bodyPr/>
+                    <a:lstStyle/>
+                    <a:p>
+                      <a:pPr algn="l" fontAlgn="t">
+                        <a:spcBef>
+                          <a:spcPts val="0"/>
+                        </a:spcBef>
+                        <a:spcAft>
+                          <a:spcPts val="0"/>
+                        </a:spcAft>
+                      </a:pPr>
+                      <a:r>
+                        <a:rPr lang="de-AT" sz="900" b="1" i="0" u="none" strike="noStrike">
+                          <a:solidFill>
+                            <a:srgbClr val="000000"/>
+                          </a:solidFill>
+                          <a:effectLst/>
+                          <a:latin typeface="Arial" panose="020B0604020202020204" pitchFamily="34" charset="0"/>
+                        </a:rPr>
+                        <a:t>Marius Laffer (ML)</a:t>
+                      </a:r>
+                      <a:endParaRPr lang="de-AT" sz="900" b="0" i="0" u="none" strike="noStrike">
+                        <a:solidFill>
+                          <a:srgbClr val="000000"/>
+                        </a:solidFill>
+                        <a:effectLst/>
+                        <a:latin typeface="Arial" panose="020B0604020202020204" pitchFamily="34" charset="0"/>
+                      </a:endParaRPr>
+                    </a:p>
+                  </a:txBody>
+                  <a:tcPr marL="46577" marR="46577" marT="23289" marB="23289">
+                    <a:lnL w="12700" cap="flat" cmpd="sng" algn="ctr">
+                      <a:solidFill>
+                        <a:srgbClr val="777777"/>
+                      </a:solidFill>
+                      <a:prstDash val="solid"/>
+                      <a:round/>
+                      <a:headEnd type="none" w="med" len="med"/>
+                      <a:tailEnd type="none" w="med" len="med"/>
+                    </a:lnL>
+                    <a:lnR w="12700" cap="flat" cmpd="sng" algn="ctr">
+                      <a:solidFill>
+                        <a:srgbClr val="777777"/>
+                      </a:solidFill>
+                      <a:prstDash val="solid"/>
+                      <a:round/>
+                      <a:headEnd type="none" w="med" len="med"/>
+                      <a:tailEnd type="none" w="med" len="med"/>
+                    </a:lnR>
+                    <a:lnT w="12700" cap="flat" cmpd="sng" algn="ctr">
+                      <a:solidFill>
+                        <a:srgbClr val="777777"/>
+                      </a:solidFill>
+                      <a:prstDash val="solid"/>
+                      <a:round/>
+                      <a:headEnd type="none" w="med" len="med"/>
+                      <a:tailEnd type="none" w="med" len="med"/>
+                    </a:lnT>
+                    <a:lnB w="12700" cap="flat" cmpd="sng" algn="ctr">
+                      <a:solidFill>
+                        <a:srgbClr val="777777"/>
+                      </a:solidFill>
+                      <a:prstDash val="solid"/>
+                      <a:round/>
+                      <a:headEnd type="none" w="med" len="med"/>
+                      <a:tailEnd type="none" w="med" len="med"/>
+                    </a:lnB>
+                    <a:solidFill>
+                      <a:srgbClr val="DDDDDD"/>
+                    </a:solidFill>
+                  </a:tcPr>
+                </a:tc>
+                <a:extLst>
+                  <a:ext uri="{0D108BD9-81ED-4DB2-BD59-A6C34878D82A}">
+                    <a16:rowId xmlns:a16="http://schemas.microsoft.com/office/drawing/2014/main" val="3200876859"/>
+                  </a:ext>
+                </a:extLst>
+              </a:tr>
+              <a:tr h="204940">
+                <a:tc>
+                  <a:txBody>
+                    <a:bodyPr/>
+                    <a:lstStyle/>
+                    <a:p>
+                      <a:pPr algn="l" fontAlgn="t">
+                        <a:spcBef>
+                          <a:spcPts val="0"/>
+                        </a:spcBef>
+                        <a:spcAft>
+                          <a:spcPts val="0"/>
+                        </a:spcAft>
+                      </a:pPr>
+                      <a:r>
+                        <a:rPr lang="de-AT" sz="900" b="1" i="0" u="none" strike="noStrike">
+                          <a:solidFill>
+                            <a:srgbClr val="000000"/>
+                          </a:solidFill>
+                          <a:effectLst/>
+                          <a:latin typeface="Arial" panose="020B0604020202020204" pitchFamily="34" charset="0"/>
+                        </a:rPr>
+                        <a:t>Age</a:t>
+                      </a:r>
+                      <a:endParaRPr lang="de-AT" sz="900" b="0" i="0" u="none" strike="noStrike">
+                        <a:solidFill>
+                          <a:srgbClr val="000000"/>
+                        </a:solidFill>
+                        <a:effectLst/>
+                        <a:latin typeface="Arial" panose="020B0604020202020204" pitchFamily="34" charset="0"/>
+                      </a:endParaRPr>
+                    </a:p>
+                  </a:txBody>
+                  <a:tcPr marL="46577" marR="46577" marT="23289" marB="23289">
+                    <a:lnL w="12700" cap="flat" cmpd="sng" algn="ctr">
+                      <a:solidFill>
+                        <a:srgbClr val="777777"/>
+                      </a:solidFill>
+                      <a:prstDash val="solid"/>
+                      <a:round/>
+                      <a:headEnd type="none" w="med" len="med"/>
+                      <a:tailEnd type="none" w="med" len="med"/>
+                    </a:lnL>
+                    <a:lnR w="12700" cap="flat" cmpd="sng" algn="ctr">
+                      <a:solidFill>
+                        <a:srgbClr val="777777"/>
+                      </a:solidFill>
+                      <a:prstDash val="solid"/>
+                      <a:round/>
+                      <a:headEnd type="none" w="med" len="med"/>
+                      <a:tailEnd type="none" w="med" len="med"/>
+                    </a:lnR>
+                    <a:lnT w="12700" cap="flat" cmpd="sng" algn="ctr">
+                      <a:solidFill>
+                        <a:srgbClr val="777777"/>
+                      </a:solidFill>
+                      <a:prstDash val="solid"/>
+                      <a:round/>
+                      <a:headEnd type="none" w="med" len="med"/>
+                      <a:tailEnd type="none" w="med" len="med"/>
+                    </a:lnT>
+                    <a:lnB w="12700" cap="flat" cmpd="sng" algn="ctr">
+                      <a:solidFill>
+                        <a:srgbClr val="777777"/>
+                      </a:solidFill>
+                      <a:prstDash val="solid"/>
+                      <a:round/>
+                      <a:headEnd type="none" w="med" len="med"/>
+                      <a:tailEnd type="none" w="med" len="med"/>
+                    </a:lnB>
+                    <a:solidFill>
+                      <a:srgbClr val="DDDDDD"/>
+                    </a:solidFill>
+                  </a:tcPr>
+                </a:tc>
+                <a:tc>
+                  <a:txBody>
+                    <a:bodyPr/>
+                    <a:lstStyle/>
+                    <a:p>
+                      <a:pPr marL="0" algn="l" defTabSz="457200" rtl="0" eaLnBrk="1" fontAlgn="t" latinLnBrk="0" hangingPunct="1">
+                        <a:spcBef>
+                          <a:spcPts val="0"/>
+                        </a:spcBef>
+                        <a:spcAft>
+                          <a:spcPts val="0"/>
+                        </a:spcAft>
+                      </a:pPr>
+                      <a:r>
+                        <a:rPr lang="de-AT" sz="900" b="0" i="0" u="none" strike="noStrike" kern="1200" dirty="0">
+                          <a:solidFill>
+                            <a:schemeClr val="tx1"/>
+                          </a:solidFill>
+                          <a:effectLst/>
+                          <a:latin typeface="Arial" panose="020B0604020202020204" pitchFamily="34" charset="0"/>
+                          <a:ea typeface="+mn-ea"/>
+                          <a:cs typeface="+mn-cs"/>
+                        </a:rPr>
+                        <a:t>23</a:t>
+                      </a:r>
+                    </a:p>
+                  </a:txBody>
+                  <a:tcPr marL="46577" marR="46577" marT="23289" marB="23289">
+                    <a:lnL w="12700" cap="flat" cmpd="sng" algn="ctr">
+                      <a:solidFill>
+                        <a:srgbClr val="777777"/>
+                      </a:solidFill>
+                      <a:prstDash val="solid"/>
+                      <a:round/>
+                      <a:headEnd type="none" w="med" len="med"/>
+                      <a:tailEnd type="none" w="med" len="med"/>
+                    </a:lnL>
+                    <a:lnR w="12700" cap="flat" cmpd="sng" algn="ctr">
+                      <a:solidFill>
+                        <a:srgbClr val="777777"/>
+                      </a:solidFill>
+                      <a:prstDash val="solid"/>
+                      <a:round/>
+                      <a:headEnd type="none" w="med" len="med"/>
+                      <a:tailEnd type="none" w="med" len="med"/>
+                    </a:lnR>
+                    <a:lnT w="12700" cap="flat" cmpd="sng" algn="ctr">
+                      <a:solidFill>
+                        <a:srgbClr val="777777"/>
+                      </a:solidFill>
+                      <a:prstDash val="solid"/>
+                      <a:round/>
+                      <a:headEnd type="none" w="med" len="med"/>
+                      <a:tailEnd type="none" w="med" len="med"/>
+                    </a:lnT>
+                    <a:lnB w="12700" cap="flat" cmpd="sng" algn="ctr">
+                      <a:solidFill>
+                        <a:srgbClr val="777777"/>
+                      </a:solidFill>
+                      <a:prstDash val="solid"/>
+                      <a:round/>
+                      <a:headEnd type="none" w="med" len="med"/>
+                      <a:tailEnd type="none" w="med" len="med"/>
+                    </a:lnB>
+                  </a:tcPr>
+                </a:tc>
+                <a:tc>
+                  <a:txBody>
+                    <a:bodyPr/>
+                    <a:lstStyle/>
+                    <a:p>
+                      <a:pPr marL="0" algn="l" defTabSz="457200" rtl="0" eaLnBrk="1" fontAlgn="t" latinLnBrk="0" hangingPunct="1">
+                        <a:spcBef>
+                          <a:spcPts val="0"/>
+                        </a:spcBef>
+                        <a:spcAft>
+                          <a:spcPts val="0"/>
+                        </a:spcAft>
+                      </a:pPr>
+                      <a:r>
+                        <a:rPr lang="de-AT" sz="900" b="0" i="0" u="none" strike="noStrike" kern="1200">
+                          <a:solidFill>
+                            <a:schemeClr val="tx1"/>
+                          </a:solidFill>
+                          <a:effectLst/>
+                          <a:latin typeface="Arial" panose="020B0604020202020204" pitchFamily="34" charset="0"/>
+                          <a:ea typeface="+mn-ea"/>
+                          <a:cs typeface="+mn-cs"/>
+                        </a:rPr>
+                        <a:t>21</a:t>
+                      </a:r>
+                    </a:p>
+                  </a:txBody>
+                  <a:tcPr marL="46577" marR="46577" marT="23289" marB="23289">
+                    <a:lnL w="12700" cap="flat" cmpd="sng" algn="ctr">
+                      <a:solidFill>
+                        <a:srgbClr val="777777"/>
+                      </a:solidFill>
+                      <a:prstDash val="solid"/>
+                      <a:round/>
+                      <a:headEnd type="none" w="med" len="med"/>
+                      <a:tailEnd type="none" w="med" len="med"/>
+                    </a:lnL>
+                    <a:lnR w="12700" cap="flat" cmpd="sng" algn="ctr">
+                      <a:solidFill>
+                        <a:srgbClr val="777777"/>
+                      </a:solidFill>
+                      <a:prstDash val="solid"/>
+                      <a:round/>
+                      <a:headEnd type="none" w="med" len="med"/>
+                      <a:tailEnd type="none" w="med" len="med"/>
+                    </a:lnR>
+                    <a:lnT w="12700" cap="flat" cmpd="sng" algn="ctr">
+                      <a:solidFill>
+                        <a:srgbClr val="777777"/>
+                      </a:solidFill>
+                      <a:prstDash val="solid"/>
+                      <a:round/>
+                      <a:headEnd type="none" w="med" len="med"/>
+                      <a:tailEnd type="none" w="med" len="med"/>
+                    </a:lnT>
+                    <a:lnB w="12700" cap="flat" cmpd="sng" algn="ctr">
+                      <a:solidFill>
+                        <a:srgbClr val="777777"/>
+                      </a:solidFill>
+                      <a:prstDash val="solid"/>
+                      <a:round/>
+                      <a:headEnd type="none" w="med" len="med"/>
+                      <a:tailEnd type="none" w="med" len="med"/>
+                    </a:lnB>
+                  </a:tcPr>
+                </a:tc>
+                <a:tc>
+                  <a:txBody>
+                    <a:bodyPr/>
+                    <a:lstStyle/>
+                    <a:p>
+                      <a:pPr marL="0" algn="l" defTabSz="457200" rtl="0" eaLnBrk="1" fontAlgn="t" latinLnBrk="0" hangingPunct="1">
+                        <a:spcBef>
+                          <a:spcPts val="0"/>
+                        </a:spcBef>
+                        <a:spcAft>
+                          <a:spcPts val="0"/>
+                        </a:spcAft>
+                      </a:pPr>
+                      <a:r>
+                        <a:rPr lang="de-AT" sz="900" b="0" i="0" u="none" strike="noStrike" kern="1200">
+                          <a:solidFill>
+                            <a:schemeClr val="tx1"/>
+                          </a:solidFill>
+                          <a:effectLst/>
+                          <a:latin typeface="Arial" panose="020B0604020202020204" pitchFamily="34" charset="0"/>
+                          <a:ea typeface="+mn-ea"/>
+                          <a:cs typeface="+mn-cs"/>
+                        </a:rPr>
+                        <a:t>31</a:t>
+                      </a:r>
+                    </a:p>
+                  </a:txBody>
+                  <a:tcPr marL="46577" marR="46577" marT="23289" marB="23289">
+                    <a:lnL w="12700" cap="flat" cmpd="sng" algn="ctr">
+                      <a:solidFill>
+                        <a:srgbClr val="777777"/>
+                      </a:solidFill>
+                      <a:prstDash val="solid"/>
+                      <a:round/>
+                      <a:headEnd type="none" w="med" len="med"/>
+                      <a:tailEnd type="none" w="med" len="med"/>
+                    </a:lnL>
+                    <a:lnR w="12700" cap="flat" cmpd="sng" algn="ctr">
+                      <a:solidFill>
+                        <a:srgbClr val="777777"/>
+                      </a:solidFill>
+                      <a:prstDash val="solid"/>
+                      <a:round/>
+                      <a:headEnd type="none" w="med" len="med"/>
+                      <a:tailEnd type="none" w="med" len="med"/>
+                    </a:lnR>
+                    <a:lnT w="12700" cap="flat" cmpd="sng" algn="ctr">
+                      <a:solidFill>
+                        <a:srgbClr val="777777"/>
+                      </a:solidFill>
+                      <a:prstDash val="solid"/>
+                      <a:round/>
+                      <a:headEnd type="none" w="med" len="med"/>
+                      <a:tailEnd type="none" w="med" len="med"/>
+                    </a:lnT>
+                    <a:lnB w="12700" cap="flat" cmpd="sng" algn="ctr">
+                      <a:solidFill>
+                        <a:srgbClr val="777777"/>
+                      </a:solidFill>
+                      <a:prstDash val="solid"/>
+                      <a:round/>
+                      <a:headEnd type="none" w="med" len="med"/>
+                      <a:tailEnd type="none" w="med" len="med"/>
+                    </a:lnB>
+                  </a:tcPr>
+                </a:tc>
+                <a:tc>
+                  <a:txBody>
+                    <a:bodyPr/>
+                    <a:lstStyle/>
+                    <a:p>
+                      <a:pPr marL="0" algn="l" defTabSz="457200" rtl="0" eaLnBrk="1" fontAlgn="t" latinLnBrk="0" hangingPunct="1">
+                        <a:spcBef>
+                          <a:spcPts val="0"/>
+                        </a:spcBef>
+                        <a:spcAft>
+                          <a:spcPts val="0"/>
+                        </a:spcAft>
+                      </a:pPr>
+                      <a:r>
+                        <a:rPr lang="de-AT" sz="900" b="0" i="0" u="none" strike="noStrike" kern="1200">
+                          <a:solidFill>
+                            <a:schemeClr val="tx1"/>
+                          </a:solidFill>
+                          <a:effectLst/>
+                          <a:latin typeface="Arial" panose="020B0604020202020204" pitchFamily="34" charset="0"/>
+                          <a:ea typeface="+mn-ea"/>
+                          <a:cs typeface="+mn-cs"/>
+                        </a:rPr>
+                        <a:t>24</a:t>
+                      </a:r>
+                    </a:p>
+                  </a:txBody>
+                  <a:tcPr marL="46577" marR="46577" marT="23289" marB="23289">
+                    <a:lnL w="12700" cap="flat" cmpd="sng" algn="ctr">
+                      <a:solidFill>
+                        <a:srgbClr val="777777"/>
+                      </a:solidFill>
+                      <a:prstDash val="solid"/>
+                      <a:round/>
+                      <a:headEnd type="none" w="med" len="med"/>
+                      <a:tailEnd type="none" w="med" len="med"/>
+                    </a:lnL>
+                    <a:lnR w="12700" cap="flat" cmpd="sng" algn="ctr">
+                      <a:solidFill>
+                        <a:srgbClr val="777777"/>
+                      </a:solidFill>
+                      <a:prstDash val="solid"/>
+                      <a:round/>
+                      <a:headEnd type="none" w="med" len="med"/>
+                      <a:tailEnd type="none" w="med" len="med"/>
+                    </a:lnR>
+                    <a:lnT w="12700" cap="flat" cmpd="sng" algn="ctr">
+                      <a:solidFill>
+                        <a:srgbClr val="777777"/>
+                      </a:solidFill>
+                      <a:prstDash val="solid"/>
+                      <a:round/>
+                      <a:headEnd type="none" w="med" len="med"/>
+                      <a:tailEnd type="none" w="med" len="med"/>
+                    </a:lnT>
+                    <a:lnB w="12700" cap="flat" cmpd="sng" algn="ctr">
+                      <a:solidFill>
+                        <a:srgbClr val="777777"/>
+                      </a:solidFill>
+                      <a:prstDash val="solid"/>
+                      <a:round/>
+                      <a:headEnd type="none" w="med" len="med"/>
+                      <a:tailEnd type="none" w="med" len="med"/>
+                    </a:lnB>
+                  </a:tcPr>
+                </a:tc>
+                <a:extLst>
+                  <a:ext uri="{0D108BD9-81ED-4DB2-BD59-A6C34878D82A}">
+                    <a16:rowId xmlns:a16="http://schemas.microsoft.com/office/drawing/2014/main" val="1381509348"/>
+                  </a:ext>
+                </a:extLst>
+              </a:tr>
+              <a:tr h="204940">
+                <a:tc>
+                  <a:txBody>
+                    <a:bodyPr/>
+                    <a:lstStyle/>
+                    <a:p>
+                      <a:pPr algn="l" fontAlgn="t">
+                        <a:spcBef>
+                          <a:spcPts val="0"/>
+                        </a:spcBef>
+                        <a:spcAft>
+                          <a:spcPts val="0"/>
+                        </a:spcAft>
+                      </a:pPr>
+                      <a:r>
+                        <a:rPr lang="de-AT" sz="900" b="1" i="0" u="none" strike="noStrike">
+                          <a:solidFill>
+                            <a:srgbClr val="000000"/>
+                          </a:solidFill>
+                          <a:effectLst/>
+                          <a:latin typeface="Arial" panose="020B0604020202020204" pitchFamily="34" charset="0"/>
+                        </a:rPr>
+                        <a:t>Gender</a:t>
+                      </a:r>
+                      <a:endParaRPr lang="de-AT" sz="900" b="0" i="0" u="none" strike="noStrike">
+                        <a:solidFill>
+                          <a:srgbClr val="000000"/>
+                        </a:solidFill>
+                        <a:effectLst/>
+                        <a:latin typeface="Arial" panose="020B0604020202020204" pitchFamily="34" charset="0"/>
+                      </a:endParaRPr>
+                    </a:p>
+                  </a:txBody>
+                  <a:tcPr marL="46577" marR="46577" marT="23289" marB="23289">
+                    <a:lnL w="12700" cap="flat" cmpd="sng" algn="ctr">
+                      <a:solidFill>
+                        <a:srgbClr val="777777"/>
+                      </a:solidFill>
+                      <a:prstDash val="solid"/>
+                      <a:round/>
+                      <a:headEnd type="none" w="med" len="med"/>
+                      <a:tailEnd type="none" w="med" len="med"/>
+                    </a:lnL>
+                    <a:lnR w="12700" cap="flat" cmpd="sng" algn="ctr">
+                      <a:solidFill>
+                        <a:srgbClr val="777777"/>
+                      </a:solidFill>
+                      <a:prstDash val="solid"/>
+                      <a:round/>
+                      <a:headEnd type="none" w="med" len="med"/>
+                      <a:tailEnd type="none" w="med" len="med"/>
+                    </a:lnR>
+                    <a:lnT w="12700" cap="flat" cmpd="sng" algn="ctr">
+                      <a:solidFill>
+                        <a:srgbClr val="777777"/>
+                      </a:solidFill>
+                      <a:prstDash val="solid"/>
+                      <a:round/>
+                      <a:headEnd type="none" w="med" len="med"/>
+                      <a:tailEnd type="none" w="med" len="med"/>
+                    </a:lnT>
+                    <a:lnB w="12700" cap="flat" cmpd="sng" algn="ctr">
+                      <a:solidFill>
+                        <a:srgbClr val="777777"/>
+                      </a:solidFill>
+                      <a:prstDash val="solid"/>
+                      <a:round/>
+                      <a:headEnd type="none" w="med" len="med"/>
+                      <a:tailEnd type="none" w="med" len="med"/>
+                    </a:lnB>
+                    <a:solidFill>
+                      <a:srgbClr val="DDDDDD"/>
+                    </a:solidFill>
+                  </a:tcPr>
+                </a:tc>
+                <a:tc>
+                  <a:txBody>
+                    <a:bodyPr/>
+                    <a:lstStyle/>
+                    <a:p>
+                      <a:pPr marL="0" algn="l" defTabSz="457200" rtl="0" eaLnBrk="1" fontAlgn="t" latinLnBrk="0" hangingPunct="1">
+                        <a:spcBef>
+                          <a:spcPts val="0"/>
+                        </a:spcBef>
+                        <a:spcAft>
+                          <a:spcPts val="0"/>
+                        </a:spcAft>
+                      </a:pPr>
+                      <a:r>
+                        <a:rPr lang="de-AT" sz="900" b="0" i="0" u="none" strike="noStrike" kern="1200" dirty="0">
+                          <a:solidFill>
+                            <a:schemeClr val="tx1"/>
+                          </a:solidFill>
+                          <a:effectLst/>
+                          <a:latin typeface="Arial" panose="020B0604020202020204" pitchFamily="34" charset="0"/>
+                          <a:ea typeface="+mn-ea"/>
+                          <a:cs typeface="+mn-cs"/>
+                        </a:rPr>
+                        <a:t>male</a:t>
+                      </a:r>
+                    </a:p>
+                  </a:txBody>
+                  <a:tcPr marL="46577" marR="46577" marT="23289" marB="23289">
+                    <a:lnL w="12700" cap="flat" cmpd="sng" algn="ctr">
+                      <a:solidFill>
+                        <a:srgbClr val="777777"/>
+                      </a:solidFill>
+                      <a:prstDash val="solid"/>
+                      <a:round/>
+                      <a:headEnd type="none" w="med" len="med"/>
+                      <a:tailEnd type="none" w="med" len="med"/>
+                    </a:lnL>
+                    <a:lnR w="12700" cap="flat" cmpd="sng" algn="ctr">
+                      <a:solidFill>
+                        <a:srgbClr val="777777"/>
+                      </a:solidFill>
+                      <a:prstDash val="solid"/>
+                      <a:round/>
+                      <a:headEnd type="none" w="med" len="med"/>
+                      <a:tailEnd type="none" w="med" len="med"/>
+                    </a:lnR>
+                    <a:lnT w="12700" cap="flat" cmpd="sng" algn="ctr">
+                      <a:solidFill>
+                        <a:srgbClr val="777777"/>
+                      </a:solidFill>
+                      <a:prstDash val="solid"/>
+                      <a:round/>
+                      <a:headEnd type="none" w="med" len="med"/>
+                      <a:tailEnd type="none" w="med" len="med"/>
+                    </a:lnT>
+                    <a:lnB w="12700" cap="flat" cmpd="sng" algn="ctr">
+                      <a:solidFill>
+                        <a:srgbClr val="777777"/>
+                      </a:solidFill>
+                      <a:prstDash val="solid"/>
+                      <a:round/>
+                      <a:headEnd type="none" w="med" len="med"/>
+                      <a:tailEnd type="none" w="med" len="med"/>
+                    </a:lnB>
+                  </a:tcPr>
+                </a:tc>
+                <a:tc>
+                  <a:txBody>
+                    <a:bodyPr/>
+                    <a:lstStyle/>
+                    <a:p>
+                      <a:pPr marL="0" algn="l" defTabSz="457200" rtl="0" eaLnBrk="1" fontAlgn="t" latinLnBrk="0" hangingPunct="1">
+                        <a:spcBef>
+                          <a:spcPts val="0"/>
+                        </a:spcBef>
+                        <a:spcAft>
+                          <a:spcPts val="0"/>
+                        </a:spcAft>
+                      </a:pPr>
+                      <a:r>
+                        <a:rPr lang="de-AT" sz="900" b="0" i="0" u="none" strike="noStrike" kern="1200" dirty="0">
+                          <a:solidFill>
+                            <a:schemeClr val="tx1"/>
+                          </a:solidFill>
+                          <a:effectLst/>
+                          <a:latin typeface="Arial" panose="020B0604020202020204" pitchFamily="34" charset="0"/>
+                          <a:ea typeface="+mn-ea"/>
+                          <a:cs typeface="+mn-cs"/>
+                        </a:rPr>
+                        <a:t>male</a:t>
+                      </a:r>
+                    </a:p>
+                  </a:txBody>
+                  <a:tcPr marL="46577" marR="46577" marT="23289" marB="23289">
+                    <a:lnL w="12700" cap="flat" cmpd="sng" algn="ctr">
+                      <a:solidFill>
+                        <a:srgbClr val="777777"/>
+                      </a:solidFill>
+                      <a:prstDash val="solid"/>
+                      <a:round/>
+                      <a:headEnd type="none" w="med" len="med"/>
+                      <a:tailEnd type="none" w="med" len="med"/>
+                    </a:lnL>
+                    <a:lnR w="12700" cap="flat" cmpd="sng" algn="ctr">
+                      <a:solidFill>
+                        <a:srgbClr val="777777"/>
+                      </a:solidFill>
+                      <a:prstDash val="solid"/>
+                      <a:round/>
+                      <a:headEnd type="none" w="med" len="med"/>
+                      <a:tailEnd type="none" w="med" len="med"/>
+                    </a:lnR>
+                    <a:lnT w="12700" cap="flat" cmpd="sng" algn="ctr">
+                      <a:solidFill>
+                        <a:srgbClr val="777777"/>
+                      </a:solidFill>
+                      <a:prstDash val="solid"/>
+                      <a:round/>
+                      <a:headEnd type="none" w="med" len="med"/>
+                      <a:tailEnd type="none" w="med" len="med"/>
+                    </a:lnT>
+                    <a:lnB w="12700" cap="flat" cmpd="sng" algn="ctr">
+                      <a:solidFill>
+                        <a:srgbClr val="777777"/>
+                      </a:solidFill>
+                      <a:prstDash val="solid"/>
+                      <a:round/>
+                      <a:headEnd type="none" w="med" len="med"/>
+                      <a:tailEnd type="none" w="med" len="med"/>
+                    </a:lnB>
+                  </a:tcPr>
+                </a:tc>
+                <a:tc>
+                  <a:txBody>
+                    <a:bodyPr/>
+                    <a:lstStyle/>
+                    <a:p>
+                      <a:pPr marL="0" algn="l" defTabSz="457200" rtl="0" eaLnBrk="1" fontAlgn="t" latinLnBrk="0" hangingPunct="1">
+                        <a:spcBef>
+                          <a:spcPts val="0"/>
+                        </a:spcBef>
+                        <a:spcAft>
+                          <a:spcPts val="0"/>
+                        </a:spcAft>
+                      </a:pPr>
+                      <a:r>
+                        <a:rPr lang="de-AT" sz="900" b="0" i="0" u="none" strike="noStrike" kern="1200" dirty="0">
+                          <a:solidFill>
+                            <a:schemeClr val="tx1"/>
+                          </a:solidFill>
+                          <a:effectLst/>
+                          <a:latin typeface="Arial" panose="020B0604020202020204" pitchFamily="34" charset="0"/>
+                          <a:ea typeface="+mn-ea"/>
+                          <a:cs typeface="+mn-cs"/>
+                        </a:rPr>
+                        <a:t>male</a:t>
+                      </a:r>
+                    </a:p>
+                  </a:txBody>
+                  <a:tcPr marL="46577" marR="46577" marT="23289" marB="23289">
+                    <a:lnL w="12700" cap="flat" cmpd="sng" algn="ctr">
+                      <a:solidFill>
+                        <a:srgbClr val="777777"/>
+                      </a:solidFill>
+                      <a:prstDash val="solid"/>
+                      <a:round/>
+                      <a:headEnd type="none" w="med" len="med"/>
+                      <a:tailEnd type="none" w="med" len="med"/>
+                    </a:lnL>
+                    <a:lnR w="12700" cap="flat" cmpd="sng" algn="ctr">
+                      <a:solidFill>
+                        <a:srgbClr val="777777"/>
+                      </a:solidFill>
+                      <a:prstDash val="solid"/>
+                      <a:round/>
+                      <a:headEnd type="none" w="med" len="med"/>
+                      <a:tailEnd type="none" w="med" len="med"/>
+                    </a:lnR>
+                    <a:lnT w="12700" cap="flat" cmpd="sng" algn="ctr">
+                      <a:solidFill>
+                        <a:srgbClr val="777777"/>
+                      </a:solidFill>
+                      <a:prstDash val="solid"/>
+                      <a:round/>
+                      <a:headEnd type="none" w="med" len="med"/>
+                      <a:tailEnd type="none" w="med" len="med"/>
+                    </a:lnT>
+                    <a:lnB w="12700" cap="flat" cmpd="sng" algn="ctr">
+                      <a:solidFill>
+                        <a:srgbClr val="777777"/>
+                      </a:solidFill>
+                      <a:prstDash val="solid"/>
+                      <a:round/>
+                      <a:headEnd type="none" w="med" len="med"/>
+                      <a:tailEnd type="none" w="med" len="med"/>
+                    </a:lnB>
+                  </a:tcPr>
+                </a:tc>
+                <a:tc>
+                  <a:txBody>
+                    <a:bodyPr/>
+                    <a:lstStyle/>
+                    <a:p>
+                      <a:pPr marL="0" algn="l" defTabSz="457200" rtl="0" eaLnBrk="1" fontAlgn="t" latinLnBrk="0" hangingPunct="1">
+                        <a:spcBef>
+                          <a:spcPts val="0"/>
+                        </a:spcBef>
+                        <a:spcAft>
+                          <a:spcPts val="0"/>
+                        </a:spcAft>
+                      </a:pPr>
+                      <a:r>
+                        <a:rPr lang="de-AT" sz="900" b="0" i="0" u="none" strike="noStrike" kern="1200" dirty="0">
+                          <a:solidFill>
+                            <a:schemeClr val="tx1"/>
+                          </a:solidFill>
+                          <a:effectLst/>
+                          <a:latin typeface="Arial" panose="020B0604020202020204" pitchFamily="34" charset="0"/>
+                          <a:ea typeface="+mn-ea"/>
+                          <a:cs typeface="+mn-cs"/>
+                        </a:rPr>
+                        <a:t>male</a:t>
+                      </a:r>
+                    </a:p>
+                  </a:txBody>
+                  <a:tcPr marL="46577" marR="46577" marT="23289" marB="23289">
+                    <a:lnL w="12700" cap="flat" cmpd="sng" algn="ctr">
+                      <a:solidFill>
+                        <a:srgbClr val="777777"/>
+                      </a:solidFill>
+                      <a:prstDash val="solid"/>
+                      <a:round/>
+                      <a:headEnd type="none" w="med" len="med"/>
+                      <a:tailEnd type="none" w="med" len="med"/>
+                    </a:lnL>
+                    <a:lnR w="12700" cap="flat" cmpd="sng" algn="ctr">
+                      <a:solidFill>
+                        <a:srgbClr val="777777"/>
+                      </a:solidFill>
+                      <a:prstDash val="solid"/>
+                      <a:round/>
+                      <a:headEnd type="none" w="med" len="med"/>
+                      <a:tailEnd type="none" w="med" len="med"/>
+                    </a:lnR>
+                    <a:lnT w="12700" cap="flat" cmpd="sng" algn="ctr">
+                      <a:solidFill>
+                        <a:srgbClr val="777777"/>
+                      </a:solidFill>
+                      <a:prstDash val="solid"/>
+                      <a:round/>
+                      <a:headEnd type="none" w="med" len="med"/>
+                      <a:tailEnd type="none" w="med" len="med"/>
+                    </a:lnT>
+                    <a:lnB w="12700" cap="flat" cmpd="sng" algn="ctr">
+                      <a:solidFill>
+                        <a:srgbClr val="777777"/>
+                      </a:solidFill>
+                      <a:prstDash val="solid"/>
+                      <a:round/>
+                      <a:headEnd type="none" w="med" len="med"/>
+                      <a:tailEnd type="none" w="med" len="med"/>
+                    </a:lnB>
+                  </a:tcPr>
+                </a:tc>
+                <a:extLst>
+                  <a:ext uri="{0D108BD9-81ED-4DB2-BD59-A6C34878D82A}">
+                    <a16:rowId xmlns:a16="http://schemas.microsoft.com/office/drawing/2014/main" val="2789270134"/>
+                  </a:ext>
+                </a:extLst>
+              </a:tr>
+              <a:tr h="204940">
+                <a:tc>
+                  <a:txBody>
+                    <a:bodyPr/>
+                    <a:lstStyle/>
+                    <a:p>
+                      <a:pPr algn="l" fontAlgn="t">
+                        <a:spcBef>
+                          <a:spcPts val="0"/>
+                        </a:spcBef>
+                        <a:spcAft>
+                          <a:spcPts val="0"/>
+                        </a:spcAft>
+                      </a:pPr>
+                      <a:r>
+                        <a:rPr lang="de-AT" sz="900" b="1" i="0" u="none" strike="noStrike">
+                          <a:solidFill>
+                            <a:srgbClr val="000000"/>
+                          </a:solidFill>
+                          <a:effectLst/>
+                          <a:latin typeface="Arial" panose="020B0604020202020204" pitchFamily="34" charset="0"/>
+                        </a:rPr>
+                        <a:t>Device</a:t>
+                      </a:r>
+                      <a:endParaRPr lang="de-AT" sz="900" b="0" i="0" u="none" strike="noStrike">
+                        <a:solidFill>
+                          <a:srgbClr val="000000"/>
+                        </a:solidFill>
+                        <a:effectLst/>
+                        <a:latin typeface="Arial" panose="020B0604020202020204" pitchFamily="34" charset="0"/>
+                      </a:endParaRPr>
+                    </a:p>
+                  </a:txBody>
+                  <a:tcPr marL="46577" marR="46577" marT="23289" marB="23289">
+                    <a:lnL w="12700" cap="flat" cmpd="sng" algn="ctr">
+                      <a:solidFill>
+                        <a:srgbClr val="777777"/>
+                      </a:solidFill>
+                      <a:prstDash val="solid"/>
+                      <a:round/>
+                      <a:headEnd type="none" w="med" len="med"/>
+                      <a:tailEnd type="none" w="med" len="med"/>
+                    </a:lnL>
+                    <a:lnR w="12700" cap="flat" cmpd="sng" algn="ctr">
+                      <a:solidFill>
+                        <a:srgbClr val="777777"/>
+                      </a:solidFill>
+                      <a:prstDash val="solid"/>
+                      <a:round/>
+                      <a:headEnd type="none" w="med" len="med"/>
+                      <a:tailEnd type="none" w="med" len="med"/>
+                    </a:lnR>
+                    <a:lnT w="12700" cap="flat" cmpd="sng" algn="ctr">
+                      <a:solidFill>
+                        <a:srgbClr val="777777"/>
+                      </a:solidFill>
+                      <a:prstDash val="solid"/>
+                      <a:round/>
+                      <a:headEnd type="none" w="med" len="med"/>
+                      <a:tailEnd type="none" w="med" len="med"/>
+                    </a:lnT>
+                    <a:lnB w="12700" cap="flat" cmpd="sng" algn="ctr">
+                      <a:solidFill>
+                        <a:srgbClr val="777777"/>
+                      </a:solidFill>
+                      <a:prstDash val="solid"/>
+                      <a:round/>
+                      <a:headEnd type="none" w="med" len="med"/>
+                      <a:tailEnd type="none" w="med" len="med"/>
+                    </a:lnB>
+                    <a:solidFill>
+                      <a:srgbClr val="DDDDDD"/>
+                    </a:solidFill>
+                  </a:tcPr>
+                </a:tc>
+                <a:tc>
+                  <a:txBody>
+                    <a:bodyPr/>
+                    <a:lstStyle/>
+                    <a:p>
+                      <a:pPr marL="0" algn="l" defTabSz="457200" rtl="0" eaLnBrk="1" fontAlgn="t" latinLnBrk="0" hangingPunct="1">
+                        <a:spcBef>
+                          <a:spcPts val="0"/>
+                        </a:spcBef>
+                        <a:spcAft>
+                          <a:spcPts val="0"/>
+                        </a:spcAft>
+                      </a:pPr>
+                      <a:r>
+                        <a:rPr lang="de-AT" sz="900" b="0" i="0" u="none" strike="noStrike" kern="1200" dirty="0">
+                          <a:solidFill>
+                            <a:schemeClr val="tx1"/>
+                          </a:solidFill>
+                          <a:effectLst/>
+                          <a:latin typeface="Arial" panose="020B0604020202020204" pitchFamily="34" charset="0"/>
+                          <a:ea typeface="+mn-ea"/>
+                          <a:cs typeface="+mn-cs"/>
+                        </a:rPr>
+                        <a:t>PC</a:t>
+                      </a:r>
+                    </a:p>
+                  </a:txBody>
+                  <a:tcPr anchor="ctr">
+                    <a:lnL w="12700" cap="flat" cmpd="sng" algn="ctr">
+                      <a:solidFill>
+                        <a:srgbClr val="777777"/>
+                      </a:solidFill>
+                      <a:prstDash val="solid"/>
+                      <a:round/>
+                      <a:headEnd type="none" w="med" len="med"/>
+                      <a:tailEnd type="none" w="med" len="med"/>
+                    </a:lnL>
+                    <a:lnR w="12700" cap="flat" cmpd="sng" algn="ctr">
+                      <a:solidFill>
+                        <a:srgbClr val="777777"/>
+                      </a:solidFill>
+                      <a:prstDash val="solid"/>
+                      <a:round/>
+                      <a:headEnd type="none" w="med" len="med"/>
+                      <a:tailEnd type="none" w="med" len="med"/>
+                    </a:lnR>
+                    <a:lnT w="12700" cap="flat" cmpd="sng" algn="ctr">
+                      <a:solidFill>
+                        <a:srgbClr val="777777"/>
+                      </a:solidFill>
+                      <a:prstDash val="solid"/>
+                      <a:round/>
+                      <a:headEnd type="none" w="med" len="med"/>
+                      <a:tailEnd type="none" w="med" len="med"/>
+                    </a:lnT>
+                    <a:lnB w="12700" cap="flat" cmpd="sng" algn="ctr">
+                      <a:solidFill>
+                        <a:srgbClr val="777777"/>
+                      </a:solidFill>
+                      <a:prstDash val="solid"/>
+                      <a:round/>
+                      <a:headEnd type="none" w="med" len="med"/>
+                      <a:tailEnd type="none" w="med" len="med"/>
+                    </a:lnB>
+                  </a:tcPr>
+                </a:tc>
+                <a:tc>
+                  <a:txBody>
+                    <a:bodyPr/>
+                    <a:lstStyle/>
+                    <a:p>
+                      <a:pPr marL="0" algn="l" defTabSz="457200" rtl="0" eaLnBrk="1" fontAlgn="t" latinLnBrk="0" hangingPunct="1">
+                        <a:spcBef>
+                          <a:spcPts val="0"/>
+                        </a:spcBef>
+                        <a:spcAft>
+                          <a:spcPts val="0"/>
+                        </a:spcAft>
+                      </a:pPr>
+                      <a:r>
+                        <a:rPr lang="de-AT" sz="900" b="0" i="0" u="none" strike="noStrike" kern="1200" dirty="0">
+                          <a:solidFill>
+                            <a:schemeClr val="tx1"/>
+                          </a:solidFill>
+                          <a:effectLst/>
+                          <a:latin typeface="Arial" panose="020B0604020202020204" pitchFamily="34" charset="0"/>
+                          <a:ea typeface="+mn-ea"/>
+                          <a:cs typeface="+mn-cs"/>
+                        </a:rPr>
+                        <a:t>PC</a:t>
+                      </a:r>
+                    </a:p>
+                  </a:txBody>
+                  <a:tcPr anchor="ctr">
+                    <a:lnL w="12700" cap="flat" cmpd="sng" algn="ctr">
+                      <a:solidFill>
+                        <a:srgbClr val="777777"/>
+                      </a:solidFill>
+                      <a:prstDash val="solid"/>
+                      <a:round/>
+                      <a:headEnd type="none" w="med" len="med"/>
+                      <a:tailEnd type="none" w="med" len="med"/>
+                    </a:lnL>
+                    <a:lnR w="12700" cap="flat" cmpd="sng" algn="ctr">
+                      <a:solidFill>
+                        <a:srgbClr val="777777"/>
+                      </a:solidFill>
+                      <a:prstDash val="solid"/>
+                      <a:round/>
+                      <a:headEnd type="none" w="med" len="med"/>
+                      <a:tailEnd type="none" w="med" len="med"/>
+                    </a:lnR>
+                    <a:lnT w="12700" cap="flat" cmpd="sng" algn="ctr">
+                      <a:solidFill>
+                        <a:srgbClr val="777777"/>
+                      </a:solidFill>
+                      <a:prstDash val="solid"/>
+                      <a:round/>
+                      <a:headEnd type="none" w="med" len="med"/>
+                      <a:tailEnd type="none" w="med" len="med"/>
+                    </a:lnT>
+                    <a:lnB w="12700" cap="flat" cmpd="sng" algn="ctr">
+                      <a:solidFill>
+                        <a:srgbClr val="777777"/>
+                      </a:solidFill>
+                      <a:prstDash val="solid"/>
+                      <a:round/>
+                      <a:headEnd type="none" w="med" len="med"/>
+                      <a:tailEnd type="none" w="med" len="med"/>
+                    </a:lnB>
+                  </a:tcPr>
+                </a:tc>
+                <a:tc>
+                  <a:txBody>
+                    <a:bodyPr/>
+                    <a:lstStyle/>
+                    <a:p>
+                      <a:pPr marL="0" algn="l" defTabSz="457200" rtl="0" eaLnBrk="1" fontAlgn="t" latinLnBrk="0" hangingPunct="1">
+                        <a:spcBef>
+                          <a:spcPts val="0"/>
+                        </a:spcBef>
+                        <a:spcAft>
+                          <a:spcPts val="0"/>
+                        </a:spcAft>
+                      </a:pPr>
+                      <a:r>
+                        <a:rPr lang="de-AT" sz="900" b="0" i="0" u="none" strike="noStrike" kern="1200" dirty="0">
+                          <a:solidFill>
+                            <a:schemeClr val="tx1"/>
+                          </a:solidFill>
+                          <a:effectLst/>
+                          <a:latin typeface="Arial" panose="020B0604020202020204" pitchFamily="34" charset="0"/>
+                          <a:ea typeface="+mn-ea"/>
+                          <a:cs typeface="+mn-cs"/>
+                        </a:rPr>
+                        <a:t>Lenovo ThinkPad E14</a:t>
+                      </a:r>
+                    </a:p>
+                  </a:txBody>
+                  <a:tcPr anchor="ctr">
+                    <a:lnL w="12700" cap="flat" cmpd="sng" algn="ctr">
+                      <a:solidFill>
+                        <a:srgbClr val="777777"/>
+                      </a:solidFill>
+                      <a:prstDash val="solid"/>
+                      <a:round/>
+                      <a:headEnd type="none" w="med" len="med"/>
+                      <a:tailEnd type="none" w="med" len="med"/>
+                    </a:lnL>
+                    <a:lnR w="12700" cap="flat" cmpd="sng" algn="ctr">
+                      <a:solidFill>
+                        <a:srgbClr val="777777"/>
+                      </a:solidFill>
+                      <a:prstDash val="solid"/>
+                      <a:round/>
+                      <a:headEnd type="none" w="med" len="med"/>
+                      <a:tailEnd type="none" w="med" len="med"/>
+                    </a:lnR>
+                    <a:lnT w="12700" cap="flat" cmpd="sng" algn="ctr">
+                      <a:solidFill>
+                        <a:srgbClr val="777777"/>
+                      </a:solidFill>
+                      <a:prstDash val="solid"/>
+                      <a:round/>
+                      <a:headEnd type="none" w="med" len="med"/>
+                      <a:tailEnd type="none" w="med" len="med"/>
+                    </a:lnT>
+                    <a:lnB w="12700" cap="flat" cmpd="sng" algn="ctr">
+                      <a:solidFill>
+                        <a:srgbClr val="777777"/>
+                      </a:solidFill>
+                      <a:prstDash val="solid"/>
+                      <a:round/>
+                      <a:headEnd type="none" w="med" len="med"/>
+                      <a:tailEnd type="none" w="med" len="med"/>
+                    </a:lnB>
+                  </a:tcPr>
+                </a:tc>
+                <a:tc>
+                  <a:txBody>
+                    <a:bodyPr/>
+                    <a:lstStyle/>
+                    <a:p>
+                      <a:pPr marL="0" algn="l" defTabSz="457200" rtl="0" eaLnBrk="1" fontAlgn="t" latinLnBrk="0" hangingPunct="1">
+                        <a:spcBef>
+                          <a:spcPts val="0"/>
+                        </a:spcBef>
+                        <a:spcAft>
+                          <a:spcPts val="0"/>
+                        </a:spcAft>
+                      </a:pPr>
+                      <a:r>
+                        <a:rPr lang="de-AT" sz="900" b="0" i="0" u="none" strike="noStrike" kern="1200" dirty="0">
+                          <a:solidFill>
+                            <a:schemeClr val="tx1"/>
+                          </a:solidFill>
+                          <a:effectLst/>
+                          <a:latin typeface="Arial" panose="020B0604020202020204" pitchFamily="34" charset="0"/>
+                          <a:ea typeface="+mn-ea"/>
+                          <a:cs typeface="+mn-cs"/>
+                        </a:rPr>
+                        <a:t>PC</a:t>
+                      </a:r>
+                    </a:p>
+                  </a:txBody>
+                  <a:tcPr anchor="ctr">
+                    <a:lnL w="12700" cap="flat" cmpd="sng" algn="ctr">
+                      <a:solidFill>
+                        <a:srgbClr val="777777"/>
+                      </a:solidFill>
+                      <a:prstDash val="solid"/>
+                      <a:round/>
+                      <a:headEnd type="none" w="med" len="med"/>
+                      <a:tailEnd type="none" w="med" len="med"/>
+                    </a:lnL>
+                    <a:lnR w="12700" cap="flat" cmpd="sng" algn="ctr">
+                      <a:solidFill>
+                        <a:srgbClr val="777777"/>
+                      </a:solidFill>
+                      <a:prstDash val="solid"/>
+                      <a:round/>
+                      <a:headEnd type="none" w="med" len="med"/>
+                      <a:tailEnd type="none" w="med" len="med"/>
+                    </a:lnR>
+                    <a:lnT w="12700" cap="flat" cmpd="sng" algn="ctr">
+                      <a:solidFill>
+                        <a:srgbClr val="777777"/>
+                      </a:solidFill>
+                      <a:prstDash val="solid"/>
+                      <a:round/>
+                      <a:headEnd type="none" w="med" len="med"/>
+                      <a:tailEnd type="none" w="med" len="med"/>
+                    </a:lnT>
+                    <a:lnB w="12700" cap="flat" cmpd="sng" algn="ctr">
+                      <a:solidFill>
+                        <a:srgbClr val="777777"/>
+                      </a:solidFill>
+                      <a:prstDash val="solid"/>
+                      <a:round/>
+                      <a:headEnd type="none" w="med" len="med"/>
+                      <a:tailEnd type="none" w="med" len="med"/>
+                    </a:lnB>
+                  </a:tcPr>
+                </a:tc>
+                <a:extLst>
+                  <a:ext uri="{0D108BD9-81ED-4DB2-BD59-A6C34878D82A}">
+                    <a16:rowId xmlns:a16="http://schemas.microsoft.com/office/drawing/2014/main" val="2069398173"/>
+                  </a:ext>
+                </a:extLst>
+              </a:tr>
+              <a:tr h="208180">
+                <a:tc>
+                  <a:txBody>
+                    <a:bodyPr/>
+                    <a:lstStyle/>
+                    <a:p>
+                      <a:pPr algn="l" fontAlgn="t">
+                        <a:spcBef>
+                          <a:spcPts val="0"/>
+                        </a:spcBef>
+                        <a:spcAft>
+                          <a:spcPts val="0"/>
+                        </a:spcAft>
+                      </a:pPr>
+                      <a:r>
+                        <a:rPr lang="de-AT" sz="900" b="1" i="0" u="none" strike="noStrike">
+                          <a:solidFill>
+                            <a:srgbClr val="000000"/>
+                          </a:solidFill>
+                          <a:effectLst/>
+                          <a:latin typeface="Arial" panose="020B0604020202020204" pitchFamily="34" charset="0"/>
+                        </a:rPr>
+                        <a:t>OS and Version</a:t>
+                      </a:r>
+                      <a:endParaRPr lang="de-AT" sz="900" b="0" i="0" u="none" strike="noStrike">
+                        <a:solidFill>
+                          <a:srgbClr val="000000"/>
+                        </a:solidFill>
+                        <a:effectLst/>
+                        <a:latin typeface="Arial" panose="020B0604020202020204" pitchFamily="34" charset="0"/>
+                      </a:endParaRPr>
+                    </a:p>
+                  </a:txBody>
+                  <a:tcPr marL="46577" marR="46577" marT="23289" marB="23289">
+                    <a:lnL w="12700" cap="flat" cmpd="sng" algn="ctr">
+                      <a:solidFill>
+                        <a:srgbClr val="777777"/>
+                      </a:solidFill>
+                      <a:prstDash val="solid"/>
+                      <a:round/>
+                      <a:headEnd type="none" w="med" len="med"/>
+                      <a:tailEnd type="none" w="med" len="med"/>
+                    </a:lnL>
+                    <a:lnR w="12700" cap="flat" cmpd="sng" algn="ctr">
+                      <a:solidFill>
+                        <a:srgbClr val="777777"/>
+                      </a:solidFill>
+                      <a:prstDash val="solid"/>
+                      <a:round/>
+                      <a:headEnd type="none" w="med" len="med"/>
+                      <a:tailEnd type="none" w="med" len="med"/>
+                    </a:lnR>
+                    <a:lnT w="12700" cap="flat" cmpd="sng" algn="ctr">
+                      <a:solidFill>
+                        <a:srgbClr val="777777"/>
+                      </a:solidFill>
+                      <a:prstDash val="solid"/>
+                      <a:round/>
+                      <a:headEnd type="none" w="med" len="med"/>
+                      <a:tailEnd type="none" w="med" len="med"/>
+                    </a:lnT>
+                    <a:lnB w="12700" cap="flat" cmpd="sng" algn="ctr">
+                      <a:solidFill>
+                        <a:srgbClr val="777777"/>
+                      </a:solidFill>
+                      <a:prstDash val="solid"/>
+                      <a:round/>
+                      <a:headEnd type="none" w="med" len="med"/>
+                      <a:tailEnd type="none" w="med" len="med"/>
+                    </a:lnB>
+                    <a:solidFill>
+                      <a:srgbClr val="DDDDDD"/>
+                    </a:solidFill>
+                  </a:tcPr>
+                </a:tc>
+                <a:tc>
+                  <a:txBody>
+                    <a:bodyPr/>
+                    <a:lstStyle/>
+                    <a:p>
+                      <a:pPr marL="0" algn="l" defTabSz="457200" rtl="0" eaLnBrk="1" fontAlgn="t" latinLnBrk="0" hangingPunct="1">
+                        <a:spcBef>
+                          <a:spcPts val="0"/>
+                        </a:spcBef>
+                        <a:spcAft>
+                          <a:spcPts val="0"/>
+                        </a:spcAft>
+                      </a:pPr>
+                      <a:r>
+                        <a:rPr lang="en-US" sz="900" b="0" i="0" u="none" strike="noStrike" kern="1200" dirty="0">
+                          <a:solidFill>
+                            <a:schemeClr val="tx1"/>
+                          </a:solidFill>
+                          <a:effectLst/>
+                          <a:latin typeface="Arial" panose="020B0604020202020204" pitchFamily="34" charset="0"/>
+                          <a:ea typeface="+mn-ea"/>
+                          <a:cs typeface="+mn-cs"/>
+                        </a:rPr>
+                        <a:t>Windows 10 Education EN Build 19041</a:t>
+                      </a:r>
+                    </a:p>
+                  </a:txBody>
+                  <a:tcPr anchor="ctr">
+                    <a:lnL w="12700" cap="flat" cmpd="sng" algn="ctr">
+                      <a:solidFill>
+                        <a:srgbClr val="777777"/>
+                      </a:solidFill>
+                      <a:prstDash val="solid"/>
+                      <a:round/>
+                      <a:headEnd type="none" w="med" len="med"/>
+                      <a:tailEnd type="none" w="med" len="med"/>
+                    </a:lnL>
+                    <a:lnR w="12700" cap="flat" cmpd="sng" algn="ctr">
+                      <a:solidFill>
+                        <a:srgbClr val="777777"/>
+                      </a:solidFill>
+                      <a:prstDash val="solid"/>
+                      <a:round/>
+                      <a:headEnd type="none" w="med" len="med"/>
+                      <a:tailEnd type="none" w="med" len="med"/>
+                    </a:lnR>
+                    <a:lnT w="12700" cap="flat" cmpd="sng" algn="ctr">
+                      <a:solidFill>
+                        <a:srgbClr val="777777"/>
+                      </a:solidFill>
+                      <a:prstDash val="solid"/>
+                      <a:round/>
+                      <a:headEnd type="none" w="med" len="med"/>
+                      <a:tailEnd type="none" w="med" len="med"/>
+                    </a:lnT>
+                    <a:lnB w="12700" cap="flat" cmpd="sng" algn="ctr">
+                      <a:solidFill>
+                        <a:srgbClr val="777777"/>
+                      </a:solidFill>
+                      <a:prstDash val="solid"/>
+                      <a:round/>
+                      <a:headEnd type="none" w="med" len="med"/>
+                      <a:tailEnd type="none" w="med" len="med"/>
+                    </a:lnB>
+                  </a:tcPr>
+                </a:tc>
+                <a:tc>
+                  <a:txBody>
+                    <a:bodyPr/>
+                    <a:lstStyle/>
+                    <a:p>
+                      <a:pPr marL="0" algn="l" defTabSz="457200" rtl="0" eaLnBrk="1" fontAlgn="t" latinLnBrk="0" hangingPunct="1">
+                        <a:spcBef>
+                          <a:spcPts val="0"/>
+                        </a:spcBef>
+                        <a:spcAft>
+                          <a:spcPts val="0"/>
+                        </a:spcAft>
+                      </a:pPr>
+                      <a:r>
+                        <a:rPr lang="en-US" sz="900" b="0" i="0" u="none" strike="noStrike" kern="1200" dirty="0" err="1">
+                          <a:solidFill>
+                            <a:schemeClr val="tx1"/>
+                          </a:solidFill>
+                          <a:effectLst/>
+                          <a:latin typeface="Arial" panose="020B0604020202020204" pitchFamily="34" charset="0"/>
+                          <a:ea typeface="+mn-ea"/>
+                          <a:cs typeface="+mn-cs"/>
+                        </a:rPr>
+                        <a:t>Windwos</a:t>
+                      </a:r>
+                      <a:r>
+                        <a:rPr lang="en-US" sz="900" b="0" i="0" u="none" strike="noStrike" kern="1200" dirty="0">
+                          <a:solidFill>
+                            <a:schemeClr val="tx1"/>
+                          </a:solidFill>
+                          <a:effectLst/>
+                          <a:latin typeface="Arial" panose="020B0604020202020204" pitchFamily="34" charset="0"/>
+                          <a:ea typeface="+mn-ea"/>
+                          <a:cs typeface="+mn-cs"/>
+                        </a:rPr>
+                        <a:t> 10 Education 20H2 19042.867</a:t>
+                      </a:r>
+                    </a:p>
+                  </a:txBody>
+                  <a:tcPr anchor="ctr">
+                    <a:lnL w="12700" cap="flat" cmpd="sng" algn="ctr">
+                      <a:solidFill>
+                        <a:srgbClr val="777777"/>
+                      </a:solidFill>
+                      <a:prstDash val="solid"/>
+                      <a:round/>
+                      <a:headEnd type="none" w="med" len="med"/>
+                      <a:tailEnd type="none" w="med" len="med"/>
+                    </a:lnL>
+                    <a:lnR w="12700" cap="flat" cmpd="sng" algn="ctr">
+                      <a:solidFill>
+                        <a:srgbClr val="777777"/>
+                      </a:solidFill>
+                      <a:prstDash val="solid"/>
+                      <a:round/>
+                      <a:headEnd type="none" w="med" len="med"/>
+                      <a:tailEnd type="none" w="med" len="med"/>
+                    </a:lnR>
+                    <a:lnT w="12700" cap="flat" cmpd="sng" algn="ctr">
+                      <a:solidFill>
+                        <a:srgbClr val="777777"/>
+                      </a:solidFill>
+                      <a:prstDash val="solid"/>
+                      <a:round/>
+                      <a:headEnd type="none" w="med" len="med"/>
+                      <a:tailEnd type="none" w="med" len="med"/>
+                    </a:lnT>
+                    <a:lnB w="12700" cap="flat" cmpd="sng" algn="ctr">
+                      <a:solidFill>
+                        <a:srgbClr val="777777"/>
+                      </a:solidFill>
+                      <a:prstDash val="solid"/>
+                      <a:round/>
+                      <a:headEnd type="none" w="med" len="med"/>
+                      <a:tailEnd type="none" w="med" len="med"/>
+                    </a:lnB>
+                  </a:tcPr>
+                </a:tc>
+                <a:tc>
+                  <a:txBody>
+                    <a:bodyPr/>
+                    <a:lstStyle/>
+                    <a:p>
+                      <a:pPr marL="0" algn="l" defTabSz="457200" rtl="0" eaLnBrk="1" fontAlgn="t" latinLnBrk="0" hangingPunct="1">
+                        <a:spcBef>
+                          <a:spcPts val="0"/>
+                        </a:spcBef>
+                        <a:spcAft>
+                          <a:spcPts val="0"/>
+                        </a:spcAft>
+                      </a:pPr>
+                      <a:r>
+                        <a:rPr lang="en-US" sz="900" b="0" i="0" u="none" strike="noStrike" kern="1200" dirty="0">
+                          <a:solidFill>
+                            <a:schemeClr val="tx1"/>
+                          </a:solidFill>
+                          <a:effectLst/>
+                          <a:latin typeface="Arial" panose="020B0604020202020204" pitchFamily="34" charset="0"/>
+                          <a:ea typeface="+mn-ea"/>
+                          <a:cs typeface="+mn-cs"/>
+                        </a:rPr>
+                        <a:t>Windows 10 Pro DE v 2004</a:t>
+                      </a:r>
+                    </a:p>
+                  </a:txBody>
+                  <a:tcPr anchor="ctr">
+                    <a:lnL w="12700" cap="flat" cmpd="sng" algn="ctr">
+                      <a:solidFill>
+                        <a:srgbClr val="777777"/>
+                      </a:solidFill>
+                      <a:prstDash val="solid"/>
+                      <a:round/>
+                      <a:headEnd type="none" w="med" len="med"/>
+                      <a:tailEnd type="none" w="med" len="med"/>
+                    </a:lnL>
+                    <a:lnR w="12700" cap="flat" cmpd="sng" algn="ctr">
+                      <a:solidFill>
+                        <a:srgbClr val="777777"/>
+                      </a:solidFill>
+                      <a:prstDash val="solid"/>
+                      <a:round/>
+                      <a:headEnd type="none" w="med" len="med"/>
+                      <a:tailEnd type="none" w="med" len="med"/>
+                    </a:lnR>
+                    <a:lnT w="12700" cap="flat" cmpd="sng" algn="ctr">
+                      <a:solidFill>
+                        <a:srgbClr val="777777"/>
+                      </a:solidFill>
+                      <a:prstDash val="solid"/>
+                      <a:round/>
+                      <a:headEnd type="none" w="med" len="med"/>
+                      <a:tailEnd type="none" w="med" len="med"/>
+                    </a:lnT>
+                    <a:lnB w="12700" cap="flat" cmpd="sng" algn="ctr">
+                      <a:solidFill>
+                        <a:srgbClr val="777777"/>
+                      </a:solidFill>
+                      <a:prstDash val="solid"/>
+                      <a:round/>
+                      <a:headEnd type="none" w="med" len="med"/>
+                      <a:tailEnd type="none" w="med" len="med"/>
+                    </a:lnB>
+                  </a:tcPr>
+                </a:tc>
+                <a:tc>
+                  <a:txBody>
+                    <a:bodyPr/>
+                    <a:lstStyle/>
+                    <a:p>
+                      <a:pPr marL="0" algn="l" defTabSz="457200" rtl="0" eaLnBrk="1" fontAlgn="t" latinLnBrk="0" hangingPunct="1">
+                        <a:spcBef>
+                          <a:spcPts val="0"/>
+                        </a:spcBef>
+                        <a:spcAft>
+                          <a:spcPts val="0"/>
+                        </a:spcAft>
+                      </a:pPr>
+                      <a:r>
+                        <a:rPr lang="en-US" sz="900" b="0" i="0" u="none" strike="noStrike" kern="1200" dirty="0">
+                          <a:solidFill>
+                            <a:schemeClr val="tx1"/>
+                          </a:solidFill>
+                          <a:effectLst/>
+                          <a:latin typeface="Arial" panose="020B0604020202020204" pitchFamily="34" charset="0"/>
+                          <a:ea typeface="+mn-ea"/>
+                          <a:cs typeface="+mn-cs"/>
+                        </a:rPr>
+                        <a:t>Windows 10 Pro DE v 2004 Build 19041.876</a:t>
+                      </a:r>
+                    </a:p>
+                  </a:txBody>
+                  <a:tcPr anchor="ctr">
+                    <a:lnL w="12700" cap="flat" cmpd="sng" algn="ctr">
+                      <a:solidFill>
+                        <a:srgbClr val="777777"/>
+                      </a:solidFill>
+                      <a:prstDash val="solid"/>
+                      <a:round/>
+                      <a:headEnd type="none" w="med" len="med"/>
+                      <a:tailEnd type="none" w="med" len="med"/>
+                    </a:lnL>
+                    <a:lnR w="12700" cap="flat" cmpd="sng" algn="ctr">
+                      <a:solidFill>
+                        <a:srgbClr val="777777"/>
+                      </a:solidFill>
+                      <a:prstDash val="solid"/>
+                      <a:round/>
+                      <a:headEnd type="none" w="med" len="med"/>
+                      <a:tailEnd type="none" w="med" len="med"/>
+                    </a:lnR>
+                    <a:lnT w="12700" cap="flat" cmpd="sng" algn="ctr">
+                      <a:solidFill>
+                        <a:srgbClr val="777777"/>
+                      </a:solidFill>
+                      <a:prstDash val="solid"/>
+                      <a:round/>
+                      <a:headEnd type="none" w="med" len="med"/>
+                      <a:tailEnd type="none" w="med" len="med"/>
+                    </a:lnT>
+                    <a:lnB w="12700" cap="flat" cmpd="sng" algn="ctr">
+                      <a:solidFill>
+                        <a:srgbClr val="777777"/>
+                      </a:solidFill>
+                      <a:prstDash val="solid"/>
+                      <a:round/>
+                      <a:headEnd type="none" w="med" len="med"/>
+                      <a:tailEnd type="none" w="med" len="med"/>
+                    </a:lnB>
+                  </a:tcPr>
+                </a:tc>
+                <a:extLst>
+                  <a:ext uri="{0D108BD9-81ED-4DB2-BD59-A6C34878D82A}">
+                    <a16:rowId xmlns:a16="http://schemas.microsoft.com/office/drawing/2014/main" val="817941237"/>
+                  </a:ext>
+                </a:extLst>
+              </a:tr>
+              <a:tr h="204940">
+                <a:tc>
+                  <a:txBody>
+                    <a:bodyPr/>
+                    <a:lstStyle/>
+                    <a:p>
+                      <a:pPr algn="l" fontAlgn="t">
+                        <a:spcBef>
+                          <a:spcPts val="0"/>
+                        </a:spcBef>
+                        <a:spcAft>
+                          <a:spcPts val="0"/>
+                        </a:spcAft>
+                      </a:pPr>
+                      <a:r>
+                        <a:rPr lang="de-AT" sz="900" b="1" i="0" u="none" strike="noStrike">
+                          <a:solidFill>
+                            <a:srgbClr val="000000"/>
+                          </a:solidFill>
+                          <a:effectLst/>
+                          <a:latin typeface="Arial" panose="020B0604020202020204" pitchFamily="34" charset="0"/>
+                        </a:rPr>
+                        <a:t>Screen Size</a:t>
+                      </a:r>
+                      <a:endParaRPr lang="de-AT" sz="900" b="0" i="0" u="none" strike="noStrike">
+                        <a:solidFill>
+                          <a:srgbClr val="000000"/>
+                        </a:solidFill>
+                        <a:effectLst/>
+                        <a:latin typeface="Arial" panose="020B0604020202020204" pitchFamily="34" charset="0"/>
+                      </a:endParaRPr>
+                    </a:p>
+                  </a:txBody>
+                  <a:tcPr marL="46577" marR="46577" marT="23289" marB="23289">
+                    <a:lnL w="12700" cap="flat" cmpd="sng" algn="ctr">
+                      <a:solidFill>
+                        <a:srgbClr val="777777"/>
+                      </a:solidFill>
+                      <a:prstDash val="solid"/>
+                      <a:round/>
+                      <a:headEnd type="none" w="med" len="med"/>
+                      <a:tailEnd type="none" w="med" len="med"/>
+                    </a:lnL>
+                    <a:lnR w="12700" cap="flat" cmpd="sng" algn="ctr">
+                      <a:solidFill>
+                        <a:srgbClr val="777777"/>
+                      </a:solidFill>
+                      <a:prstDash val="solid"/>
+                      <a:round/>
+                      <a:headEnd type="none" w="med" len="med"/>
+                      <a:tailEnd type="none" w="med" len="med"/>
+                    </a:lnR>
+                    <a:lnT w="12700" cap="flat" cmpd="sng" algn="ctr">
+                      <a:solidFill>
+                        <a:srgbClr val="777777"/>
+                      </a:solidFill>
+                      <a:prstDash val="solid"/>
+                      <a:round/>
+                      <a:headEnd type="none" w="med" len="med"/>
+                      <a:tailEnd type="none" w="med" len="med"/>
+                    </a:lnT>
+                    <a:lnB w="12700" cap="flat" cmpd="sng" algn="ctr">
+                      <a:solidFill>
+                        <a:srgbClr val="777777"/>
+                      </a:solidFill>
+                      <a:prstDash val="solid"/>
+                      <a:round/>
+                      <a:headEnd type="none" w="med" len="med"/>
+                      <a:tailEnd type="none" w="med" len="med"/>
+                    </a:lnB>
+                    <a:solidFill>
+                      <a:srgbClr val="DDDDDD"/>
+                    </a:solidFill>
+                  </a:tcPr>
+                </a:tc>
+                <a:tc>
+                  <a:txBody>
+                    <a:bodyPr/>
+                    <a:lstStyle/>
+                    <a:p>
+                      <a:pPr marL="0" algn="l" defTabSz="457200" rtl="0" eaLnBrk="1" fontAlgn="t" latinLnBrk="0" hangingPunct="1">
+                        <a:spcBef>
+                          <a:spcPts val="0"/>
+                        </a:spcBef>
+                        <a:spcAft>
+                          <a:spcPts val="0"/>
+                        </a:spcAft>
+                      </a:pPr>
+                      <a:r>
+                        <a:rPr lang="de-AT" sz="900" b="0" i="0" u="none" strike="noStrike" kern="1200" dirty="0">
+                          <a:solidFill>
+                            <a:schemeClr val="tx1"/>
+                          </a:solidFill>
+                          <a:effectLst/>
+                          <a:latin typeface="Arial" panose="020B0604020202020204" pitchFamily="34" charset="0"/>
+                          <a:ea typeface="+mn-ea"/>
+                          <a:cs typeface="+mn-cs"/>
+                        </a:rPr>
+                        <a:t>21"</a:t>
+                      </a:r>
+                    </a:p>
+                  </a:txBody>
+                  <a:tcPr anchor="ctr">
+                    <a:lnL w="12700" cap="flat" cmpd="sng" algn="ctr">
+                      <a:solidFill>
+                        <a:srgbClr val="777777"/>
+                      </a:solidFill>
+                      <a:prstDash val="solid"/>
+                      <a:round/>
+                      <a:headEnd type="none" w="med" len="med"/>
+                      <a:tailEnd type="none" w="med" len="med"/>
+                    </a:lnL>
+                    <a:lnR w="12700" cap="flat" cmpd="sng" algn="ctr">
+                      <a:solidFill>
+                        <a:srgbClr val="777777"/>
+                      </a:solidFill>
+                      <a:prstDash val="solid"/>
+                      <a:round/>
+                      <a:headEnd type="none" w="med" len="med"/>
+                      <a:tailEnd type="none" w="med" len="med"/>
+                    </a:lnR>
+                    <a:lnT w="12700" cap="flat" cmpd="sng" algn="ctr">
+                      <a:solidFill>
+                        <a:srgbClr val="777777"/>
+                      </a:solidFill>
+                      <a:prstDash val="solid"/>
+                      <a:round/>
+                      <a:headEnd type="none" w="med" len="med"/>
+                      <a:tailEnd type="none" w="med" len="med"/>
+                    </a:lnT>
+                    <a:lnB w="12700" cap="flat" cmpd="sng" algn="ctr">
+                      <a:solidFill>
+                        <a:srgbClr val="777777"/>
+                      </a:solidFill>
+                      <a:prstDash val="solid"/>
+                      <a:round/>
+                      <a:headEnd type="none" w="med" len="med"/>
+                      <a:tailEnd type="none" w="med" len="med"/>
+                    </a:lnB>
+                  </a:tcPr>
+                </a:tc>
+                <a:tc>
+                  <a:txBody>
+                    <a:bodyPr/>
+                    <a:lstStyle/>
+                    <a:p>
+                      <a:pPr marL="0" algn="l" defTabSz="457200" rtl="0" eaLnBrk="1" fontAlgn="t" latinLnBrk="0" hangingPunct="1">
+                        <a:spcBef>
+                          <a:spcPts val="0"/>
+                        </a:spcBef>
+                        <a:spcAft>
+                          <a:spcPts val="0"/>
+                        </a:spcAft>
+                      </a:pPr>
+                      <a:r>
+                        <a:rPr lang="de-AT" sz="900" b="0" i="0" u="none" strike="noStrike" kern="1200" dirty="0">
+                          <a:solidFill>
+                            <a:schemeClr val="tx1"/>
+                          </a:solidFill>
+                          <a:effectLst/>
+                          <a:latin typeface="Arial" panose="020B0604020202020204" pitchFamily="34" charset="0"/>
+                          <a:ea typeface="+mn-ea"/>
+                          <a:cs typeface="+mn-cs"/>
+                        </a:rPr>
+                        <a:t>24″</a:t>
+                      </a:r>
+                    </a:p>
+                  </a:txBody>
+                  <a:tcPr anchor="ctr">
+                    <a:lnL w="12700" cap="flat" cmpd="sng" algn="ctr">
+                      <a:solidFill>
+                        <a:srgbClr val="777777"/>
+                      </a:solidFill>
+                      <a:prstDash val="solid"/>
+                      <a:round/>
+                      <a:headEnd type="none" w="med" len="med"/>
+                      <a:tailEnd type="none" w="med" len="med"/>
+                    </a:lnL>
+                    <a:lnR w="12700" cap="flat" cmpd="sng" algn="ctr">
+                      <a:solidFill>
+                        <a:srgbClr val="777777"/>
+                      </a:solidFill>
+                      <a:prstDash val="solid"/>
+                      <a:round/>
+                      <a:headEnd type="none" w="med" len="med"/>
+                      <a:tailEnd type="none" w="med" len="med"/>
+                    </a:lnR>
+                    <a:lnT w="12700" cap="flat" cmpd="sng" algn="ctr">
+                      <a:solidFill>
+                        <a:srgbClr val="777777"/>
+                      </a:solidFill>
+                      <a:prstDash val="solid"/>
+                      <a:round/>
+                      <a:headEnd type="none" w="med" len="med"/>
+                      <a:tailEnd type="none" w="med" len="med"/>
+                    </a:lnT>
+                    <a:lnB w="12700" cap="flat" cmpd="sng" algn="ctr">
+                      <a:solidFill>
+                        <a:srgbClr val="777777"/>
+                      </a:solidFill>
+                      <a:prstDash val="solid"/>
+                      <a:round/>
+                      <a:headEnd type="none" w="med" len="med"/>
+                      <a:tailEnd type="none" w="med" len="med"/>
+                    </a:lnB>
+                  </a:tcPr>
+                </a:tc>
+                <a:tc>
+                  <a:txBody>
+                    <a:bodyPr/>
+                    <a:lstStyle/>
+                    <a:p>
+                      <a:pPr marL="0" algn="l" defTabSz="457200" rtl="0" eaLnBrk="1" fontAlgn="t" latinLnBrk="0" hangingPunct="1">
+                        <a:spcBef>
+                          <a:spcPts val="0"/>
+                        </a:spcBef>
+                        <a:spcAft>
+                          <a:spcPts val="0"/>
+                        </a:spcAft>
+                      </a:pPr>
+                      <a:r>
+                        <a:rPr lang="de-AT" sz="900" b="0" i="0" u="none" strike="noStrike" kern="1200" dirty="0">
+                          <a:solidFill>
+                            <a:schemeClr val="tx1"/>
+                          </a:solidFill>
+                          <a:effectLst/>
+                          <a:latin typeface="Arial" panose="020B0604020202020204" pitchFamily="34" charset="0"/>
+                          <a:ea typeface="+mn-ea"/>
+                          <a:cs typeface="+mn-cs"/>
+                        </a:rPr>
+                        <a:t>14″</a:t>
+                      </a:r>
+                    </a:p>
+                  </a:txBody>
+                  <a:tcPr anchor="ctr">
+                    <a:lnL w="12700" cap="flat" cmpd="sng" algn="ctr">
+                      <a:solidFill>
+                        <a:srgbClr val="777777"/>
+                      </a:solidFill>
+                      <a:prstDash val="solid"/>
+                      <a:round/>
+                      <a:headEnd type="none" w="med" len="med"/>
+                      <a:tailEnd type="none" w="med" len="med"/>
+                    </a:lnL>
+                    <a:lnR w="12700" cap="flat" cmpd="sng" algn="ctr">
+                      <a:solidFill>
+                        <a:srgbClr val="777777"/>
+                      </a:solidFill>
+                      <a:prstDash val="solid"/>
+                      <a:round/>
+                      <a:headEnd type="none" w="med" len="med"/>
+                      <a:tailEnd type="none" w="med" len="med"/>
+                    </a:lnR>
+                    <a:lnT w="12700" cap="flat" cmpd="sng" algn="ctr">
+                      <a:solidFill>
+                        <a:srgbClr val="777777"/>
+                      </a:solidFill>
+                      <a:prstDash val="solid"/>
+                      <a:round/>
+                      <a:headEnd type="none" w="med" len="med"/>
+                      <a:tailEnd type="none" w="med" len="med"/>
+                    </a:lnT>
+                    <a:lnB w="12700" cap="flat" cmpd="sng" algn="ctr">
+                      <a:solidFill>
+                        <a:srgbClr val="777777"/>
+                      </a:solidFill>
+                      <a:prstDash val="solid"/>
+                      <a:round/>
+                      <a:headEnd type="none" w="med" len="med"/>
+                      <a:tailEnd type="none" w="med" len="med"/>
+                    </a:lnB>
+                  </a:tcPr>
+                </a:tc>
+                <a:tc>
+                  <a:txBody>
+                    <a:bodyPr/>
+                    <a:lstStyle/>
+                    <a:p>
+                      <a:pPr marL="0" algn="l" defTabSz="457200" rtl="0" eaLnBrk="1" fontAlgn="t" latinLnBrk="0" hangingPunct="1">
+                        <a:spcBef>
+                          <a:spcPts val="0"/>
+                        </a:spcBef>
+                        <a:spcAft>
+                          <a:spcPts val="0"/>
+                        </a:spcAft>
+                      </a:pPr>
+                      <a:r>
+                        <a:rPr lang="de-AT" sz="900" b="0" i="0" u="none" strike="noStrike" kern="1200" dirty="0">
+                          <a:solidFill>
+                            <a:schemeClr val="tx1"/>
+                          </a:solidFill>
+                          <a:effectLst/>
+                          <a:latin typeface="Arial" panose="020B0604020202020204" pitchFamily="34" charset="0"/>
+                          <a:ea typeface="+mn-ea"/>
+                          <a:cs typeface="+mn-cs"/>
+                        </a:rPr>
+                        <a:t>24″</a:t>
+                      </a:r>
+                    </a:p>
+                  </a:txBody>
+                  <a:tcPr anchor="ctr">
+                    <a:lnL w="12700" cap="flat" cmpd="sng" algn="ctr">
+                      <a:solidFill>
+                        <a:srgbClr val="777777"/>
+                      </a:solidFill>
+                      <a:prstDash val="solid"/>
+                      <a:round/>
+                      <a:headEnd type="none" w="med" len="med"/>
+                      <a:tailEnd type="none" w="med" len="med"/>
+                    </a:lnL>
+                    <a:lnR w="12700" cap="flat" cmpd="sng" algn="ctr">
+                      <a:solidFill>
+                        <a:srgbClr val="777777"/>
+                      </a:solidFill>
+                      <a:prstDash val="solid"/>
+                      <a:round/>
+                      <a:headEnd type="none" w="med" len="med"/>
+                      <a:tailEnd type="none" w="med" len="med"/>
+                    </a:lnR>
+                    <a:lnT w="12700" cap="flat" cmpd="sng" algn="ctr">
+                      <a:solidFill>
+                        <a:srgbClr val="777777"/>
+                      </a:solidFill>
+                      <a:prstDash val="solid"/>
+                      <a:round/>
+                      <a:headEnd type="none" w="med" len="med"/>
+                      <a:tailEnd type="none" w="med" len="med"/>
+                    </a:lnT>
+                    <a:lnB w="12700" cap="flat" cmpd="sng" algn="ctr">
+                      <a:solidFill>
+                        <a:srgbClr val="777777"/>
+                      </a:solidFill>
+                      <a:prstDash val="solid"/>
+                      <a:round/>
+                      <a:headEnd type="none" w="med" len="med"/>
+                      <a:tailEnd type="none" w="med" len="med"/>
+                    </a:lnB>
+                  </a:tcPr>
+                </a:tc>
+                <a:extLst>
+                  <a:ext uri="{0D108BD9-81ED-4DB2-BD59-A6C34878D82A}">
+                    <a16:rowId xmlns:a16="http://schemas.microsoft.com/office/drawing/2014/main" val="3999454901"/>
+                  </a:ext>
+                </a:extLst>
+              </a:tr>
+              <a:tr h="204940">
+                <a:tc>
+                  <a:txBody>
+                    <a:bodyPr/>
+                    <a:lstStyle/>
+                    <a:p>
+                      <a:pPr algn="l" fontAlgn="t">
+                        <a:spcBef>
+                          <a:spcPts val="0"/>
+                        </a:spcBef>
+                        <a:spcAft>
+                          <a:spcPts val="0"/>
+                        </a:spcAft>
+                      </a:pPr>
+                      <a:r>
+                        <a:rPr lang="de-AT" sz="900" b="1" i="0" u="none" strike="noStrike">
+                          <a:solidFill>
+                            <a:srgbClr val="000000"/>
+                          </a:solidFill>
+                          <a:effectLst/>
+                          <a:latin typeface="Arial" panose="020B0604020202020204" pitchFamily="34" charset="0"/>
+                        </a:rPr>
+                        <a:t>Screen Resolution</a:t>
+                      </a:r>
+                      <a:endParaRPr lang="de-AT" sz="900" b="0" i="0" u="none" strike="noStrike">
+                        <a:solidFill>
+                          <a:srgbClr val="000000"/>
+                        </a:solidFill>
+                        <a:effectLst/>
+                        <a:latin typeface="Arial" panose="020B0604020202020204" pitchFamily="34" charset="0"/>
+                      </a:endParaRPr>
+                    </a:p>
+                  </a:txBody>
+                  <a:tcPr marL="46577" marR="46577" marT="23289" marB="23289">
+                    <a:lnL w="12700" cap="flat" cmpd="sng" algn="ctr">
+                      <a:solidFill>
+                        <a:srgbClr val="777777"/>
+                      </a:solidFill>
+                      <a:prstDash val="solid"/>
+                      <a:round/>
+                      <a:headEnd type="none" w="med" len="med"/>
+                      <a:tailEnd type="none" w="med" len="med"/>
+                    </a:lnL>
+                    <a:lnR w="12700" cap="flat" cmpd="sng" algn="ctr">
+                      <a:solidFill>
+                        <a:srgbClr val="777777"/>
+                      </a:solidFill>
+                      <a:prstDash val="solid"/>
+                      <a:round/>
+                      <a:headEnd type="none" w="med" len="med"/>
+                      <a:tailEnd type="none" w="med" len="med"/>
+                    </a:lnR>
+                    <a:lnT w="12700" cap="flat" cmpd="sng" algn="ctr">
+                      <a:solidFill>
+                        <a:srgbClr val="777777"/>
+                      </a:solidFill>
+                      <a:prstDash val="solid"/>
+                      <a:round/>
+                      <a:headEnd type="none" w="med" len="med"/>
+                      <a:tailEnd type="none" w="med" len="med"/>
+                    </a:lnT>
+                    <a:lnB w="12700" cap="flat" cmpd="sng" algn="ctr">
+                      <a:solidFill>
+                        <a:srgbClr val="777777"/>
+                      </a:solidFill>
+                      <a:prstDash val="solid"/>
+                      <a:round/>
+                      <a:headEnd type="none" w="med" len="med"/>
+                      <a:tailEnd type="none" w="med" len="med"/>
+                    </a:lnB>
+                    <a:solidFill>
+                      <a:srgbClr val="DDDDDD"/>
+                    </a:solidFill>
+                  </a:tcPr>
+                </a:tc>
+                <a:tc>
+                  <a:txBody>
+                    <a:bodyPr/>
+                    <a:lstStyle/>
+                    <a:p>
+                      <a:pPr marL="0" algn="l" defTabSz="457200" rtl="0" eaLnBrk="1" fontAlgn="t" latinLnBrk="0" hangingPunct="1">
+                        <a:spcBef>
+                          <a:spcPts val="0"/>
+                        </a:spcBef>
+                        <a:spcAft>
+                          <a:spcPts val="0"/>
+                        </a:spcAft>
+                      </a:pPr>
+                      <a:r>
+                        <a:rPr lang="de-AT" sz="900" b="0" i="0" u="none" strike="noStrike" kern="1200" dirty="0">
+                          <a:solidFill>
+                            <a:schemeClr val="tx1"/>
+                          </a:solidFill>
+                          <a:effectLst/>
+                          <a:latin typeface="Arial" panose="020B0604020202020204" pitchFamily="34" charset="0"/>
+                          <a:ea typeface="+mn-ea"/>
+                          <a:cs typeface="+mn-cs"/>
+                        </a:rPr>
+                        <a:t>1920x1080</a:t>
+                      </a:r>
+                    </a:p>
+                  </a:txBody>
+                  <a:tcPr anchor="ctr">
+                    <a:lnL w="12700" cap="flat" cmpd="sng" algn="ctr">
+                      <a:solidFill>
+                        <a:srgbClr val="777777"/>
+                      </a:solidFill>
+                      <a:prstDash val="solid"/>
+                      <a:round/>
+                      <a:headEnd type="none" w="med" len="med"/>
+                      <a:tailEnd type="none" w="med" len="med"/>
+                    </a:lnL>
+                    <a:lnR w="12700" cap="flat" cmpd="sng" algn="ctr">
+                      <a:solidFill>
+                        <a:srgbClr val="777777"/>
+                      </a:solidFill>
+                      <a:prstDash val="solid"/>
+                      <a:round/>
+                      <a:headEnd type="none" w="med" len="med"/>
+                      <a:tailEnd type="none" w="med" len="med"/>
+                    </a:lnR>
+                    <a:lnT w="12700" cap="flat" cmpd="sng" algn="ctr">
+                      <a:solidFill>
+                        <a:srgbClr val="777777"/>
+                      </a:solidFill>
+                      <a:prstDash val="solid"/>
+                      <a:round/>
+                      <a:headEnd type="none" w="med" len="med"/>
+                      <a:tailEnd type="none" w="med" len="med"/>
+                    </a:lnT>
+                    <a:lnB w="12700" cap="flat" cmpd="sng" algn="ctr">
+                      <a:solidFill>
+                        <a:srgbClr val="777777"/>
+                      </a:solidFill>
+                      <a:prstDash val="solid"/>
+                      <a:round/>
+                      <a:headEnd type="none" w="med" len="med"/>
+                      <a:tailEnd type="none" w="med" len="med"/>
+                    </a:lnB>
+                  </a:tcPr>
+                </a:tc>
+                <a:tc>
+                  <a:txBody>
+                    <a:bodyPr/>
+                    <a:lstStyle/>
+                    <a:p>
+                      <a:pPr marL="0" algn="l" defTabSz="457200" rtl="0" eaLnBrk="1" fontAlgn="t" latinLnBrk="0" hangingPunct="1">
+                        <a:spcBef>
+                          <a:spcPts val="0"/>
+                        </a:spcBef>
+                        <a:spcAft>
+                          <a:spcPts val="0"/>
+                        </a:spcAft>
+                      </a:pPr>
+                      <a:r>
+                        <a:rPr lang="de-AT" sz="900" b="0" i="0" u="none" strike="noStrike" kern="1200" dirty="0">
+                          <a:solidFill>
+                            <a:schemeClr val="tx1"/>
+                          </a:solidFill>
+                          <a:effectLst/>
+                          <a:latin typeface="Arial" panose="020B0604020202020204" pitchFamily="34" charset="0"/>
+                          <a:ea typeface="+mn-ea"/>
+                          <a:cs typeface="+mn-cs"/>
+                        </a:rPr>
+                        <a:t>1920x1080</a:t>
+                      </a:r>
+                    </a:p>
+                  </a:txBody>
+                  <a:tcPr anchor="ctr">
+                    <a:lnL w="12700" cap="flat" cmpd="sng" algn="ctr">
+                      <a:solidFill>
+                        <a:srgbClr val="777777"/>
+                      </a:solidFill>
+                      <a:prstDash val="solid"/>
+                      <a:round/>
+                      <a:headEnd type="none" w="med" len="med"/>
+                      <a:tailEnd type="none" w="med" len="med"/>
+                    </a:lnL>
+                    <a:lnR w="12700" cap="flat" cmpd="sng" algn="ctr">
+                      <a:solidFill>
+                        <a:srgbClr val="777777"/>
+                      </a:solidFill>
+                      <a:prstDash val="solid"/>
+                      <a:round/>
+                      <a:headEnd type="none" w="med" len="med"/>
+                      <a:tailEnd type="none" w="med" len="med"/>
+                    </a:lnR>
+                    <a:lnT w="12700" cap="flat" cmpd="sng" algn="ctr">
+                      <a:solidFill>
+                        <a:srgbClr val="777777"/>
+                      </a:solidFill>
+                      <a:prstDash val="solid"/>
+                      <a:round/>
+                      <a:headEnd type="none" w="med" len="med"/>
+                      <a:tailEnd type="none" w="med" len="med"/>
+                    </a:lnT>
+                    <a:lnB w="12700" cap="flat" cmpd="sng" algn="ctr">
+                      <a:solidFill>
+                        <a:srgbClr val="777777"/>
+                      </a:solidFill>
+                      <a:prstDash val="solid"/>
+                      <a:round/>
+                      <a:headEnd type="none" w="med" len="med"/>
+                      <a:tailEnd type="none" w="med" len="med"/>
+                    </a:lnB>
+                  </a:tcPr>
+                </a:tc>
+                <a:tc>
+                  <a:txBody>
+                    <a:bodyPr/>
+                    <a:lstStyle/>
+                    <a:p>
+                      <a:pPr marL="0" algn="l" defTabSz="457200" rtl="0" eaLnBrk="1" fontAlgn="t" latinLnBrk="0" hangingPunct="1">
+                        <a:spcBef>
+                          <a:spcPts val="0"/>
+                        </a:spcBef>
+                        <a:spcAft>
+                          <a:spcPts val="0"/>
+                        </a:spcAft>
+                      </a:pPr>
+                      <a:r>
+                        <a:rPr lang="de-AT" sz="900" b="0" i="0" u="none" strike="noStrike" kern="1200">
+                          <a:solidFill>
+                            <a:schemeClr val="tx1"/>
+                          </a:solidFill>
+                          <a:effectLst/>
+                          <a:latin typeface="Arial" panose="020B0604020202020204" pitchFamily="34" charset="0"/>
+                          <a:ea typeface="+mn-ea"/>
+                          <a:cs typeface="+mn-cs"/>
+                        </a:rPr>
+                        <a:t>1920×1080</a:t>
+                      </a:r>
+                    </a:p>
+                  </a:txBody>
+                  <a:tcPr anchor="ctr">
+                    <a:lnL w="12700" cap="flat" cmpd="sng" algn="ctr">
+                      <a:solidFill>
+                        <a:srgbClr val="777777"/>
+                      </a:solidFill>
+                      <a:prstDash val="solid"/>
+                      <a:round/>
+                      <a:headEnd type="none" w="med" len="med"/>
+                      <a:tailEnd type="none" w="med" len="med"/>
+                    </a:lnL>
+                    <a:lnR w="12700" cap="flat" cmpd="sng" algn="ctr">
+                      <a:solidFill>
+                        <a:srgbClr val="777777"/>
+                      </a:solidFill>
+                      <a:prstDash val="solid"/>
+                      <a:round/>
+                      <a:headEnd type="none" w="med" len="med"/>
+                      <a:tailEnd type="none" w="med" len="med"/>
+                    </a:lnR>
+                    <a:lnT w="12700" cap="flat" cmpd="sng" algn="ctr">
+                      <a:solidFill>
+                        <a:srgbClr val="777777"/>
+                      </a:solidFill>
+                      <a:prstDash val="solid"/>
+                      <a:round/>
+                      <a:headEnd type="none" w="med" len="med"/>
+                      <a:tailEnd type="none" w="med" len="med"/>
+                    </a:lnT>
+                    <a:lnB w="12700" cap="flat" cmpd="sng" algn="ctr">
+                      <a:solidFill>
+                        <a:srgbClr val="777777"/>
+                      </a:solidFill>
+                      <a:prstDash val="solid"/>
+                      <a:round/>
+                      <a:headEnd type="none" w="med" len="med"/>
+                      <a:tailEnd type="none" w="med" len="med"/>
+                    </a:lnB>
+                  </a:tcPr>
+                </a:tc>
+                <a:tc>
+                  <a:txBody>
+                    <a:bodyPr/>
+                    <a:lstStyle/>
+                    <a:p>
+                      <a:pPr marL="0" algn="l" defTabSz="457200" rtl="0" eaLnBrk="1" fontAlgn="t" latinLnBrk="0" hangingPunct="1">
+                        <a:spcBef>
+                          <a:spcPts val="0"/>
+                        </a:spcBef>
+                        <a:spcAft>
+                          <a:spcPts val="0"/>
+                        </a:spcAft>
+                      </a:pPr>
+                      <a:r>
+                        <a:rPr lang="de-AT" sz="900" b="0" i="0" u="none" strike="noStrike" kern="1200" dirty="0">
+                          <a:solidFill>
+                            <a:schemeClr val="tx1"/>
+                          </a:solidFill>
+                          <a:effectLst/>
+                          <a:latin typeface="Arial" panose="020B0604020202020204" pitchFamily="34" charset="0"/>
+                          <a:ea typeface="+mn-ea"/>
+                          <a:cs typeface="+mn-cs"/>
+                        </a:rPr>
+                        <a:t>1920×1080</a:t>
+                      </a:r>
+                    </a:p>
+                  </a:txBody>
+                  <a:tcPr anchor="ctr">
+                    <a:lnL w="12700" cap="flat" cmpd="sng" algn="ctr">
+                      <a:solidFill>
+                        <a:srgbClr val="777777"/>
+                      </a:solidFill>
+                      <a:prstDash val="solid"/>
+                      <a:round/>
+                      <a:headEnd type="none" w="med" len="med"/>
+                      <a:tailEnd type="none" w="med" len="med"/>
+                    </a:lnL>
+                    <a:lnR w="12700" cap="flat" cmpd="sng" algn="ctr">
+                      <a:solidFill>
+                        <a:srgbClr val="777777"/>
+                      </a:solidFill>
+                      <a:prstDash val="solid"/>
+                      <a:round/>
+                      <a:headEnd type="none" w="med" len="med"/>
+                      <a:tailEnd type="none" w="med" len="med"/>
+                    </a:lnR>
+                    <a:lnT w="12700" cap="flat" cmpd="sng" algn="ctr">
+                      <a:solidFill>
+                        <a:srgbClr val="777777"/>
+                      </a:solidFill>
+                      <a:prstDash val="solid"/>
+                      <a:round/>
+                      <a:headEnd type="none" w="med" len="med"/>
+                      <a:tailEnd type="none" w="med" len="med"/>
+                    </a:lnT>
+                    <a:lnB w="12700" cap="flat" cmpd="sng" algn="ctr">
+                      <a:solidFill>
+                        <a:srgbClr val="777777"/>
+                      </a:solidFill>
+                      <a:prstDash val="solid"/>
+                      <a:round/>
+                      <a:headEnd type="none" w="med" len="med"/>
+                      <a:tailEnd type="none" w="med" len="med"/>
+                    </a:lnB>
+                  </a:tcPr>
+                </a:tc>
+                <a:extLst>
+                  <a:ext uri="{0D108BD9-81ED-4DB2-BD59-A6C34878D82A}">
+                    <a16:rowId xmlns:a16="http://schemas.microsoft.com/office/drawing/2014/main" val="2275032810"/>
+                  </a:ext>
+                </a:extLst>
+              </a:tr>
+              <a:tr h="204940">
+                <a:tc>
+                  <a:txBody>
+                    <a:bodyPr/>
+                    <a:lstStyle/>
+                    <a:p>
+                      <a:pPr algn="l" fontAlgn="t">
+                        <a:spcBef>
+                          <a:spcPts val="0"/>
+                        </a:spcBef>
+                        <a:spcAft>
+                          <a:spcPts val="0"/>
+                        </a:spcAft>
+                      </a:pPr>
+                      <a:r>
+                        <a:rPr lang="de-AT" sz="900" b="1" i="0" u="none" strike="noStrike">
+                          <a:solidFill>
+                            <a:srgbClr val="000000"/>
+                          </a:solidFill>
+                          <a:effectLst/>
+                          <a:latin typeface="Arial" panose="020B0604020202020204" pitchFamily="34" charset="0"/>
+                        </a:rPr>
+                        <a:t>Web Browser</a:t>
+                      </a:r>
+                      <a:endParaRPr lang="de-AT" sz="900" b="0" i="0" u="none" strike="noStrike">
+                        <a:solidFill>
+                          <a:srgbClr val="000000"/>
+                        </a:solidFill>
+                        <a:effectLst/>
+                        <a:latin typeface="Arial" panose="020B0604020202020204" pitchFamily="34" charset="0"/>
+                      </a:endParaRPr>
+                    </a:p>
+                  </a:txBody>
+                  <a:tcPr marL="46577" marR="46577" marT="23289" marB="23289">
+                    <a:lnL w="12700" cap="flat" cmpd="sng" algn="ctr">
+                      <a:solidFill>
+                        <a:srgbClr val="777777"/>
+                      </a:solidFill>
+                      <a:prstDash val="solid"/>
+                      <a:round/>
+                      <a:headEnd type="none" w="med" len="med"/>
+                      <a:tailEnd type="none" w="med" len="med"/>
+                    </a:lnL>
+                    <a:lnR w="12700" cap="flat" cmpd="sng" algn="ctr">
+                      <a:solidFill>
+                        <a:srgbClr val="777777"/>
+                      </a:solidFill>
+                      <a:prstDash val="solid"/>
+                      <a:round/>
+                      <a:headEnd type="none" w="med" len="med"/>
+                      <a:tailEnd type="none" w="med" len="med"/>
+                    </a:lnR>
+                    <a:lnT w="12700" cap="flat" cmpd="sng" algn="ctr">
+                      <a:solidFill>
+                        <a:srgbClr val="777777"/>
+                      </a:solidFill>
+                      <a:prstDash val="solid"/>
+                      <a:round/>
+                      <a:headEnd type="none" w="med" len="med"/>
+                      <a:tailEnd type="none" w="med" len="med"/>
+                    </a:lnT>
+                    <a:lnB w="12700" cap="flat" cmpd="sng" algn="ctr">
+                      <a:solidFill>
+                        <a:srgbClr val="777777"/>
+                      </a:solidFill>
+                      <a:prstDash val="solid"/>
+                      <a:round/>
+                      <a:headEnd type="none" w="med" len="med"/>
+                      <a:tailEnd type="none" w="med" len="med"/>
+                    </a:lnB>
+                    <a:solidFill>
+                      <a:srgbClr val="DDDDDD"/>
+                    </a:solidFill>
+                  </a:tcPr>
+                </a:tc>
+                <a:tc>
+                  <a:txBody>
+                    <a:bodyPr/>
+                    <a:lstStyle/>
+                    <a:p>
+                      <a:pPr marL="0" algn="l" defTabSz="457200" rtl="0" eaLnBrk="1" fontAlgn="t" latinLnBrk="0" hangingPunct="1">
+                        <a:spcBef>
+                          <a:spcPts val="0"/>
+                        </a:spcBef>
+                        <a:spcAft>
+                          <a:spcPts val="0"/>
+                        </a:spcAft>
+                      </a:pPr>
+                      <a:r>
+                        <a:rPr lang="de-AT" sz="900" b="0" i="0" u="none" strike="noStrike" kern="1200" dirty="0">
+                          <a:solidFill>
+                            <a:schemeClr val="tx1"/>
+                          </a:solidFill>
+                          <a:effectLst/>
+                          <a:latin typeface="Arial" panose="020B0604020202020204" pitchFamily="34" charset="0"/>
+                          <a:ea typeface="+mn-ea"/>
+                          <a:cs typeface="+mn-cs"/>
+                        </a:rPr>
+                        <a:t>Chrome 89.0.4389.90 (64-bit)</a:t>
+                      </a:r>
+                    </a:p>
+                  </a:txBody>
+                  <a:tcPr anchor="ctr">
+                    <a:lnL w="12700" cap="flat" cmpd="sng" algn="ctr">
+                      <a:solidFill>
+                        <a:srgbClr val="777777"/>
+                      </a:solidFill>
+                      <a:prstDash val="solid"/>
+                      <a:round/>
+                      <a:headEnd type="none" w="med" len="med"/>
+                      <a:tailEnd type="none" w="med" len="med"/>
+                    </a:lnL>
+                    <a:lnR w="12700" cap="flat" cmpd="sng" algn="ctr">
+                      <a:solidFill>
+                        <a:srgbClr val="777777"/>
+                      </a:solidFill>
+                      <a:prstDash val="solid"/>
+                      <a:round/>
+                      <a:headEnd type="none" w="med" len="med"/>
+                      <a:tailEnd type="none" w="med" len="med"/>
+                    </a:lnR>
+                    <a:lnT w="12700" cap="flat" cmpd="sng" algn="ctr">
+                      <a:solidFill>
+                        <a:srgbClr val="777777"/>
+                      </a:solidFill>
+                      <a:prstDash val="solid"/>
+                      <a:round/>
+                      <a:headEnd type="none" w="med" len="med"/>
+                      <a:tailEnd type="none" w="med" len="med"/>
+                    </a:lnT>
+                    <a:lnB w="12700" cap="flat" cmpd="sng" algn="ctr">
+                      <a:solidFill>
+                        <a:srgbClr val="777777"/>
+                      </a:solidFill>
+                      <a:prstDash val="solid"/>
+                      <a:round/>
+                      <a:headEnd type="none" w="med" len="med"/>
+                      <a:tailEnd type="none" w="med" len="med"/>
+                    </a:lnB>
+                  </a:tcPr>
+                </a:tc>
+                <a:tc>
+                  <a:txBody>
+                    <a:bodyPr/>
+                    <a:lstStyle/>
+                    <a:p>
+                      <a:pPr marL="0" algn="l" defTabSz="457200" rtl="0" eaLnBrk="1" fontAlgn="t" latinLnBrk="0" hangingPunct="1">
+                        <a:spcBef>
+                          <a:spcPts val="0"/>
+                        </a:spcBef>
+                        <a:spcAft>
+                          <a:spcPts val="0"/>
+                        </a:spcAft>
+                      </a:pPr>
+                      <a:r>
+                        <a:rPr lang="de-AT" sz="900" b="0" i="0" u="none" strike="noStrike" kern="1200" dirty="0">
+                          <a:solidFill>
+                            <a:schemeClr val="tx1"/>
+                          </a:solidFill>
+                          <a:effectLst/>
+                          <a:latin typeface="Arial" panose="020B0604020202020204" pitchFamily="34" charset="0"/>
+                          <a:ea typeface="+mn-ea"/>
+                          <a:cs typeface="+mn-cs"/>
+                        </a:rPr>
+                        <a:t>Firefox 84.0.1</a:t>
+                      </a:r>
+                    </a:p>
+                  </a:txBody>
+                  <a:tcPr anchor="ctr">
+                    <a:lnL w="12700" cap="flat" cmpd="sng" algn="ctr">
+                      <a:solidFill>
+                        <a:srgbClr val="777777"/>
+                      </a:solidFill>
+                      <a:prstDash val="solid"/>
+                      <a:round/>
+                      <a:headEnd type="none" w="med" len="med"/>
+                      <a:tailEnd type="none" w="med" len="med"/>
+                    </a:lnL>
+                    <a:lnR w="12700" cap="flat" cmpd="sng" algn="ctr">
+                      <a:solidFill>
+                        <a:srgbClr val="777777"/>
+                      </a:solidFill>
+                      <a:prstDash val="solid"/>
+                      <a:round/>
+                      <a:headEnd type="none" w="med" len="med"/>
+                      <a:tailEnd type="none" w="med" len="med"/>
+                    </a:lnR>
+                    <a:lnT w="12700" cap="flat" cmpd="sng" algn="ctr">
+                      <a:solidFill>
+                        <a:srgbClr val="777777"/>
+                      </a:solidFill>
+                      <a:prstDash val="solid"/>
+                      <a:round/>
+                      <a:headEnd type="none" w="med" len="med"/>
+                      <a:tailEnd type="none" w="med" len="med"/>
+                    </a:lnT>
+                    <a:lnB w="12700" cap="flat" cmpd="sng" algn="ctr">
+                      <a:solidFill>
+                        <a:srgbClr val="777777"/>
+                      </a:solidFill>
+                      <a:prstDash val="solid"/>
+                      <a:round/>
+                      <a:headEnd type="none" w="med" len="med"/>
+                      <a:tailEnd type="none" w="med" len="med"/>
+                    </a:lnB>
+                  </a:tcPr>
+                </a:tc>
+                <a:tc>
+                  <a:txBody>
+                    <a:bodyPr/>
+                    <a:lstStyle/>
+                    <a:p>
+                      <a:pPr marL="0" algn="l" defTabSz="457200" rtl="0" eaLnBrk="1" fontAlgn="t" latinLnBrk="0" hangingPunct="1">
+                        <a:spcBef>
+                          <a:spcPts val="0"/>
+                        </a:spcBef>
+                        <a:spcAft>
+                          <a:spcPts val="0"/>
+                        </a:spcAft>
+                      </a:pPr>
+                      <a:r>
+                        <a:rPr lang="de-AT" sz="900" b="0" i="0" u="none" strike="noStrike" kern="1200" dirty="0">
+                          <a:solidFill>
+                            <a:schemeClr val="tx1"/>
+                          </a:solidFill>
+                          <a:effectLst/>
+                          <a:latin typeface="Arial" panose="020B0604020202020204" pitchFamily="34" charset="0"/>
+                          <a:ea typeface="+mn-ea"/>
+                          <a:cs typeface="+mn-cs"/>
+                        </a:rPr>
+                        <a:t>Edge 85.0.564.41 (64-bit)</a:t>
+                      </a:r>
+                    </a:p>
+                  </a:txBody>
+                  <a:tcPr anchor="ctr">
+                    <a:lnL w="12700" cap="flat" cmpd="sng" algn="ctr">
+                      <a:solidFill>
+                        <a:srgbClr val="777777"/>
+                      </a:solidFill>
+                      <a:prstDash val="solid"/>
+                      <a:round/>
+                      <a:headEnd type="none" w="med" len="med"/>
+                      <a:tailEnd type="none" w="med" len="med"/>
+                    </a:lnL>
+                    <a:lnR w="12700" cap="flat" cmpd="sng" algn="ctr">
+                      <a:solidFill>
+                        <a:srgbClr val="777777"/>
+                      </a:solidFill>
+                      <a:prstDash val="solid"/>
+                      <a:round/>
+                      <a:headEnd type="none" w="med" len="med"/>
+                      <a:tailEnd type="none" w="med" len="med"/>
+                    </a:lnR>
+                    <a:lnT w="12700" cap="flat" cmpd="sng" algn="ctr">
+                      <a:solidFill>
+                        <a:srgbClr val="777777"/>
+                      </a:solidFill>
+                      <a:prstDash val="solid"/>
+                      <a:round/>
+                      <a:headEnd type="none" w="med" len="med"/>
+                      <a:tailEnd type="none" w="med" len="med"/>
+                    </a:lnT>
+                    <a:lnB w="12700" cap="flat" cmpd="sng" algn="ctr">
+                      <a:solidFill>
+                        <a:srgbClr val="777777"/>
+                      </a:solidFill>
+                      <a:prstDash val="solid"/>
+                      <a:round/>
+                      <a:headEnd type="none" w="med" len="med"/>
+                      <a:tailEnd type="none" w="med" len="med"/>
+                    </a:lnB>
+                  </a:tcPr>
+                </a:tc>
+                <a:tc>
+                  <a:txBody>
+                    <a:bodyPr/>
+                    <a:lstStyle/>
+                    <a:p>
+                      <a:pPr marL="0" algn="l" defTabSz="457200" rtl="0" eaLnBrk="1" fontAlgn="t" latinLnBrk="0" hangingPunct="1">
+                        <a:spcBef>
+                          <a:spcPts val="0"/>
+                        </a:spcBef>
+                        <a:spcAft>
+                          <a:spcPts val="0"/>
+                        </a:spcAft>
+                      </a:pPr>
+                      <a:r>
+                        <a:rPr lang="de-AT" sz="900" b="0" i="0" u="none" strike="noStrike" kern="1200" dirty="0">
+                          <a:solidFill>
+                            <a:schemeClr val="tx1"/>
+                          </a:solidFill>
+                          <a:effectLst/>
+                          <a:latin typeface="Arial" panose="020B0604020202020204" pitchFamily="34" charset="0"/>
+                          <a:ea typeface="+mn-ea"/>
+                          <a:cs typeface="+mn-cs"/>
+                        </a:rPr>
+                        <a:t>Edge 89.0.774.57 (64-bit)</a:t>
+                      </a:r>
+                    </a:p>
+                  </a:txBody>
+                  <a:tcPr anchor="ctr">
+                    <a:lnL w="12700" cap="flat" cmpd="sng" algn="ctr">
+                      <a:solidFill>
+                        <a:srgbClr val="777777"/>
+                      </a:solidFill>
+                      <a:prstDash val="solid"/>
+                      <a:round/>
+                      <a:headEnd type="none" w="med" len="med"/>
+                      <a:tailEnd type="none" w="med" len="med"/>
+                    </a:lnL>
+                    <a:lnR w="12700" cap="flat" cmpd="sng" algn="ctr">
+                      <a:solidFill>
+                        <a:srgbClr val="777777"/>
+                      </a:solidFill>
+                      <a:prstDash val="solid"/>
+                      <a:round/>
+                      <a:headEnd type="none" w="med" len="med"/>
+                      <a:tailEnd type="none" w="med" len="med"/>
+                    </a:lnR>
+                    <a:lnT w="12700" cap="flat" cmpd="sng" algn="ctr">
+                      <a:solidFill>
+                        <a:srgbClr val="777777"/>
+                      </a:solidFill>
+                      <a:prstDash val="solid"/>
+                      <a:round/>
+                      <a:headEnd type="none" w="med" len="med"/>
+                      <a:tailEnd type="none" w="med" len="med"/>
+                    </a:lnT>
+                    <a:lnB w="12700" cap="flat" cmpd="sng" algn="ctr">
+                      <a:solidFill>
+                        <a:srgbClr val="777777"/>
+                      </a:solidFill>
+                      <a:prstDash val="solid"/>
+                      <a:round/>
+                      <a:headEnd type="none" w="med" len="med"/>
+                      <a:tailEnd type="none" w="med" len="med"/>
+                    </a:lnB>
+                  </a:tcPr>
+                </a:tc>
+                <a:extLst>
+                  <a:ext uri="{0D108BD9-81ED-4DB2-BD59-A6C34878D82A}">
+                    <a16:rowId xmlns:a16="http://schemas.microsoft.com/office/drawing/2014/main" val="2062759747"/>
+                  </a:ext>
+                </a:extLst>
+              </a:tr>
+              <a:tr h="204940">
+                <a:tc>
+                  <a:txBody>
+                    <a:bodyPr/>
+                    <a:lstStyle/>
+                    <a:p>
+                      <a:pPr algn="l" fontAlgn="t">
+                        <a:spcBef>
+                          <a:spcPts val="0"/>
+                        </a:spcBef>
+                        <a:spcAft>
+                          <a:spcPts val="0"/>
+                        </a:spcAft>
+                      </a:pPr>
+                      <a:r>
+                        <a:rPr lang="de-AT" sz="900" b="1" i="0" u="none" strike="noStrike">
+                          <a:solidFill>
+                            <a:srgbClr val="000000"/>
+                          </a:solidFill>
+                          <a:effectLst/>
+                          <a:latin typeface="Arial" panose="020B0604020202020204" pitchFamily="34" charset="0"/>
+                        </a:rPr>
+                        <a:t>Ad Blocker</a:t>
+                      </a:r>
+                      <a:endParaRPr lang="de-AT" sz="900" b="0" i="0" u="none" strike="noStrike">
+                        <a:solidFill>
+                          <a:srgbClr val="000000"/>
+                        </a:solidFill>
+                        <a:effectLst/>
+                        <a:latin typeface="Arial" panose="020B0604020202020204" pitchFamily="34" charset="0"/>
+                      </a:endParaRPr>
+                    </a:p>
+                  </a:txBody>
+                  <a:tcPr marL="46577" marR="46577" marT="23289" marB="23289">
+                    <a:lnL w="12700" cap="flat" cmpd="sng" algn="ctr">
+                      <a:solidFill>
+                        <a:srgbClr val="777777"/>
+                      </a:solidFill>
+                      <a:prstDash val="solid"/>
+                      <a:round/>
+                      <a:headEnd type="none" w="med" len="med"/>
+                      <a:tailEnd type="none" w="med" len="med"/>
+                    </a:lnL>
+                    <a:lnR w="12700" cap="flat" cmpd="sng" algn="ctr">
+                      <a:solidFill>
+                        <a:srgbClr val="777777"/>
+                      </a:solidFill>
+                      <a:prstDash val="solid"/>
+                      <a:round/>
+                      <a:headEnd type="none" w="med" len="med"/>
+                      <a:tailEnd type="none" w="med" len="med"/>
+                    </a:lnR>
+                    <a:lnT w="12700" cap="flat" cmpd="sng" algn="ctr">
+                      <a:solidFill>
+                        <a:srgbClr val="777777"/>
+                      </a:solidFill>
+                      <a:prstDash val="solid"/>
+                      <a:round/>
+                      <a:headEnd type="none" w="med" len="med"/>
+                      <a:tailEnd type="none" w="med" len="med"/>
+                    </a:lnT>
+                    <a:lnB w="12700" cap="flat" cmpd="sng" algn="ctr">
+                      <a:solidFill>
+                        <a:srgbClr val="777777"/>
+                      </a:solidFill>
+                      <a:prstDash val="solid"/>
+                      <a:round/>
+                      <a:headEnd type="none" w="med" len="med"/>
+                      <a:tailEnd type="none" w="med" len="med"/>
+                    </a:lnB>
+                    <a:solidFill>
+                      <a:srgbClr val="DDDDDD"/>
+                    </a:solidFill>
+                  </a:tcPr>
+                </a:tc>
+                <a:tc>
+                  <a:txBody>
+                    <a:bodyPr/>
+                    <a:lstStyle/>
+                    <a:p>
+                      <a:pPr marL="0" algn="l" defTabSz="457200" rtl="0" eaLnBrk="1" fontAlgn="t" latinLnBrk="0" hangingPunct="1">
+                        <a:spcBef>
+                          <a:spcPts val="0"/>
+                        </a:spcBef>
+                        <a:spcAft>
+                          <a:spcPts val="0"/>
+                        </a:spcAft>
+                      </a:pPr>
+                      <a:r>
+                        <a:rPr lang="de-AT" sz="900" b="0" i="0" u="none" strike="noStrike" kern="1200" dirty="0" err="1">
+                          <a:solidFill>
+                            <a:schemeClr val="tx1"/>
+                          </a:solidFill>
+                          <a:effectLst/>
+                          <a:latin typeface="Arial" panose="020B0604020202020204" pitchFamily="34" charset="0"/>
+                          <a:ea typeface="+mn-ea"/>
+                          <a:cs typeface="+mn-cs"/>
+                        </a:rPr>
+                        <a:t>tbd</a:t>
+                      </a:r>
+                      <a:endParaRPr lang="de-AT" sz="900" b="0" i="0" u="none" strike="noStrike" kern="1200" dirty="0">
+                        <a:solidFill>
+                          <a:schemeClr val="tx1"/>
+                        </a:solidFill>
+                        <a:effectLst/>
+                        <a:latin typeface="Arial" panose="020B0604020202020204" pitchFamily="34" charset="0"/>
+                        <a:ea typeface="+mn-ea"/>
+                        <a:cs typeface="+mn-cs"/>
+                      </a:endParaRPr>
+                    </a:p>
+                  </a:txBody>
+                  <a:tcPr anchor="ctr">
+                    <a:lnL w="12700" cap="flat" cmpd="sng" algn="ctr">
+                      <a:solidFill>
+                        <a:srgbClr val="777777"/>
+                      </a:solidFill>
+                      <a:prstDash val="solid"/>
+                      <a:round/>
+                      <a:headEnd type="none" w="med" len="med"/>
+                      <a:tailEnd type="none" w="med" len="med"/>
+                    </a:lnL>
+                    <a:lnR w="12700" cap="flat" cmpd="sng" algn="ctr">
+                      <a:solidFill>
+                        <a:srgbClr val="777777"/>
+                      </a:solidFill>
+                      <a:prstDash val="solid"/>
+                      <a:round/>
+                      <a:headEnd type="none" w="med" len="med"/>
+                      <a:tailEnd type="none" w="med" len="med"/>
+                    </a:lnR>
+                    <a:lnT w="12700" cap="flat" cmpd="sng" algn="ctr">
+                      <a:solidFill>
+                        <a:srgbClr val="777777"/>
+                      </a:solidFill>
+                      <a:prstDash val="solid"/>
+                      <a:round/>
+                      <a:headEnd type="none" w="med" len="med"/>
+                      <a:tailEnd type="none" w="med" len="med"/>
+                    </a:lnT>
+                    <a:lnB w="12700" cap="flat" cmpd="sng" algn="ctr">
+                      <a:solidFill>
+                        <a:srgbClr val="777777"/>
+                      </a:solidFill>
+                      <a:prstDash val="solid"/>
+                      <a:round/>
+                      <a:headEnd type="none" w="med" len="med"/>
+                      <a:tailEnd type="none" w="med" len="med"/>
+                    </a:lnB>
+                  </a:tcPr>
+                </a:tc>
+                <a:tc>
+                  <a:txBody>
+                    <a:bodyPr/>
+                    <a:lstStyle/>
+                    <a:p>
+                      <a:pPr marL="0" algn="l" defTabSz="457200" rtl="0" eaLnBrk="1" fontAlgn="t" latinLnBrk="0" hangingPunct="1">
+                        <a:spcBef>
+                          <a:spcPts val="0"/>
+                        </a:spcBef>
+                        <a:spcAft>
+                          <a:spcPts val="0"/>
+                        </a:spcAft>
+                      </a:pPr>
+                      <a:r>
+                        <a:rPr lang="de-AT" sz="900" b="0" i="0" u="none" strike="noStrike" kern="1200" dirty="0" err="1">
+                          <a:solidFill>
+                            <a:schemeClr val="tx1"/>
+                          </a:solidFill>
+                          <a:effectLst/>
+                          <a:latin typeface="Arial" panose="020B0604020202020204" pitchFamily="34" charset="0"/>
+                          <a:ea typeface="+mn-ea"/>
+                          <a:cs typeface="+mn-cs"/>
+                        </a:rPr>
+                        <a:t>AdblockPlus</a:t>
+                      </a:r>
+                      <a:endParaRPr lang="de-AT" sz="900" b="0" i="0" u="none" strike="noStrike" kern="1200" dirty="0">
+                        <a:solidFill>
+                          <a:schemeClr val="tx1"/>
+                        </a:solidFill>
+                        <a:effectLst/>
+                        <a:latin typeface="Arial" panose="020B0604020202020204" pitchFamily="34" charset="0"/>
+                        <a:ea typeface="+mn-ea"/>
+                        <a:cs typeface="+mn-cs"/>
+                      </a:endParaRPr>
+                    </a:p>
+                  </a:txBody>
+                  <a:tcPr anchor="ctr">
+                    <a:lnL w="12700" cap="flat" cmpd="sng" algn="ctr">
+                      <a:solidFill>
+                        <a:srgbClr val="777777"/>
+                      </a:solidFill>
+                      <a:prstDash val="solid"/>
+                      <a:round/>
+                      <a:headEnd type="none" w="med" len="med"/>
+                      <a:tailEnd type="none" w="med" len="med"/>
+                    </a:lnL>
+                    <a:lnR w="12700" cap="flat" cmpd="sng" algn="ctr">
+                      <a:solidFill>
+                        <a:srgbClr val="777777"/>
+                      </a:solidFill>
+                      <a:prstDash val="solid"/>
+                      <a:round/>
+                      <a:headEnd type="none" w="med" len="med"/>
+                      <a:tailEnd type="none" w="med" len="med"/>
+                    </a:lnR>
+                    <a:lnT w="12700" cap="flat" cmpd="sng" algn="ctr">
+                      <a:solidFill>
+                        <a:srgbClr val="777777"/>
+                      </a:solidFill>
+                      <a:prstDash val="solid"/>
+                      <a:round/>
+                      <a:headEnd type="none" w="med" len="med"/>
+                      <a:tailEnd type="none" w="med" len="med"/>
+                    </a:lnT>
+                    <a:lnB w="12700" cap="flat" cmpd="sng" algn="ctr">
+                      <a:solidFill>
+                        <a:srgbClr val="777777"/>
+                      </a:solidFill>
+                      <a:prstDash val="solid"/>
+                      <a:round/>
+                      <a:headEnd type="none" w="med" len="med"/>
+                      <a:tailEnd type="none" w="med" len="med"/>
+                    </a:lnB>
+                  </a:tcPr>
+                </a:tc>
+                <a:tc>
+                  <a:txBody>
+                    <a:bodyPr/>
+                    <a:lstStyle/>
+                    <a:p>
+                      <a:pPr marL="0" algn="l" defTabSz="457200" rtl="0" eaLnBrk="1" fontAlgn="t" latinLnBrk="0" hangingPunct="1">
+                        <a:spcBef>
+                          <a:spcPts val="0"/>
+                        </a:spcBef>
+                        <a:spcAft>
+                          <a:spcPts val="0"/>
+                        </a:spcAft>
+                      </a:pPr>
+                      <a:r>
+                        <a:rPr lang="de-AT" sz="900" b="0" i="0" u="none" strike="noStrike" kern="1200" dirty="0">
+                          <a:solidFill>
+                            <a:schemeClr val="tx1"/>
+                          </a:solidFill>
+                          <a:effectLst/>
+                          <a:latin typeface="Arial" panose="020B0604020202020204" pitchFamily="34" charset="0"/>
+                          <a:ea typeface="+mn-ea"/>
+                          <a:cs typeface="+mn-cs"/>
+                        </a:rPr>
+                        <a:t>Adblock Plus </a:t>
+                      </a:r>
+                      <a:r>
+                        <a:rPr lang="de-AT" sz="900" b="0" i="0" u="none" strike="noStrike" kern="1200" dirty="0" err="1">
+                          <a:solidFill>
+                            <a:schemeClr val="tx1"/>
+                          </a:solidFill>
+                          <a:effectLst/>
+                          <a:latin typeface="Arial" panose="020B0604020202020204" pitchFamily="34" charset="0"/>
+                          <a:ea typeface="+mn-ea"/>
+                          <a:cs typeface="+mn-cs"/>
+                        </a:rPr>
+                        <a:t>x.y</a:t>
+                      </a:r>
+                      <a:endParaRPr lang="de-AT" sz="900" b="0" i="0" u="none" strike="noStrike" kern="1200" dirty="0">
+                        <a:solidFill>
+                          <a:schemeClr val="tx1"/>
+                        </a:solidFill>
+                        <a:effectLst/>
+                        <a:latin typeface="Arial" panose="020B0604020202020204" pitchFamily="34" charset="0"/>
+                        <a:ea typeface="+mn-ea"/>
+                        <a:cs typeface="+mn-cs"/>
+                      </a:endParaRPr>
+                    </a:p>
+                  </a:txBody>
+                  <a:tcPr anchor="ctr">
+                    <a:lnL w="12700" cap="flat" cmpd="sng" algn="ctr">
+                      <a:solidFill>
+                        <a:srgbClr val="777777"/>
+                      </a:solidFill>
+                      <a:prstDash val="solid"/>
+                      <a:round/>
+                      <a:headEnd type="none" w="med" len="med"/>
+                      <a:tailEnd type="none" w="med" len="med"/>
+                    </a:lnL>
+                    <a:lnR w="12700" cap="flat" cmpd="sng" algn="ctr">
+                      <a:solidFill>
+                        <a:srgbClr val="777777"/>
+                      </a:solidFill>
+                      <a:prstDash val="solid"/>
+                      <a:round/>
+                      <a:headEnd type="none" w="med" len="med"/>
+                      <a:tailEnd type="none" w="med" len="med"/>
+                    </a:lnR>
+                    <a:lnT w="12700" cap="flat" cmpd="sng" algn="ctr">
+                      <a:solidFill>
+                        <a:srgbClr val="777777"/>
+                      </a:solidFill>
+                      <a:prstDash val="solid"/>
+                      <a:round/>
+                      <a:headEnd type="none" w="med" len="med"/>
+                      <a:tailEnd type="none" w="med" len="med"/>
+                    </a:lnT>
+                    <a:lnB w="12700" cap="flat" cmpd="sng" algn="ctr">
+                      <a:solidFill>
+                        <a:srgbClr val="777777"/>
+                      </a:solidFill>
+                      <a:prstDash val="solid"/>
+                      <a:round/>
+                      <a:headEnd type="none" w="med" len="med"/>
+                      <a:tailEnd type="none" w="med" len="med"/>
+                    </a:lnB>
+                  </a:tcPr>
+                </a:tc>
+                <a:tc>
+                  <a:txBody>
+                    <a:bodyPr/>
+                    <a:lstStyle/>
+                    <a:p>
+                      <a:pPr marL="0" algn="l" defTabSz="457200" rtl="0" eaLnBrk="1" fontAlgn="t" latinLnBrk="0" hangingPunct="1">
+                        <a:spcBef>
+                          <a:spcPts val="0"/>
+                        </a:spcBef>
+                        <a:spcAft>
+                          <a:spcPts val="0"/>
+                        </a:spcAft>
+                      </a:pPr>
+                      <a:r>
+                        <a:rPr lang="de-AT" sz="900" b="0" i="0" u="none" strike="noStrike" kern="1200" dirty="0">
+                          <a:solidFill>
+                            <a:schemeClr val="tx1"/>
+                          </a:solidFill>
+                          <a:effectLst/>
+                          <a:latin typeface="Arial" panose="020B0604020202020204" pitchFamily="34" charset="0"/>
+                          <a:ea typeface="+mn-ea"/>
+                          <a:cs typeface="+mn-cs"/>
+                        </a:rPr>
+                        <a:t>AdBlock</a:t>
+                      </a:r>
+                    </a:p>
+                  </a:txBody>
+                  <a:tcPr anchor="ctr">
+                    <a:lnL w="12700" cap="flat" cmpd="sng" algn="ctr">
+                      <a:solidFill>
+                        <a:srgbClr val="777777"/>
+                      </a:solidFill>
+                      <a:prstDash val="solid"/>
+                      <a:round/>
+                      <a:headEnd type="none" w="med" len="med"/>
+                      <a:tailEnd type="none" w="med" len="med"/>
+                    </a:lnL>
+                    <a:lnR w="12700" cap="flat" cmpd="sng" algn="ctr">
+                      <a:solidFill>
+                        <a:srgbClr val="777777"/>
+                      </a:solidFill>
+                      <a:prstDash val="solid"/>
+                      <a:round/>
+                      <a:headEnd type="none" w="med" len="med"/>
+                      <a:tailEnd type="none" w="med" len="med"/>
+                    </a:lnR>
+                    <a:lnT w="12700" cap="flat" cmpd="sng" algn="ctr">
+                      <a:solidFill>
+                        <a:srgbClr val="777777"/>
+                      </a:solidFill>
+                      <a:prstDash val="solid"/>
+                      <a:round/>
+                      <a:headEnd type="none" w="med" len="med"/>
+                      <a:tailEnd type="none" w="med" len="med"/>
+                    </a:lnT>
+                    <a:lnB w="12700" cap="flat" cmpd="sng" algn="ctr">
+                      <a:solidFill>
+                        <a:srgbClr val="777777"/>
+                      </a:solidFill>
+                      <a:prstDash val="solid"/>
+                      <a:round/>
+                      <a:headEnd type="none" w="med" len="med"/>
+                      <a:tailEnd type="none" w="med" len="med"/>
+                    </a:lnB>
+                  </a:tcPr>
+                </a:tc>
+                <a:extLst>
+                  <a:ext uri="{0D108BD9-81ED-4DB2-BD59-A6C34878D82A}">
+                    <a16:rowId xmlns:a16="http://schemas.microsoft.com/office/drawing/2014/main" val="3898412943"/>
+                  </a:ext>
+                </a:extLst>
+              </a:tr>
+              <a:tr h="204940">
+                <a:tc>
+                  <a:txBody>
+                    <a:bodyPr/>
+                    <a:lstStyle/>
+                    <a:p>
+                      <a:pPr algn="l" fontAlgn="t">
+                        <a:spcBef>
+                          <a:spcPts val="0"/>
+                        </a:spcBef>
+                        <a:spcAft>
+                          <a:spcPts val="0"/>
+                        </a:spcAft>
+                      </a:pPr>
+                      <a:r>
+                        <a:rPr lang="de-AT" sz="900" b="1" i="0" u="none" strike="noStrike">
+                          <a:solidFill>
+                            <a:srgbClr val="000000"/>
+                          </a:solidFill>
+                          <a:effectLst/>
+                          <a:latin typeface="Arial" panose="020B0604020202020204" pitchFamily="34" charset="0"/>
+                        </a:rPr>
+                        <a:t>Internet Connection</a:t>
+                      </a:r>
+                      <a:endParaRPr lang="de-AT" sz="900" b="0" i="0" u="none" strike="noStrike">
+                        <a:solidFill>
+                          <a:srgbClr val="000000"/>
+                        </a:solidFill>
+                        <a:effectLst/>
+                        <a:latin typeface="Arial" panose="020B0604020202020204" pitchFamily="34" charset="0"/>
+                      </a:endParaRPr>
+                    </a:p>
+                  </a:txBody>
+                  <a:tcPr marL="46577" marR="46577" marT="23289" marB="23289">
+                    <a:lnL w="12700" cap="flat" cmpd="sng" algn="ctr">
+                      <a:solidFill>
+                        <a:srgbClr val="777777"/>
+                      </a:solidFill>
+                      <a:prstDash val="solid"/>
+                      <a:round/>
+                      <a:headEnd type="none" w="med" len="med"/>
+                      <a:tailEnd type="none" w="med" len="med"/>
+                    </a:lnL>
+                    <a:lnR w="12700" cap="flat" cmpd="sng" algn="ctr">
+                      <a:solidFill>
+                        <a:srgbClr val="777777"/>
+                      </a:solidFill>
+                      <a:prstDash val="solid"/>
+                      <a:round/>
+                      <a:headEnd type="none" w="med" len="med"/>
+                      <a:tailEnd type="none" w="med" len="med"/>
+                    </a:lnR>
+                    <a:lnT w="12700" cap="flat" cmpd="sng" algn="ctr">
+                      <a:solidFill>
+                        <a:srgbClr val="777777"/>
+                      </a:solidFill>
+                      <a:prstDash val="solid"/>
+                      <a:round/>
+                      <a:headEnd type="none" w="med" len="med"/>
+                      <a:tailEnd type="none" w="med" len="med"/>
+                    </a:lnT>
+                    <a:lnB w="12700" cap="flat" cmpd="sng" algn="ctr">
+                      <a:solidFill>
+                        <a:srgbClr val="777777"/>
+                      </a:solidFill>
+                      <a:prstDash val="solid"/>
+                      <a:round/>
+                      <a:headEnd type="none" w="med" len="med"/>
+                      <a:tailEnd type="none" w="med" len="med"/>
+                    </a:lnB>
+                    <a:solidFill>
+                      <a:srgbClr val="DDDDDD"/>
+                    </a:solidFill>
+                  </a:tcPr>
+                </a:tc>
+                <a:tc>
+                  <a:txBody>
+                    <a:bodyPr/>
+                    <a:lstStyle/>
+                    <a:p>
+                      <a:pPr marL="0" algn="l" defTabSz="457200" rtl="0" eaLnBrk="1" fontAlgn="t" latinLnBrk="0" hangingPunct="1">
+                        <a:spcBef>
+                          <a:spcPts val="0"/>
+                        </a:spcBef>
+                        <a:spcAft>
+                          <a:spcPts val="0"/>
+                        </a:spcAft>
+                      </a:pPr>
+                      <a:r>
+                        <a:rPr lang="de-AT" sz="900" b="0" i="0" u="none" strike="noStrike" kern="1200" dirty="0">
+                          <a:solidFill>
+                            <a:schemeClr val="tx1"/>
+                          </a:solidFill>
+                          <a:effectLst/>
+                          <a:latin typeface="Arial" panose="020B0604020202020204" pitchFamily="34" charset="0"/>
+                          <a:ea typeface="+mn-ea"/>
+                          <a:cs typeface="+mn-cs"/>
+                        </a:rPr>
+                        <a:t>Magenta, </a:t>
+                      </a:r>
+                      <a:r>
+                        <a:rPr lang="de-AT" sz="900" b="0" i="0" u="none" strike="noStrike" kern="1200" dirty="0" err="1">
+                          <a:solidFill>
+                            <a:schemeClr val="tx1"/>
+                          </a:solidFill>
+                          <a:effectLst/>
+                          <a:latin typeface="Arial" panose="020B0604020202020204" pitchFamily="34" charset="0"/>
+                          <a:ea typeface="+mn-ea"/>
+                          <a:cs typeface="+mn-cs"/>
+                        </a:rPr>
+                        <a:t>xdsl</a:t>
+                      </a:r>
+                      <a:endParaRPr lang="de-AT" sz="900" b="0" i="0" u="none" strike="noStrike" kern="1200" dirty="0">
+                        <a:solidFill>
+                          <a:schemeClr val="tx1"/>
+                        </a:solidFill>
+                        <a:effectLst/>
+                        <a:latin typeface="Arial" panose="020B0604020202020204" pitchFamily="34" charset="0"/>
+                        <a:ea typeface="+mn-ea"/>
+                        <a:cs typeface="+mn-cs"/>
+                      </a:endParaRPr>
+                    </a:p>
+                  </a:txBody>
+                  <a:tcPr anchor="ctr">
+                    <a:lnL w="12700" cap="flat" cmpd="sng" algn="ctr">
+                      <a:solidFill>
+                        <a:srgbClr val="777777"/>
+                      </a:solidFill>
+                      <a:prstDash val="solid"/>
+                      <a:round/>
+                      <a:headEnd type="none" w="med" len="med"/>
+                      <a:tailEnd type="none" w="med" len="med"/>
+                    </a:lnL>
+                    <a:lnR w="12700" cap="flat" cmpd="sng" algn="ctr">
+                      <a:solidFill>
+                        <a:srgbClr val="777777"/>
+                      </a:solidFill>
+                      <a:prstDash val="solid"/>
+                      <a:round/>
+                      <a:headEnd type="none" w="med" len="med"/>
+                      <a:tailEnd type="none" w="med" len="med"/>
+                    </a:lnR>
+                    <a:lnT w="12700" cap="flat" cmpd="sng" algn="ctr">
+                      <a:solidFill>
+                        <a:srgbClr val="777777"/>
+                      </a:solidFill>
+                      <a:prstDash val="solid"/>
+                      <a:round/>
+                      <a:headEnd type="none" w="med" len="med"/>
+                      <a:tailEnd type="none" w="med" len="med"/>
+                    </a:lnT>
+                    <a:lnB w="12700" cap="flat" cmpd="sng" algn="ctr">
+                      <a:solidFill>
+                        <a:srgbClr val="777777"/>
+                      </a:solidFill>
+                      <a:prstDash val="solid"/>
+                      <a:round/>
+                      <a:headEnd type="none" w="med" len="med"/>
+                      <a:tailEnd type="none" w="med" len="med"/>
+                    </a:lnB>
+                  </a:tcPr>
+                </a:tc>
+                <a:tc>
+                  <a:txBody>
+                    <a:bodyPr/>
+                    <a:lstStyle/>
+                    <a:p>
+                      <a:pPr marL="0" algn="l" defTabSz="457200" rtl="0" eaLnBrk="1" fontAlgn="t" latinLnBrk="0" hangingPunct="1">
+                        <a:spcBef>
+                          <a:spcPts val="0"/>
+                        </a:spcBef>
+                        <a:spcAft>
+                          <a:spcPts val="0"/>
+                        </a:spcAft>
+                      </a:pPr>
+                      <a:r>
+                        <a:rPr lang="de-AT" sz="900" b="0" i="0" u="none" strike="noStrike" kern="1200" dirty="0">
+                          <a:solidFill>
+                            <a:schemeClr val="tx1"/>
+                          </a:solidFill>
+                          <a:effectLst/>
+                          <a:latin typeface="Arial" panose="020B0604020202020204" pitchFamily="34" charset="0"/>
+                          <a:ea typeface="+mn-ea"/>
+                          <a:cs typeface="+mn-cs"/>
+                        </a:rPr>
+                        <a:t>Magenta</a:t>
+                      </a:r>
+                    </a:p>
+                  </a:txBody>
+                  <a:tcPr anchor="ctr">
+                    <a:lnL w="12700" cap="flat" cmpd="sng" algn="ctr">
+                      <a:solidFill>
+                        <a:srgbClr val="777777"/>
+                      </a:solidFill>
+                      <a:prstDash val="solid"/>
+                      <a:round/>
+                      <a:headEnd type="none" w="med" len="med"/>
+                      <a:tailEnd type="none" w="med" len="med"/>
+                    </a:lnL>
+                    <a:lnR w="12700" cap="flat" cmpd="sng" algn="ctr">
+                      <a:solidFill>
+                        <a:srgbClr val="777777"/>
+                      </a:solidFill>
+                      <a:prstDash val="solid"/>
+                      <a:round/>
+                      <a:headEnd type="none" w="med" len="med"/>
+                      <a:tailEnd type="none" w="med" len="med"/>
+                    </a:lnR>
+                    <a:lnT w="12700" cap="flat" cmpd="sng" algn="ctr">
+                      <a:solidFill>
+                        <a:srgbClr val="777777"/>
+                      </a:solidFill>
+                      <a:prstDash val="solid"/>
+                      <a:round/>
+                      <a:headEnd type="none" w="med" len="med"/>
+                      <a:tailEnd type="none" w="med" len="med"/>
+                    </a:lnT>
+                    <a:lnB w="12700" cap="flat" cmpd="sng" algn="ctr">
+                      <a:solidFill>
+                        <a:srgbClr val="777777"/>
+                      </a:solidFill>
+                      <a:prstDash val="solid"/>
+                      <a:round/>
+                      <a:headEnd type="none" w="med" len="med"/>
+                      <a:tailEnd type="none" w="med" len="med"/>
+                    </a:lnB>
+                  </a:tcPr>
+                </a:tc>
+                <a:tc>
+                  <a:txBody>
+                    <a:bodyPr/>
+                    <a:lstStyle/>
+                    <a:p>
+                      <a:pPr marL="0" algn="l" defTabSz="457200" rtl="0" eaLnBrk="1" fontAlgn="t" latinLnBrk="0" hangingPunct="1">
+                        <a:spcBef>
+                          <a:spcPts val="0"/>
+                        </a:spcBef>
+                        <a:spcAft>
+                          <a:spcPts val="0"/>
+                        </a:spcAft>
+                      </a:pPr>
+                      <a:r>
+                        <a:rPr lang="de-AT" sz="900" b="0" i="0" u="none" strike="noStrike" kern="1200" dirty="0" err="1">
+                          <a:solidFill>
+                            <a:schemeClr val="tx1"/>
+                          </a:solidFill>
+                          <a:effectLst/>
+                          <a:latin typeface="Arial" panose="020B0604020202020204" pitchFamily="34" charset="0"/>
+                          <a:ea typeface="+mn-ea"/>
+                          <a:cs typeface="+mn-cs"/>
+                        </a:rPr>
+                        <a:t>HoT</a:t>
+                      </a:r>
+                      <a:r>
+                        <a:rPr lang="de-AT" sz="900" b="0" i="0" u="none" strike="noStrike" kern="1200" dirty="0">
+                          <a:solidFill>
+                            <a:schemeClr val="tx1"/>
+                          </a:solidFill>
+                          <a:effectLst/>
+                          <a:latin typeface="Arial" panose="020B0604020202020204" pitchFamily="34" charset="0"/>
+                          <a:ea typeface="+mn-ea"/>
+                          <a:cs typeface="+mn-cs"/>
+                        </a:rPr>
+                        <a:t>, LTE (</a:t>
+                      </a:r>
+                      <a:r>
+                        <a:rPr lang="de-AT" sz="900" b="0" i="0" u="none" strike="noStrike" kern="1200" dirty="0" err="1">
+                          <a:solidFill>
+                            <a:schemeClr val="tx1"/>
+                          </a:solidFill>
+                          <a:effectLst/>
+                          <a:latin typeface="Arial" panose="020B0604020202020204" pitchFamily="34" charset="0"/>
+                          <a:ea typeface="+mn-ea"/>
+                          <a:cs typeface="+mn-cs"/>
+                        </a:rPr>
+                        <a:t>hotspot</a:t>
+                      </a:r>
+                      <a:r>
+                        <a:rPr lang="de-AT" sz="900" b="0" i="0" u="none" strike="noStrike" kern="1200" dirty="0">
+                          <a:solidFill>
+                            <a:schemeClr val="tx1"/>
+                          </a:solidFill>
+                          <a:effectLst/>
+                          <a:latin typeface="Arial" panose="020B0604020202020204" pitchFamily="34" charset="0"/>
+                          <a:ea typeface="+mn-ea"/>
+                          <a:cs typeface="+mn-cs"/>
+                        </a:rPr>
+                        <a:t>)</a:t>
+                      </a:r>
+                    </a:p>
+                  </a:txBody>
+                  <a:tcPr anchor="ctr">
+                    <a:lnL w="12700" cap="flat" cmpd="sng" algn="ctr">
+                      <a:solidFill>
+                        <a:srgbClr val="777777"/>
+                      </a:solidFill>
+                      <a:prstDash val="solid"/>
+                      <a:round/>
+                      <a:headEnd type="none" w="med" len="med"/>
+                      <a:tailEnd type="none" w="med" len="med"/>
+                    </a:lnL>
+                    <a:lnR w="12700" cap="flat" cmpd="sng" algn="ctr">
+                      <a:solidFill>
+                        <a:srgbClr val="777777"/>
+                      </a:solidFill>
+                      <a:prstDash val="solid"/>
+                      <a:round/>
+                      <a:headEnd type="none" w="med" len="med"/>
+                      <a:tailEnd type="none" w="med" len="med"/>
+                    </a:lnR>
+                    <a:lnT w="12700" cap="flat" cmpd="sng" algn="ctr">
+                      <a:solidFill>
+                        <a:srgbClr val="777777"/>
+                      </a:solidFill>
+                      <a:prstDash val="solid"/>
+                      <a:round/>
+                      <a:headEnd type="none" w="med" len="med"/>
+                      <a:tailEnd type="none" w="med" len="med"/>
+                    </a:lnT>
+                    <a:lnB w="12700" cap="flat" cmpd="sng" algn="ctr">
+                      <a:solidFill>
+                        <a:srgbClr val="777777"/>
+                      </a:solidFill>
+                      <a:prstDash val="solid"/>
+                      <a:round/>
+                      <a:headEnd type="none" w="med" len="med"/>
+                      <a:tailEnd type="none" w="med" len="med"/>
+                    </a:lnB>
+                  </a:tcPr>
+                </a:tc>
+                <a:tc>
+                  <a:txBody>
+                    <a:bodyPr/>
+                    <a:lstStyle/>
+                    <a:p>
+                      <a:pPr marL="0" algn="l" defTabSz="457200" rtl="0" eaLnBrk="1" fontAlgn="t" latinLnBrk="0" hangingPunct="1">
+                        <a:spcBef>
+                          <a:spcPts val="0"/>
+                        </a:spcBef>
+                        <a:spcAft>
+                          <a:spcPts val="0"/>
+                        </a:spcAft>
+                      </a:pPr>
+                      <a:r>
+                        <a:rPr lang="de-AT" sz="900" b="0" i="0" u="none" strike="noStrike" kern="1200" dirty="0">
+                          <a:solidFill>
+                            <a:schemeClr val="tx1"/>
+                          </a:solidFill>
+                          <a:effectLst/>
+                          <a:latin typeface="Arial" panose="020B0604020202020204" pitchFamily="34" charset="0"/>
+                          <a:ea typeface="+mn-ea"/>
+                          <a:cs typeface="+mn-cs"/>
+                        </a:rPr>
+                        <a:t>A1, LTE</a:t>
+                      </a:r>
+                    </a:p>
+                  </a:txBody>
+                  <a:tcPr anchor="ctr">
+                    <a:lnL w="12700" cap="flat" cmpd="sng" algn="ctr">
+                      <a:solidFill>
+                        <a:srgbClr val="777777"/>
+                      </a:solidFill>
+                      <a:prstDash val="solid"/>
+                      <a:round/>
+                      <a:headEnd type="none" w="med" len="med"/>
+                      <a:tailEnd type="none" w="med" len="med"/>
+                    </a:lnL>
+                    <a:lnR w="12700" cap="flat" cmpd="sng" algn="ctr">
+                      <a:solidFill>
+                        <a:srgbClr val="777777"/>
+                      </a:solidFill>
+                      <a:prstDash val="solid"/>
+                      <a:round/>
+                      <a:headEnd type="none" w="med" len="med"/>
+                      <a:tailEnd type="none" w="med" len="med"/>
+                    </a:lnR>
+                    <a:lnT w="12700" cap="flat" cmpd="sng" algn="ctr">
+                      <a:solidFill>
+                        <a:srgbClr val="777777"/>
+                      </a:solidFill>
+                      <a:prstDash val="solid"/>
+                      <a:round/>
+                      <a:headEnd type="none" w="med" len="med"/>
+                      <a:tailEnd type="none" w="med" len="med"/>
+                    </a:lnT>
+                    <a:lnB w="12700" cap="flat" cmpd="sng" algn="ctr">
+                      <a:solidFill>
+                        <a:srgbClr val="777777"/>
+                      </a:solidFill>
+                      <a:prstDash val="solid"/>
+                      <a:round/>
+                      <a:headEnd type="none" w="med" len="med"/>
+                      <a:tailEnd type="none" w="med" len="med"/>
+                    </a:lnB>
+                  </a:tcPr>
+                </a:tc>
+                <a:extLst>
+                  <a:ext uri="{0D108BD9-81ED-4DB2-BD59-A6C34878D82A}">
+                    <a16:rowId xmlns:a16="http://schemas.microsoft.com/office/drawing/2014/main" val="2432389183"/>
+                  </a:ext>
+                </a:extLst>
+              </a:tr>
+              <a:tr h="204940">
+                <a:tc>
+                  <a:txBody>
+                    <a:bodyPr/>
+                    <a:lstStyle/>
+                    <a:p>
+                      <a:pPr algn="l" fontAlgn="t">
+                        <a:spcBef>
+                          <a:spcPts val="0"/>
+                        </a:spcBef>
+                        <a:spcAft>
+                          <a:spcPts val="0"/>
+                        </a:spcAft>
+                      </a:pPr>
+                      <a:r>
+                        <a:rPr lang="de-AT" sz="900" b="1" i="0" u="none" strike="noStrike">
+                          <a:solidFill>
+                            <a:srgbClr val="000000"/>
+                          </a:solidFill>
+                          <a:effectLst/>
+                          <a:latin typeface="Arial" panose="020B0604020202020204" pitchFamily="34" charset="0"/>
+                        </a:rPr>
+                        <a:t>Download Speed</a:t>
+                      </a:r>
+                      <a:endParaRPr lang="de-AT" sz="900" b="0" i="0" u="none" strike="noStrike">
+                        <a:solidFill>
+                          <a:srgbClr val="000000"/>
+                        </a:solidFill>
+                        <a:effectLst/>
+                        <a:latin typeface="Arial" panose="020B0604020202020204" pitchFamily="34" charset="0"/>
+                      </a:endParaRPr>
+                    </a:p>
+                  </a:txBody>
+                  <a:tcPr marL="46577" marR="46577" marT="23289" marB="23289">
+                    <a:lnL w="12700" cap="flat" cmpd="sng" algn="ctr">
+                      <a:solidFill>
+                        <a:srgbClr val="777777"/>
+                      </a:solidFill>
+                      <a:prstDash val="solid"/>
+                      <a:round/>
+                      <a:headEnd type="none" w="med" len="med"/>
+                      <a:tailEnd type="none" w="med" len="med"/>
+                    </a:lnL>
+                    <a:lnR w="12700" cap="flat" cmpd="sng" algn="ctr">
+                      <a:solidFill>
+                        <a:srgbClr val="777777"/>
+                      </a:solidFill>
+                      <a:prstDash val="solid"/>
+                      <a:round/>
+                      <a:headEnd type="none" w="med" len="med"/>
+                      <a:tailEnd type="none" w="med" len="med"/>
+                    </a:lnR>
+                    <a:lnT w="12700" cap="flat" cmpd="sng" algn="ctr">
+                      <a:solidFill>
+                        <a:srgbClr val="777777"/>
+                      </a:solidFill>
+                      <a:prstDash val="solid"/>
+                      <a:round/>
+                      <a:headEnd type="none" w="med" len="med"/>
+                      <a:tailEnd type="none" w="med" len="med"/>
+                    </a:lnT>
+                    <a:lnB w="12700" cap="flat" cmpd="sng" algn="ctr">
+                      <a:solidFill>
+                        <a:srgbClr val="777777"/>
+                      </a:solidFill>
+                      <a:prstDash val="solid"/>
+                      <a:round/>
+                      <a:headEnd type="none" w="med" len="med"/>
+                      <a:tailEnd type="none" w="med" len="med"/>
+                    </a:lnB>
+                    <a:solidFill>
+                      <a:srgbClr val="DDDDDD"/>
+                    </a:solidFill>
+                  </a:tcPr>
+                </a:tc>
+                <a:tc>
+                  <a:txBody>
+                    <a:bodyPr/>
+                    <a:lstStyle/>
+                    <a:p>
+                      <a:pPr marL="0" algn="l" defTabSz="457200" rtl="0" eaLnBrk="1" fontAlgn="t" latinLnBrk="0" hangingPunct="1">
+                        <a:spcBef>
+                          <a:spcPts val="0"/>
+                        </a:spcBef>
+                        <a:spcAft>
+                          <a:spcPts val="0"/>
+                        </a:spcAft>
+                      </a:pPr>
+                      <a:r>
+                        <a:rPr lang="de-AT" sz="900" b="0" i="0" u="none" strike="noStrike" kern="1200" dirty="0">
+                          <a:solidFill>
+                            <a:schemeClr val="tx1"/>
+                          </a:solidFill>
+                          <a:effectLst/>
+                          <a:latin typeface="Arial" panose="020B0604020202020204" pitchFamily="34" charset="0"/>
+                          <a:ea typeface="+mn-ea"/>
+                          <a:cs typeface="+mn-cs"/>
+                        </a:rPr>
+                        <a:t>45 </a:t>
+                      </a:r>
+                      <a:r>
+                        <a:rPr lang="de-AT" sz="900" b="0" i="0" u="none" strike="noStrike" kern="1200" dirty="0" err="1">
+                          <a:solidFill>
+                            <a:schemeClr val="tx1"/>
+                          </a:solidFill>
+                          <a:effectLst/>
+                          <a:latin typeface="Arial" panose="020B0604020202020204" pitchFamily="34" charset="0"/>
+                          <a:ea typeface="+mn-ea"/>
+                          <a:cs typeface="+mn-cs"/>
+                        </a:rPr>
+                        <a:t>mbps</a:t>
+                      </a:r>
+                      <a:endParaRPr lang="de-AT" sz="900" b="0" i="0" u="none" strike="noStrike" kern="1200" dirty="0">
+                        <a:solidFill>
+                          <a:schemeClr val="tx1"/>
+                        </a:solidFill>
+                        <a:effectLst/>
+                        <a:latin typeface="Arial" panose="020B0604020202020204" pitchFamily="34" charset="0"/>
+                        <a:ea typeface="+mn-ea"/>
+                        <a:cs typeface="+mn-cs"/>
+                      </a:endParaRPr>
+                    </a:p>
+                  </a:txBody>
+                  <a:tcPr marL="46577" marR="46577" marT="23289" marB="23289">
+                    <a:lnL w="12700" cap="flat" cmpd="sng" algn="ctr">
+                      <a:solidFill>
+                        <a:srgbClr val="777777"/>
+                      </a:solidFill>
+                      <a:prstDash val="solid"/>
+                      <a:round/>
+                      <a:headEnd type="none" w="med" len="med"/>
+                      <a:tailEnd type="none" w="med" len="med"/>
+                    </a:lnL>
+                    <a:lnR w="12700" cap="flat" cmpd="sng" algn="ctr">
+                      <a:solidFill>
+                        <a:srgbClr val="777777"/>
+                      </a:solidFill>
+                      <a:prstDash val="solid"/>
+                      <a:round/>
+                      <a:headEnd type="none" w="med" len="med"/>
+                      <a:tailEnd type="none" w="med" len="med"/>
+                    </a:lnR>
+                    <a:lnT w="12700" cap="flat" cmpd="sng" algn="ctr">
+                      <a:solidFill>
+                        <a:srgbClr val="777777"/>
+                      </a:solidFill>
+                      <a:prstDash val="solid"/>
+                      <a:round/>
+                      <a:headEnd type="none" w="med" len="med"/>
+                      <a:tailEnd type="none" w="med" len="med"/>
+                    </a:lnT>
+                    <a:lnB w="12700" cap="flat" cmpd="sng" algn="ctr">
+                      <a:solidFill>
+                        <a:srgbClr val="777777"/>
+                      </a:solidFill>
+                      <a:prstDash val="solid"/>
+                      <a:round/>
+                      <a:headEnd type="none" w="med" len="med"/>
+                      <a:tailEnd type="none" w="med" len="med"/>
+                    </a:lnB>
+                  </a:tcPr>
+                </a:tc>
+                <a:tc>
+                  <a:txBody>
+                    <a:bodyPr/>
+                    <a:lstStyle/>
+                    <a:p>
+                      <a:pPr marL="0" algn="l" defTabSz="457200" rtl="0" eaLnBrk="1" fontAlgn="t" latinLnBrk="0" hangingPunct="1">
+                        <a:spcBef>
+                          <a:spcPts val="0"/>
+                        </a:spcBef>
+                        <a:spcAft>
+                          <a:spcPts val="0"/>
+                        </a:spcAft>
+                      </a:pPr>
+                      <a:r>
+                        <a:rPr lang="de-AT" sz="900" b="0" i="0" u="none" strike="noStrike" kern="1200" dirty="0">
+                          <a:solidFill>
+                            <a:schemeClr val="tx1"/>
+                          </a:solidFill>
+                          <a:effectLst/>
+                          <a:latin typeface="Arial" panose="020B0604020202020204" pitchFamily="34" charset="0"/>
+                          <a:ea typeface="+mn-ea"/>
+                          <a:cs typeface="+mn-cs"/>
+                        </a:rPr>
+                        <a:t>50 </a:t>
+                      </a:r>
+                      <a:r>
+                        <a:rPr lang="de-AT" sz="900" b="0" i="0" u="none" strike="noStrike" kern="1200" dirty="0" err="1">
+                          <a:solidFill>
+                            <a:schemeClr val="tx1"/>
+                          </a:solidFill>
+                          <a:effectLst/>
+                          <a:latin typeface="Arial" panose="020B0604020202020204" pitchFamily="34" charset="0"/>
+                          <a:ea typeface="+mn-ea"/>
+                          <a:cs typeface="+mn-cs"/>
+                        </a:rPr>
+                        <a:t>mbps</a:t>
+                      </a:r>
+                      <a:endParaRPr lang="de-AT" sz="900" b="0" i="0" u="none" strike="noStrike" kern="1200" dirty="0">
+                        <a:solidFill>
+                          <a:schemeClr val="tx1"/>
+                        </a:solidFill>
+                        <a:effectLst/>
+                        <a:latin typeface="Arial" panose="020B0604020202020204" pitchFamily="34" charset="0"/>
+                        <a:ea typeface="+mn-ea"/>
+                        <a:cs typeface="+mn-cs"/>
+                      </a:endParaRPr>
+                    </a:p>
+                  </a:txBody>
+                  <a:tcPr marL="46577" marR="46577" marT="23289" marB="23289">
+                    <a:lnL w="12700" cap="flat" cmpd="sng" algn="ctr">
+                      <a:solidFill>
+                        <a:srgbClr val="777777"/>
+                      </a:solidFill>
+                      <a:prstDash val="solid"/>
+                      <a:round/>
+                      <a:headEnd type="none" w="med" len="med"/>
+                      <a:tailEnd type="none" w="med" len="med"/>
+                    </a:lnL>
+                    <a:lnR w="12700" cap="flat" cmpd="sng" algn="ctr">
+                      <a:solidFill>
+                        <a:srgbClr val="777777"/>
+                      </a:solidFill>
+                      <a:prstDash val="solid"/>
+                      <a:round/>
+                      <a:headEnd type="none" w="med" len="med"/>
+                      <a:tailEnd type="none" w="med" len="med"/>
+                    </a:lnR>
+                    <a:lnT w="12700" cap="flat" cmpd="sng" algn="ctr">
+                      <a:solidFill>
+                        <a:srgbClr val="777777"/>
+                      </a:solidFill>
+                      <a:prstDash val="solid"/>
+                      <a:round/>
+                      <a:headEnd type="none" w="med" len="med"/>
+                      <a:tailEnd type="none" w="med" len="med"/>
+                    </a:lnT>
+                    <a:lnB w="12700" cap="flat" cmpd="sng" algn="ctr">
+                      <a:solidFill>
+                        <a:srgbClr val="777777"/>
+                      </a:solidFill>
+                      <a:prstDash val="solid"/>
+                      <a:round/>
+                      <a:headEnd type="none" w="med" len="med"/>
+                      <a:tailEnd type="none" w="med" len="med"/>
+                    </a:lnB>
+                  </a:tcPr>
+                </a:tc>
+                <a:tc>
+                  <a:txBody>
+                    <a:bodyPr/>
+                    <a:lstStyle/>
+                    <a:p>
+                      <a:pPr marL="0" algn="l" defTabSz="457200" rtl="0" eaLnBrk="1" fontAlgn="t" latinLnBrk="0" hangingPunct="1">
+                        <a:spcBef>
+                          <a:spcPts val="0"/>
+                        </a:spcBef>
+                        <a:spcAft>
+                          <a:spcPts val="0"/>
+                        </a:spcAft>
+                      </a:pPr>
+                      <a:r>
+                        <a:rPr lang="de-AT" sz="900" b="0" i="0" u="none" strike="noStrike" kern="1200" dirty="0">
+                          <a:solidFill>
+                            <a:schemeClr val="tx1"/>
+                          </a:solidFill>
+                          <a:effectLst/>
+                          <a:latin typeface="Arial" panose="020B0604020202020204" pitchFamily="34" charset="0"/>
+                          <a:ea typeface="+mn-ea"/>
+                          <a:cs typeface="+mn-cs"/>
+                        </a:rPr>
+                        <a:t>20 </a:t>
+                      </a:r>
+                      <a:r>
+                        <a:rPr lang="de-AT" sz="900" b="0" i="0" u="none" strike="noStrike" kern="1200" dirty="0" err="1">
+                          <a:solidFill>
+                            <a:schemeClr val="tx1"/>
+                          </a:solidFill>
+                          <a:effectLst/>
+                          <a:latin typeface="Arial" panose="020B0604020202020204" pitchFamily="34" charset="0"/>
+                          <a:ea typeface="+mn-ea"/>
+                          <a:cs typeface="+mn-cs"/>
+                        </a:rPr>
+                        <a:t>mbps</a:t>
+                      </a:r>
+                      <a:endParaRPr lang="de-AT" sz="900" b="0" i="0" u="none" strike="noStrike" kern="1200" dirty="0">
+                        <a:solidFill>
+                          <a:schemeClr val="tx1"/>
+                        </a:solidFill>
+                        <a:effectLst/>
+                        <a:latin typeface="Arial" panose="020B0604020202020204" pitchFamily="34" charset="0"/>
+                        <a:ea typeface="+mn-ea"/>
+                        <a:cs typeface="+mn-cs"/>
+                      </a:endParaRPr>
+                    </a:p>
+                  </a:txBody>
+                  <a:tcPr marL="46577" marR="46577" marT="23289" marB="23289">
+                    <a:lnL w="12700" cap="flat" cmpd="sng" algn="ctr">
+                      <a:solidFill>
+                        <a:srgbClr val="777777"/>
+                      </a:solidFill>
+                      <a:prstDash val="solid"/>
+                      <a:round/>
+                      <a:headEnd type="none" w="med" len="med"/>
+                      <a:tailEnd type="none" w="med" len="med"/>
+                    </a:lnL>
+                    <a:lnR w="12700" cap="flat" cmpd="sng" algn="ctr">
+                      <a:solidFill>
+                        <a:srgbClr val="777777"/>
+                      </a:solidFill>
+                      <a:prstDash val="solid"/>
+                      <a:round/>
+                      <a:headEnd type="none" w="med" len="med"/>
+                      <a:tailEnd type="none" w="med" len="med"/>
+                    </a:lnR>
+                    <a:lnT w="12700" cap="flat" cmpd="sng" algn="ctr">
+                      <a:solidFill>
+                        <a:srgbClr val="777777"/>
+                      </a:solidFill>
+                      <a:prstDash val="solid"/>
+                      <a:round/>
+                      <a:headEnd type="none" w="med" len="med"/>
+                      <a:tailEnd type="none" w="med" len="med"/>
+                    </a:lnT>
+                    <a:lnB w="12700" cap="flat" cmpd="sng" algn="ctr">
+                      <a:solidFill>
+                        <a:srgbClr val="777777"/>
+                      </a:solidFill>
+                      <a:prstDash val="solid"/>
+                      <a:round/>
+                      <a:headEnd type="none" w="med" len="med"/>
+                      <a:tailEnd type="none" w="med" len="med"/>
+                    </a:lnB>
+                  </a:tcPr>
+                </a:tc>
+                <a:tc>
+                  <a:txBody>
+                    <a:bodyPr/>
+                    <a:lstStyle/>
+                    <a:p>
+                      <a:pPr marL="0" algn="l" defTabSz="457200" rtl="0" eaLnBrk="1" fontAlgn="t" latinLnBrk="0" hangingPunct="1">
+                        <a:spcBef>
+                          <a:spcPts val="0"/>
+                        </a:spcBef>
+                        <a:spcAft>
+                          <a:spcPts val="0"/>
+                        </a:spcAft>
+                      </a:pPr>
+                      <a:r>
+                        <a:rPr lang="de-AT" sz="900" b="0" i="0" u="none" strike="noStrike" kern="1200" dirty="0">
+                          <a:solidFill>
+                            <a:schemeClr val="tx1"/>
+                          </a:solidFill>
+                          <a:effectLst/>
+                          <a:latin typeface="Arial" panose="020B0604020202020204" pitchFamily="34" charset="0"/>
+                          <a:ea typeface="+mn-ea"/>
+                          <a:cs typeface="+mn-cs"/>
+                        </a:rPr>
+                        <a:t>60 </a:t>
+                      </a:r>
+                      <a:r>
+                        <a:rPr lang="de-AT" sz="900" b="0" i="0" u="none" strike="noStrike" kern="1200" dirty="0" err="1">
+                          <a:solidFill>
+                            <a:schemeClr val="tx1"/>
+                          </a:solidFill>
+                          <a:effectLst/>
+                          <a:latin typeface="Arial" panose="020B0604020202020204" pitchFamily="34" charset="0"/>
+                          <a:ea typeface="+mn-ea"/>
+                          <a:cs typeface="+mn-cs"/>
+                        </a:rPr>
+                        <a:t>mbps</a:t>
+                      </a:r>
+                      <a:endParaRPr lang="de-AT" sz="900" b="0" i="0" u="none" strike="noStrike" kern="1200" dirty="0">
+                        <a:solidFill>
+                          <a:schemeClr val="tx1"/>
+                        </a:solidFill>
+                        <a:effectLst/>
+                        <a:latin typeface="Arial" panose="020B0604020202020204" pitchFamily="34" charset="0"/>
+                        <a:ea typeface="+mn-ea"/>
+                        <a:cs typeface="+mn-cs"/>
+                      </a:endParaRPr>
+                    </a:p>
+                  </a:txBody>
+                  <a:tcPr marL="46577" marR="46577" marT="23289" marB="23289">
+                    <a:lnL w="12700" cap="flat" cmpd="sng" algn="ctr">
+                      <a:solidFill>
+                        <a:srgbClr val="777777"/>
+                      </a:solidFill>
+                      <a:prstDash val="solid"/>
+                      <a:round/>
+                      <a:headEnd type="none" w="med" len="med"/>
+                      <a:tailEnd type="none" w="med" len="med"/>
+                    </a:lnL>
+                    <a:lnR w="12700" cap="flat" cmpd="sng" algn="ctr">
+                      <a:solidFill>
+                        <a:srgbClr val="777777"/>
+                      </a:solidFill>
+                      <a:prstDash val="solid"/>
+                      <a:round/>
+                      <a:headEnd type="none" w="med" len="med"/>
+                      <a:tailEnd type="none" w="med" len="med"/>
+                    </a:lnR>
+                    <a:lnT w="12700" cap="flat" cmpd="sng" algn="ctr">
+                      <a:solidFill>
+                        <a:srgbClr val="777777"/>
+                      </a:solidFill>
+                      <a:prstDash val="solid"/>
+                      <a:round/>
+                      <a:headEnd type="none" w="med" len="med"/>
+                      <a:tailEnd type="none" w="med" len="med"/>
+                    </a:lnT>
+                    <a:lnB w="12700" cap="flat" cmpd="sng" algn="ctr">
+                      <a:solidFill>
+                        <a:srgbClr val="777777"/>
+                      </a:solidFill>
+                      <a:prstDash val="solid"/>
+                      <a:round/>
+                      <a:headEnd type="none" w="med" len="med"/>
+                      <a:tailEnd type="none" w="med" len="med"/>
+                    </a:lnB>
+                  </a:tcPr>
+                </a:tc>
+                <a:extLst>
+                  <a:ext uri="{0D108BD9-81ED-4DB2-BD59-A6C34878D82A}">
+                    <a16:rowId xmlns:a16="http://schemas.microsoft.com/office/drawing/2014/main" val="1394647635"/>
+                  </a:ext>
+                </a:extLst>
+              </a:tr>
+              <a:tr h="204940">
+                <a:tc>
+                  <a:txBody>
+                    <a:bodyPr/>
+                    <a:lstStyle/>
+                    <a:p>
+                      <a:pPr algn="l" fontAlgn="t">
+                        <a:spcBef>
+                          <a:spcPts val="0"/>
+                        </a:spcBef>
+                        <a:spcAft>
+                          <a:spcPts val="0"/>
+                        </a:spcAft>
+                      </a:pPr>
+                      <a:r>
+                        <a:rPr lang="de-AT" sz="900" b="1" i="0" u="none" strike="noStrike">
+                          <a:solidFill>
+                            <a:srgbClr val="000000"/>
+                          </a:solidFill>
+                          <a:effectLst/>
+                          <a:latin typeface="Arial" panose="020B0604020202020204" pitchFamily="34" charset="0"/>
+                        </a:rPr>
+                        <a:t>Browser Resolution</a:t>
+                      </a:r>
+                      <a:endParaRPr lang="de-AT" sz="900" b="0" i="0" u="none" strike="noStrike">
+                        <a:solidFill>
+                          <a:srgbClr val="000000"/>
+                        </a:solidFill>
+                        <a:effectLst/>
+                        <a:latin typeface="Arial" panose="020B0604020202020204" pitchFamily="34" charset="0"/>
+                      </a:endParaRPr>
+                    </a:p>
+                  </a:txBody>
+                  <a:tcPr marL="46577" marR="46577" marT="23289" marB="23289">
+                    <a:lnL w="12700" cap="flat" cmpd="sng" algn="ctr">
+                      <a:solidFill>
+                        <a:srgbClr val="777777"/>
+                      </a:solidFill>
+                      <a:prstDash val="solid"/>
+                      <a:round/>
+                      <a:headEnd type="none" w="med" len="med"/>
+                      <a:tailEnd type="none" w="med" len="med"/>
+                    </a:lnL>
+                    <a:lnR w="12700" cap="flat" cmpd="sng" algn="ctr">
+                      <a:solidFill>
+                        <a:srgbClr val="777777"/>
+                      </a:solidFill>
+                      <a:prstDash val="solid"/>
+                      <a:round/>
+                      <a:headEnd type="none" w="med" len="med"/>
+                      <a:tailEnd type="none" w="med" len="med"/>
+                    </a:lnR>
+                    <a:lnT w="12700" cap="flat" cmpd="sng" algn="ctr">
+                      <a:solidFill>
+                        <a:srgbClr val="777777"/>
+                      </a:solidFill>
+                      <a:prstDash val="solid"/>
+                      <a:round/>
+                      <a:headEnd type="none" w="med" len="med"/>
+                      <a:tailEnd type="none" w="med" len="med"/>
+                    </a:lnT>
+                    <a:lnB w="12700" cap="flat" cmpd="sng" algn="ctr">
+                      <a:solidFill>
+                        <a:srgbClr val="777777"/>
+                      </a:solidFill>
+                      <a:prstDash val="solid"/>
+                      <a:round/>
+                      <a:headEnd type="none" w="med" len="med"/>
+                      <a:tailEnd type="none" w="med" len="med"/>
+                    </a:lnB>
+                    <a:solidFill>
+                      <a:srgbClr val="DDDDDD"/>
+                    </a:solidFill>
+                  </a:tcPr>
+                </a:tc>
+                <a:tc>
+                  <a:txBody>
+                    <a:bodyPr/>
+                    <a:lstStyle/>
+                    <a:p>
+                      <a:pPr marL="0" algn="l" defTabSz="457200" rtl="0" eaLnBrk="1" fontAlgn="t" latinLnBrk="0" hangingPunct="1">
+                        <a:spcBef>
+                          <a:spcPts val="0"/>
+                        </a:spcBef>
+                        <a:spcAft>
+                          <a:spcPts val="0"/>
+                        </a:spcAft>
+                      </a:pPr>
+                      <a:r>
+                        <a:rPr lang="de-AT" sz="900" b="0" i="0" u="none" strike="noStrike" kern="1200">
+                          <a:solidFill>
+                            <a:schemeClr val="tx1"/>
+                          </a:solidFill>
+                          <a:effectLst/>
+                          <a:latin typeface="Arial" panose="020B0604020202020204" pitchFamily="34" charset="0"/>
+                          <a:ea typeface="+mn-ea"/>
+                          <a:cs typeface="+mn-cs"/>
+                        </a:rPr>
+                        <a:t>1920x1080</a:t>
+                      </a:r>
+                    </a:p>
+                  </a:txBody>
+                  <a:tcPr anchor="ctr">
+                    <a:lnL w="12700" cap="flat" cmpd="sng" algn="ctr">
+                      <a:solidFill>
+                        <a:srgbClr val="777777"/>
+                      </a:solidFill>
+                      <a:prstDash val="solid"/>
+                      <a:round/>
+                      <a:headEnd type="none" w="med" len="med"/>
+                      <a:tailEnd type="none" w="med" len="med"/>
+                    </a:lnL>
+                    <a:lnR w="12700" cap="flat" cmpd="sng" algn="ctr">
+                      <a:solidFill>
+                        <a:srgbClr val="777777"/>
+                      </a:solidFill>
+                      <a:prstDash val="solid"/>
+                      <a:round/>
+                      <a:headEnd type="none" w="med" len="med"/>
+                      <a:tailEnd type="none" w="med" len="med"/>
+                    </a:lnR>
+                    <a:lnT w="12700" cap="flat" cmpd="sng" algn="ctr">
+                      <a:solidFill>
+                        <a:srgbClr val="777777"/>
+                      </a:solidFill>
+                      <a:prstDash val="solid"/>
+                      <a:round/>
+                      <a:headEnd type="none" w="med" len="med"/>
+                      <a:tailEnd type="none" w="med" len="med"/>
+                    </a:lnT>
+                    <a:lnB w="12700" cap="flat" cmpd="sng" algn="ctr">
+                      <a:solidFill>
+                        <a:srgbClr val="777777"/>
+                      </a:solidFill>
+                      <a:prstDash val="solid"/>
+                      <a:round/>
+                      <a:headEnd type="none" w="med" len="med"/>
+                      <a:tailEnd type="none" w="med" len="med"/>
+                    </a:lnB>
+                  </a:tcPr>
+                </a:tc>
+                <a:tc>
+                  <a:txBody>
+                    <a:bodyPr/>
+                    <a:lstStyle/>
+                    <a:p>
+                      <a:pPr marL="0" algn="l" defTabSz="457200" rtl="0" eaLnBrk="1" fontAlgn="t" latinLnBrk="0" hangingPunct="1">
+                        <a:spcBef>
+                          <a:spcPts val="0"/>
+                        </a:spcBef>
+                        <a:spcAft>
+                          <a:spcPts val="0"/>
+                        </a:spcAft>
+                      </a:pPr>
+                      <a:r>
+                        <a:rPr lang="de-AT" sz="900" b="0" i="0" u="none" strike="noStrike" kern="1200" dirty="0">
+                          <a:solidFill>
+                            <a:schemeClr val="tx1"/>
+                          </a:solidFill>
+                          <a:effectLst/>
+                          <a:latin typeface="Arial" panose="020B0604020202020204" pitchFamily="34" charset="0"/>
+                          <a:ea typeface="+mn-ea"/>
+                          <a:cs typeface="+mn-cs"/>
+                        </a:rPr>
+                        <a:t>1920x1080</a:t>
+                      </a:r>
+                    </a:p>
+                  </a:txBody>
+                  <a:tcPr anchor="ctr">
+                    <a:lnL w="12700" cap="flat" cmpd="sng" algn="ctr">
+                      <a:solidFill>
+                        <a:srgbClr val="777777"/>
+                      </a:solidFill>
+                      <a:prstDash val="solid"/>
+                      <a:round/>
+                      <a:headEnd type="none" w="med" len="med"/>
+                      <a:tailEnd type="none" w="med" len="med"/>
+                    </a:lnL>
+                    <a:lnR w="12700" cap="flat" cmpd="sng" algn="ctr">
+                      <a:solidFill>
+                        <a:srgbClr val="777777"/>
+                      </a:solidFill>
+                      <a:prstDash val="solid"/>
+                      <a:round/>
+                      <a:headEnd type="none" w="med" len="med"/>
+                      <a:tailEnd type="none" w="med" len="med"/>
+                    </a:lnR>
+                    <a:lnT w="12700" cap="flat" cmpd="sng" algn="ctr">
+                      <a:solidFill>
+                        <a:srgbClr val="777777"/>
+                      </a:solidFill>
+                      <a:prstDash val="solid"/>
+                      <a:round/>
+                      <a:headEnd type="none" w="med" len="med"/>
+                      <a:tailEnd type="none" w="med" len="med"/>
+                    </a:lnT>
+                    <a:lnB w="12700" cap="flat" cmpd="sng" algn="ctr">
+                      <a:solidFill>
+                        <a:srgbClr val="777777"/>
+                      </a:solidFill>
+                      <a:prstDash val="solid"/>
+                      <a:round/>
+                      <a:headEnd type="none" w="med" len="med"/>
+                      <a:tailEnd type="none" w="med" len="med"/>
+                    </a:lnB>
+                  </a:tcPr>
+                </a:tc>
+                <a:tc>
+                  <a:txBody>
+                    <a:bodyPr/>
+                    <a:lstStyle/>
+                    <a:p>
+                      <a:pPr marL="0" algn="l" defTabSz="457200" rtl="0" eaLnBrk="1" fontAlgn="t" latinLnBrk="0" hangingPunct="1">
+                        <a:spcBef>
+                          <a:spcPts val="0"/>
+                        </a:spcBef>
+                        <a:spcAft>
+                          <a:spcPts val="0"/>
+                        </a:spcAft>
+                      </a:pPr>
+                      <a:r>
+                        <a:rPr lang="de-AT" sz="900" b="0" i="0" u="none" strike="noStrike" kern="1200" dirty="0">
+                          <a:solidFill>
+                            <a:schemeClr val="tx1"/>
+                          </a:solidFill>
+                          <a:effectLst/>
+                          <a:latin typeface="Arial" panose="020B0604020202020204" pitchFamily="34" charset="0"/>
+                          <a:ea typeface="+mn-ea"/>
+                          <a:cs typeface="+mn-cs"/>
+                        </a:rPr>
+                        <a:t>720×1280</a:t>
+                      </a:r>
+                    </a:p>
+                  </a:txBody>
+                  <a:tcPr anchor="ctr">
+                    <a:lnL w="12700" cap="flat" cmpd="sng" algn="ctr">
+                      <a:solidFill>
+                        <a:srgbClr val="777777"/>
+                      </a:solidFill>
+                      <a:prstDash val="solid"/>
+                      <a:round/>
+                      <a:headEnd type="none" w="med" len="med"/>
+                      <a:tailEnd type="none" w="med" len="med"/>
+                    </a:lnL>
+                    <a:lnR w="12700" cap="flat" cmpd="sng" algn="ctr">
+                      <a:solidFill>
+                        <a:srgbClr val="777777"/>
+                      </a:solidFill>
+                      <a:prstDash val="solid"/>
+                      <a:round/>
+                      <a:headEnd type="none" w="med" len="med"/>
+                      <a:tailEnd type="none" w="med" len="med"/>
+                    </a:lnR>
+                    <a:lnT w="12700" cap="flat" cmpd="sng" algn="ctr">
+                      <a:solidFill>
+                        <a:srgbClr val="777777"/>
+                      </a:solidFill>
+                      <a:prstDash val="solid"/>
+                      <a:round/>
+                      <a:headEnd type="none" w="med" len="med"/>
+                      <a:tailEnd type="none" w="med" len="med"/>
+                    </a:lnT>
+                    <a:lnB w="12700" cap="flat" cmpd="sng" algn="ctr">
+                      <a:solidFill>
+                        <a:srgbClr val="777777"/>
+                      </a:solidFill>
+                      <a:prstDash val="solid"/>
+                      <a:round/>
+                      <a:headEnd type="none" w="med" len="med"/>
+                      <a:tailEnd type="none" w="med" len="med"/>
+                    </a:lnB>
+                  </a:tcPr>
+                </a:tc>
+                <a:tc>
+                  <a:txBody>
+                    <a:bodyPr/>
+                    <a:lstStyle/>
+                    <a:p>
+                      <a:pPr marL="0" algn="l" defTabSz="457200" rtl="0" eaLnBrk="1" fontAlgn="t" latinLnBrk="0" hangingPunct="1">
+                        <a:spcBef>
+                          <a:spcPts val="0"/>
+                        </a:spcBef>
+                        <a:spcAft>
+                          <a:spcPts val="0"/>
+                        </a:spcAft>
+                      </a:pPr>
+                      <a:r>
+                        <a:rPr lang="de-AT" sz="900" b="0" i="0" u="none" strike="noStrike" kern="1200" dirty="0">
+                          <a:solidFill>
+                            <a:schemeClr val="tx1"/>
+                          </a:solidFill>
+                          <a:effectLst/>
+                          <a:latin typeface="Arial" panose="020B0604020202020204" pitchFamily="34" charset="0"/>
+                          <a:ea typeface="+mn-ea"/>
+                          <a:cs typeface="+mn-cs"/>
+                        </a:rPr>
+                        <a:t>1920x1080</a:t>
+                      </a:r>
+                    </a:p>
+                  </a:txBody>
+                  <a:tcPr anchor="ctr">
+                    <a:lnL w="12700" cap="flat" cmpd="sng" algn="ctr">
+                      <a:solidFill>
+                        <a:srgbClr val="777777"/>
+                      </a:solidFill>
+                      <a:prstDash val="solid"/>
+                      <a:round/>
+                      <a:headEnd type="none" w="med" len="med"/>
+                      <a:tailEnd type="none" w="med" len="med"/>
+                    </a:lnL>
+                    <a:lnR w="12700" cap="flat" cmpd="sng" algn="ctr">
+                      <a:solidFill>
+                        <a:srgbClr val="777777"/>
+                      </a:solidFill>
+                      <a:prstDash val="solid"/>
+                      <a:round/>
+                      <a:headEnd type="none" w="med" len="med"/>
+                      <a:tailEnd type="none" w="med" len="med"/>
+                    </a:lnR>
+                    <a:lnT w="12700" cap="flat" cmpd="sng" algn="ctr">
+                      <a:solidFill>
+                        <a:srgbClr val="777777"/>
+                      </a:solidFill>
+                      <a:prstDash val="solid"/>
+                      <a:round/>
+                      <a:headEnd type="none" w="med" len="med"/>
+                      <a:tailEnd type="none" w="med" len="med"/>
+                    </a:lnT>
+                    <a:lnB w="12700" cap="flat" cmpd="sng" algn="ctr">
+                      <a:solidFill>
+                        <a:srgbClr val="777777"/>
+                      </a:solidFill>
+                      <a:prstDash val="solid"/>
+                      <a:round/>
+                      <a:headEnd type="none" w="med" len="med"/>
+                      <a:tailEnd type="none" w="med" len="med"/>
+                    </a:lnB>
+                  </a:tcPr>
+                </a:tc>
+                <a:extLst>
+                  <a:ext uri="{0D108BD9-81ED-4DB2-BD59-A6C34878D82A}">
+                    <a16:rowId xmlns:a16="http://schemas.microsoft.com/office/drawing/2014/main" val="497912758"/>
+                  </a:ext>
+                </a:extLst>
+              </a:tr>
+              <a:tr h="204940">
+                <a:tc>
+                  <a:txBody>
+                    <a:bodyPr/>
+                    <a:lstStyle/>
+                    <a:p>
+                      <a:pPr algn="l" fontAlgn="t">
+                        <a:spcBef>
+                          <a:spcPts val="0"/>
+                        </a:spcBef>
+                        <a:spcAft>
+                          <a:spcPts val="0"/>
+                        </a:spcAft>
+                      </a:pPr>
+                      <a:r>
+                        <a:rPr lang="de-AT" sz="900" b="1" i="0" u="none" strike="noStrike">
+                          <a:solidFill>
+                            <a:srgbClr val="000000"/>
+                          </a:solidFill>
+                          <a:effectLst/>
+                          <a:latin typeface="Arial" panose="020B0604020202020204" pitchFamily="34" charset="0"/>
+                        </a:rPr>
+                        <a:t>Screen Recording Software</a:t>
+                      </a:r>
+                      <a:endParaRPr lang="de-AT" sz="900" b="0" i="0" u="none" strike="noStrike">
+                        <a:solidFill>
+                          <a:srgbClr val="000000"/>
+                        </a:solidFill>
+                        <a:effectLst/>
+                        <a:latin typeface="Arial" panose="020B0604020202020204" pitchFamily="34" charset="0"/>
+                      </a:endParaRPr>
+                    </a:p>
+                  </a:txBody>
+                  <a:tcPr marL="46577" marR="46577" marT="23289" marB="23289">
+                    <a:lnL w="12700" cap="flat" cmpd="sng" algn="ctr">
+                      <a:solidFill>
+                        <a:srgbClr val="777777"/>
+                      </a:solidFill>
+                      <a:prstDash val="solid"/>
+                      <a:round/>
+                      <a:headEnd type="none" w="med" len="med"/>
+                      <a:tailEnd type="none" w="med" len="med"/>
+                    </a:lnL>
+                    <a:lnR w="12700" cap="flat" cmpd="sng" algn="ctr">
+                      <a:solidFill>
+                        <a:srgbClr val="777777"/>
+                      </a:solidFill>
+                      <a:prstDash val="solid"/>
+                      <a:round/>
+                      <a:headEnd type="none" w="med" len="med"/>
+                      <a:tailEnd type="none" w="med" len="med"/>
+                    </a:lnR>
+                    <a:lnT w="12700" cap="flat" cmpd="sng" algn="ctr">
+                      <a:solidFill>
+                        <a:srgbClr val="777777"/>
+                      </a:solidFill>
+                      <a:prstDash val="solid"/>
+                      <a:round/>
+                      <a:headEnd type="none" w="med" len="med"/>
+                      <a:tailEnd type="none" w="med" len="med"/>
+                    </a:lnT>
+                    <a:lnB w="12700" cap="flat" cmpd="sng" algn="ctr">
+                      <a:solidFill>
+                        <a:srgbClr val="777777"/>
+                      </a:solidFill>
+                      <a:prstDash val="solid"/>
+                      <a:round/>
+                      <a:headEnd type="none" w="med" len="med"/>
+                      <a:tailEnd type="none" w="med" len="med"/>
+                    </a:lnB>
+                    <a:solidFill>
+                      <a:srgbClr val="DDDDDD"/>
+                    </a:solidFill>
+                  </a:tcPr>
+                </a:tc>
+                <a:tc>
+                  <a:txBody>
+                    <a:bodyPr/>
+                    <a:lstStyle/>
+                    <a:p>
+                      <a:pPr marL="0" algn="l" defTabSz="457200" rtl="0" eaLnBrk="1" fontAlgn="t" latinLnBrk="0" hangingPunct="1">
+                        <a:spcBef>
+                          <a:spcPts val="0"/>
+                        </a:spcBef>
+                        <a:spcAft>
+                          <a:spcPts val="0"/>
+                        </a:spcAft>
+                      </a:pPr>
+                      <a:r>
+                        <a:rPr lang="de-AT" sz="900" b="0" i="0" u="none" strike="noStrike" kern="1200">
+                          <a:solidFill>
+                            <a:schemeClr val="tx1"/>
+                          </a:solidFill>
+                          <a:effectLst/>
+                          <a:latin typeface="Arial" panose="020B0604020202020204" pitchFamily="34" charset="0"/>
+                          <a:ea typeface="+mn-ea"/>
+                          <a:cs typeface="+mn-cs"/>
+                        </a:rPr>
+                        <a:t>OBS Studio xx.xx.xx</a:t>
+                      </a:r>
+                    </a:p>
+                  </a:txBody>
+                  <a:tcPr anchor="ctr">
+                    <a:lnL w="12700" cap="flat" cmpd="sng" algn="ctr">
+                      <a:solidFill>
+                        <a:srgbClr val="777777"/>
+                      </a:solidFill>
+                      <a:prstDash val="solid"/>
+                      <a:round/>
+                      <a:headEnd type="none" w="med" len="med"/>
+                      <a:tailEnd type="none" w="med" len="med"/>
+                    </a:lnL>
+                    <a:lnR w="12700" cap="flat" cmpd="sng" algn="ctr">
+                      <a:solidFill>
+                        <a:srgbClr val="777777"/>
+                      </a:solidFill>
+                      <a:prstDash val="solid"/>
+                      <a:round/>
+                      <a:headEnd type="none" w="med" len="med"/>
+                      <a:tailEnd type="none" w="med" len="med"/>
+                    </a:lnR>
+                    <a:lnT w="12700" cap="flat" cmpd="sng" algn="ctr">
+                      <a:solidFill>
+                        <a:srgbClr val="777777"/>
+                      </a:solidFill>
+                      <a:prstDash val="solid"/>
+                      <a:round/>
+                      <a:headEnd type="none" w="med" len="med"/>
+                      <a:tailEnd type="none" w="med" len="med"/>
+                    </a:lnT>
+                    <a:lnB w="12700" cap="flat" cmpd="sng" algn="ctr">
+                      <a:solidFill>
+                        <a:srgbClr val="777777"/>
+                      </a:solidFill>
+                      <a:prstDash val="solid"/>
+                      <a:round/>
+                      <a:headEnd type="none" w="med" len="med"/>
+                      <a:tailEnd type="none" w="med" len="med"/>
+                    </a:lnB>
+                  </a:tcPr>
+                </a:tc>
+                <a:tc>
+                  <a:txBody>
+                    <a:bodyPr/>
+                    <a:lstStyle/>
+                    <a:p>
+                      <a:pPr marL="0" algn="l" defTabSz="457200" rtl="0" eaLnBrk="1" fontAlgn="t" latinLnBrk="0" hangingPunct="1">
+                        <a:spcBef>
+                          <a:spcPts val="0"/>
+                        </a:spcBef>
+                        <a:spcAft>
+                          <a:spcPts val="0"/>
+                        </a:spcAft>
+                      </a:pPr>
+                      <a:r>
+                        <a:rPr lang="de-AT" sz="900" b="0" i="0" u="none" strike="noStrike" kern="1200" dirty="0" err="1">
+                          <a:solidFill>
+                            <a:schemeClr val="tx1"/>
+                          </a:solidFill>
+                          <a:effectLst/>
+                          <a:latin typeface="Arial" panose="020B0604020202020204" pitchFamily="34" charset="0"/>
+                          <a:ea typeface="+mn-ea"/>
+                          <a:cs typeface="+mn-cs"/>
+                        </a:rPr>
+                        <a:t>Nvidia</a:t>
+                      </a:r>
+                      <a:r>
+                        <a:rPr lang="de-AT" sz="900" b="0" i="0" u="none" strike="noStrike" kern="1200" dirty="0">
+                          <a:solidFill>
+                            <a:schemeClr val="tx1"/>
+                          </a:solidFill>
+                          <a:effectLst/>
+                          <a:latin typeface="Arial" panose="020B0604020202020204" pitchFamily="34" charset="0"/>
+                          <a:ea typeface="+mn-ea"/>
+                          <a:cs typeface="+mn-cs"/>
+                        </a:rPr>
+                        <a:t> </a:t>
+                      </a:r>
+                      <a:r>
+                        <a:rPr lang="de-AT" sz="900" b="0" i="0" u="none" strike="noStrike" kern="1200" dirty="0" err="1">
+                          <a:solidFill>
+                            <a:schemeClr val="tx1"/>
+                          </a:solidFill>
+                          <a:effectLst/>
+                          <a:latin typeface="Arial" panose="020B0604020202020204" pitchFamily="34" charset="0"/>
+                          <a:ea typeface="+mn-ea"/>
+                          <a:cs typeface="+mn-cs"/>
+                        </a:rPr>
+                        <a:t>Shadowplay</a:t>
+                      </a:r>
+                      <a:endParaRPr lang="de-AT" sz="900" b="0" i="0" u="none" strike="noStrike" kern="1200" dirty="0">
+                        <a:solidFill>
+                          <a:schemeClr val="tx1"/>
+                        </a:solidFill>
+                        <a:effectLst/>
+                        <a:latin typeface="Arial" panose="020B0604020202020204" pitchFamily="34" charset="0"/>
+                        <a:ea typeface="+mn-ea"/>
+                        <a:cs typeface="+mn-cs"/>
+                      </a:endParaRPr>
+                    </a:p>
+                  </a:txBody>
+                  <a:tcPr anchor="ctr">
+                    <a:lnL w="12700" cap="flat" cmpd="sng" algn="ctr">
+                      <a:solidFill>
+                        <a:srgbClr val="777777"/>
+                      </a:solidFill>
+                      <a:prstDash val="solid"/>
+                      <a:round/>
+                      <a:headEnd type="none" w="med" len="med"/>
+                      <a:tailEnd type="none" w="med" len="med"/>
+                    </a:lnL>
+                    <a:lnR w="12700" cap="flat" cmpd="sng" algn="ctr">
+                      <a:solidFill>
+                        <a:srgbClr val="777777"/>
+                      </a:solidFill>
+                      <a:prstDash val="solid"/>
+                      <a:round/>
+                      <a:headEnd type="none" w="med" len="med"/>
+                      <a:tailEnd type="none" w="med" len="med"/>
+                    </a:lnR>
+                    <a:lnT w="12700" cap="flat" cmpd="sng" algn="ctr">
+                      <a:solidFill>
+                        <a:srgbClr val="777777"/>
+                      </a:solidFill>
+                      <a:prstDash val="solid"/>
+                      <a:round/>
+                      <a:headEnd type="none" w="med" len="med"/>
+                      <a:tailEnd type="none" w="med" len="med"/>
+                    </a:lnT>
+                    <a:lnB w="12700" cap="flat" cmpd="sng" algn="ctr">
+                      <a:solidFill>
+                        <a:srgbClr val="777777"/>
+                      </a:solidFill>
+                      <a:prstDash val="solid"/>
+                      <a:round/>
+                      <a:headEnd type="none" w="med" len="med"/>
+                      <a:tailEnd type="none" w="med" len="med"/>
+                    </a:lnB>
+                  </a:tcPr>
+                </a:tc>
+                <a:tc>
+                  <a:txBody>
+                    <a:bodyPr/>
+                    <a:lstStyle/>
+                    <a:p>
+                      <a:pPr marL="0" algn="l" defTabSz="457200" rtl="0" eaLnBrk="1" fontAlgn="t" latinLnBrk="0" hangingPunct="1">
+                        <a:spcBef>
+                          <a:spcPts val="0"/>
+                        </a:spcBef>
+                        <a:spcAft>
+                          <a:spcPts val="0"/>
+                        </a:spcAft>
+                      </a:pPr>
+                      <a:r>
+                        <a:rPr lang="de-AT" sz="900" b="0" i="0" u="none" strike="noStrike" kern="1200" dirty="0">
+                          <a:solidFill>
+                            <a:schemeClr val="tx1"/>
+                          </a:solidFill>
+                          <a:effectLst/>
+                          <a:latin typeface="Arial" panose="020B0604020202020204" pitchFamily="34" charset="0"/>
+                          <a:ea typeface="+mn-ea"/>
+                          <a:cs typeface="+mn-cs"/>
+                        </a:rPr>
+                        <a:t>OBS Studio 25.0.8</a:t>
+                      </a:r>
+                    </a:p>
+                  </a:txBody>
+                  <a:tcPr anchor="ctr">
+                    <a:lnL w="12700" cap="flat" cmpd="sng" algn="ctr">
+                      <a:solidFill>
+                        <a:srgbClr val="777777"/>
+                      </a:solidFill>
+                      <a:prstDash val="solid"/>
+                      <a:round/>
+                      <a:headEnd type="none" w="med" len="med"/>
+                      <a:tailEnd type="none" w="med" len="med"/>
+                    </a:lnL>
+                    <a:lnR w="12700" cap="flat" cmpd="sng" algn="ctr">
+                      <a:solidFill>
+                        <a:srgbClr val="777777"/>
+                      </a:solidFill>
+                      <a:prstDash val="solid"/>
+                      <a:round/>
+                      <a:headEnd type="none" w="med" len="med"/>
+                      <a:tailEnd type="none" w="med" len="med"/>
+                    </a:lnR>
+                    <a:lnT w="12700" cap="flat" cmpd="sng" algn="ctr">
+                      <a:solidFill>
+                        <a:srgbClr val="777777"/>
+                      </a:solidFill>
+                      <a:prstDash val="solid"/>
+                      <a:round/>
+                      <a:headEnd type="none" w="med" len="med"/>
+                      <a:tailEnd type="none" w="med" len="med"/>
+                    </a:lnT>
+                    <a:lnB w="12700" cap="flat" cmpd="sng" algn="ctr">
+                      <a:solidFill>
+                        <a:srgbClr val="777777"/>
+                      </a:solidFill>
+                      <a:prstDash val="solid"/>
+                      <a:round/>
+                      <a:headEnd type="none" w="med" len="med"/>
+                      <a:tailEnd type="none" w="med" len="med"/>
+                    </a:lnB>
+                  </a:tcPr>
+                </a:tc>
+                <a:tc>
+                  <a:txBody>
+                    <a:bodyPr/>
+                    <a:lstStyle/>
+                    <a:p>
+                      <a:pPr marL="0" algn="l" defTabSz="457200" rtl="0" eaLnBrk="1" fontAlgn="t" latinLnBrk="0" hangingPunct="1">
+                        <a:spcBef>
+                          <a:spcPts val="0"/>
+                        </a:spcBef>
+                        <a:spcAft>
+                          <a:spcPts val="0"/>
+                        </a:spcAft>
+                      </a:pPr>
+                      <a:r>
+                        <a:rPr lang="de-AT" sz="900" b="0" i="0" u="none" strike="noStrike" kern="1200" dirty="0">
+                          <a:solidFill>
+                            <a:schemeClr val="tx1"/>
+                          </a:solidFill>
+                          <a:effectLst/>
+                          <a:latin typeface="Arial" panose="020B0604020202020204" pitchFamily="34" charset="0"/>
+                          <a:ea typeface="+mn-ea"/>
+                          <a:cs typeface="+mn-cs"/>
+                        </a:rPr>
+                        <a:t>OBS Studio 25.0.8</a:t>
+                      </a:r>
+                    </a:p>
+                  </a:txBody>
+                  <a:tcPr anchor="ctr">
+                    <a:lnL w="12700" cap="flat" cmpd="sng" algn="ctr">
+                      <a:solidFill>
+                        <a:srgbClr val="777777"/>
+                      </a:solidFill>
+                      <a:prstDash val="solid"/>
+                      <a:round/>
+                      <a:headEnd type="none" w="med" len="med"/>
+                      <a:tailEnd type="none" w="med" len="med"/>
+                    </a:lnL>
+                    <a:lnR w="12700" cap="flat" cmpd="sng" algn="ctr">
+                      <a:solidFill>
+                        <a:srgbClr val="777777"/>
+                      </a:solidFill>
+                      <a:prstDash val="solid"/>
+                      <a:round/>
+                      <a:headEnd type="none" w="med" len="med"/>
+                      <a:tailEnd type="none" w="med" len="med"/>
+                    </a:lnR>
+                    <a:lnT w="12700" cap="flat" cmpd="sng" algn="ctr">
+                      <a:solidFill>
+                        <a:srgbClr val="777777"/>
+                      </a:solidFill>
+                      <a:prstDash val="solid"/>
+                      <a:round/>
+                      <a:headEnd type="none" w="med" len="med"/>
+                      <a:tailEnd type="none" w="med" len="med"/>
+                    </a:lnT>
+                    <a:lnB w="12700" cap="flat" cmpd="sng" algn="ctr">
+                      <a:solidFill>
+                        <a:srgbClr val="777777"/>
+                      </a:solidFill>
+                      <a:prstDash val="solid"/>
+                      <a:round/>
+                      <a:headEnd type="none" w="med" len="med"/>
+                      <a:tailEnd type="none" w="med" len="med"/>
+                    </a:lnB>
+                  </a:tcPr>
+                </a:tc>
+                <a:extLst>
+                  <a:ext uri="{0D108BD9-81ED-4DB2-BD59-A6C34878D82A}">
+                    <a16:rowId xmlns:a16="http://schemas.microsoft.com/office/drawing/2014/main" val="771287706"/>
+                  </a:ext>
+                </a:extLst>
+              </a:tr>
+              <a:tr h="204940">
+                <a:tc>
+                  <a:txBody>
+                    <a:bodyPr/>
+                    <a:lstStyle/>
+                    <a:p>
+                      <a:pPr algn="l" fontAlgn="t">
+                        <a:spcBef>
+                          <a:spcPts val="0"/>
+                        </a:spcBef>
+                        <a:spcAft>
+                          <a:spcPts val="0"/>
+                        </a:spcAft>
+                      </a:pPr>
+                      <a:r>
+                        <a:rPr lang="de-AT" sz="900" b="1" i="0" u="none" strike="noStrike">
+                          <a:solidFill>
+                            <a:srgbClr val="000000"/>
+                          </a:solidFill>
+                          <a:effectLst/>
+                          <a:latin typeface="Arial" panose="020B0604020202020204" pitchFamily="34" charset="0"/>
+                        </a:rPr>
+                        <a:t>Planned Date of Evaluation</a:t>
+                      </a:r>
+                      <a:endParaRPr lang="de-AT" sz="900" b="0" i="0" u="none" strike="noStrike">
+                        <a:solidFill>
+                          <a:srgbClr val="000000"/>
+                        </a:solidFill>
+                        <a:effectLst/>
+                        <a:latin typeface="Arial" panose="020B0604020202020204" pitchFamily="34" charset="0"/>
+                      </a:endParaRPr>
+                    </a:p>
+                  </a:txBody>
+                  <a:tcPr marL="46577" marR="46577" marT="23289" marB="23289">
+                    <a:lnL w="12700" cap="flat" cmpd="sng" algn="ctr">
+                      <a:solidFill>
+                        <a:srgbClr val="777777"/>
+                      </a:solidFill>
+                      <a:prstDash val="solid"/>
+                      <a:round/>
+                      <a:headEnd type="none" w="med" len="med"/>
+                      <a:tailEnd type="none" w="med" len="med"/>
+                    </a:lnL>
+                    <a:lnR w="12700" cap="flat" cmpd="sng" algn="ctr">
+                      <a:solidFill>
+                        <a:srgbClr val="777777"/>
+                      </a:solidFill>
+                      <a:prstDash val="solid"/>
+                      <a:round/>
+                      <a:headEnd type="none" w="med" len="med"/>
+                      <a:tailEnd type="none" w="med" len="med"/>
+                    </a:lnR>
+                    <a:lnT w="12700" cap="flat" cmpd="sng" algn="ctr">
+                      <a:solidFill>
+                        <a:srgbClr val="777777"/>
+                      </a:solidFill>
+                      <a:prstDash val="solid"/>
+                      <a:round/>
+                      <a:headEnd type="none" w="med" len="med"/>
+                      <a:tailEnd type="none" w="med" len="med"/>
+                    </a:lnT>
+                    <a:lnB w="12700" cap="flat" cmpd="sng" algn="ctr">
+                      <a:solidFill>
+                        <a:srgbClr val="777777"/>
+                      </a:solidFill>
+                      <a:prstDash val="solid"/>
+                      <a:round/>
+                      <a:headEnd type="none" w="med" len="med"/>
+                      <a:tailEnd type="none" w="med" len="med"/>
+                    </a:lnB>
+                    <a:solidFill>
+                      <a:srgbClr val="DDDDDD"/>
+                    </a:solidFill>
+                  </a:tcPr>
+                </a:tc>
+                <a:tc>
+                  <a:txBody>
+                    <a:bodyPr/>
+                    <a:lstStyle/>
+                    <a:p>
+                      <a:pPr marL="0" algn="l" defTabSz="457200" rtl="0" eaLnBrk="1" fontAlgn="t" latinLnBrk="0" hangingPunct="1">
+                        <a:spcBef>
+                          <a:spcPts val="0"/>
+                        </a:spcBef>
+                        <a:spcAft>
+                          <a:spcPts val="0"/>
+                        </a:spcAft>
+                      </a:pPr>
+                      <a:r>
+                        <a:rPr lang="de-AT" sz="900" b="0" i="0" u="none" strike="noStrike" kern="1200">
+                          <a:solidFill>
+                            <a:schemeClr val="tx1"/>
+                          </a:solidFill>
+                          <a:effectLst/>
+                          <a:latin typeface="Arial" panose="020B0604020202020204" pitchFamily="34" charset="0"/>
+                          <a:ea typeface="+mn-ea"/>
+                          <a:cs typeface="+mn-cs"/>
+                        </a:rPr>
+                        <a:t>021-04-15</a:t>
+                      </a:r>
+                    </a:p>
+                  </a:txBody>
+                  <a:tcPr anchor="ctr">
+                    <a:lnL w="12700" cap="flat" cmpd="sng" algn="ctr">
+                      <a:solidFill>
+                        <a:srgbClr val="777777"/>
+                      </a:solidFill>
+                      <a:prstDash val="solid"/>
+                      <a:round/>
+                      <a:headEnd type="none" w="med" len="med"/>
+                      <a:tailEnd type="none" w="med" len="med"/>
+                    </a:lnL>
+                    <a:lnR w="12700" cap="flat" cmpd="sng" algn="ctr">
+                      <a:solidFill>
+                        <a:srgbClr val="777777"/>
+                      </a:solidFill>
+                      <a:prstDash val="solid"/>
+                      <a:round/>
+                      <a:headEnd type="none" w="med" len="med"/>
+                      <a:tailEnd type="none" w="med" len="med"/>
+                    </a:lnR>
+                    <a:lnT w="12700" cap="flat" cmpd="sng" algn="ctr">
+                      <a:solidFill>
+                        <a:srgbClr val="777777"/>
+                      </a:solidFill>
+                      <a:prstDash val="solid"/>
+                      <a:round/>
+                      <a:headEnd type="none" w="med" len="med"/>
+                      <a:tailEnd type="none" w="med" len="med"/>
+                    </a:lnT>
+                    <a:lnB w="12700" cap="flat" cmpd="sng" algn="ctr">
+                      <a:solidFill>
+                        <a:srgbClr val="777777"/>
+                      </a:solidFill>
+                      <a:prstDash val="solid"/>
+                      <a:round/>
+                      <a:headEnd type="none" w="med" len="med"/>
+                      <a:tailEnd type="none" w="med" len="med"/>
+                    </a:lnB>
+                  </a:tcPr>
+                </a:tc>
+                <a:tc>
+                  <a:txBody>
+                    <a:bodyPr/>
+                    <a:lstStyle/>
+                    <a:p>
+                      <a:pPr marL="0" algn="l" defTabSz="457200" rtl="0" eaLnBrk="1" fontAlgn="t" latinLnBrk="0" hangingPunct="1">
+                        <a:spcBef>
+                          <a:spcPts val="0"/>
+                        </a:spcBef>
+                        <a:spcAft>
+                          <a:spcPts val="0"/>
+                        </a:spcAft>
+                      </a:pPr>
+                      <a:r>
+                        <a:rPr lang="de-AT" sz="900" b="0" i="0" u="none" strike="noStrike" kern="1200">
+                          <a:solidFill>
+                            <a:schemeClr val="tx1"/>
+                          </a:solidFill>
+                          <a:effectLst/>
+                          <a:latin typeface="Arial" panose="020B0604020202020204" pitchFamily="34" charset="0"/>
+                          <a:ea typeface="+mn-ea"/>
+                          <a:cs typeface="+mn-cs"/>
+                        </a:rPr>
+                        <a:t>2021-04-12</a:t>
+                      </a:r>
+                    </a:p>
+                  </a:txBody>
+                  <a:tcPr anchor="ctr">
+                    <a:lnL w="12700" cap="flat" cmpd="sng" algn="ctr">
+                      <a:solidFill>
+                        <a:srgbClr val="777777"/>
+                      </a:solidFill>
+                      <a:prstDash val="solid"/>
+                      <a:round/>
+                      <a:headEnd type="none" w="med" len="med"/>
+                      <a:tailEnd type="none" w="med" len="med"/>
+                    </a:lnL>
+                    <a:lnR w="12700" cap="flat" cmpd="sng" algn="ctr">
+                      <a:solidFill>
+                        <a:srgbClr val="777777"/>
+                      </a:solidFill>
+                      <a:prstDash val="solid"/>
+                      <a:round/>
+                      <a:headEnd type="none" w="med" len="med"/>
+                      <a:tailEnd type="none" w="med" len="med"/>
+                    </a:lnR>
+                    <a:lnT w="12700" cap="flat" cmpd="sng" algn="ctr">
+                      <a:solidFill>
+                        <a:srgbClr val="777777"/>
+                      </a:solidFill>
+                      <a:prstDash val="solid"/>
+                      <a:round/>
+                      <a:headEnd type="none" w="med" len="med"/>
+                      <a:tailEnd type="none" w="med" len="med"/>
+                    </a:lnT>
+                    <a:lnB w="12700" cap="flat" cmpd="sng" algn="ctr">
+                      <a:solidFill>
+                        <a:srgbClr val="777777"/>
+                      </a:solidFill>
+                      <a:prstDash val="solid"/>
+                      <a:round/>
+                      <a:headEnd type="none" w="med" len="med"/>
+                      <a:tailEnd type="none" w="med" len="med"/>
+                    </a:lnB>
+                  </a:tcPr>
+                </a:tc>
+                <a:tc>
+                  <a:txBody>
+                    <a:bodyPr/>
+                    <a:lstStyle/>
+                    <a:p>
+                      <a:pPr marL="0" algn="l" defTabSz="457200" rtl="0" eaLnBrk="1" fontAlgn="t" latinLnBrk="0" hangingPunct="1">
+                        <a:spcBef>
+                          <a:spcPts val="0"/>
+                        </a:spcBef>
+                        <a:spcAft>
+                          <a:spcPts val="0"/>
+                        </a:spcAft>
+                      </a:pPr>
+                      <a:r>
+                        <a:rPr lang="de-AT" sz="900" b="0" i="0" u="none" strike="noStrike" kern="1200" dirty="0">
+                          <a:solidFill>
+                            <a:schemeClr val="tx1"/>
+                          </a:solidFill>
+                          <a:effectLst/>
+                          <a:latin typeface="Arial" panose="020B0604020202020204" pitchFamily="34" charset="0"/>
+                          <a:ea typeface="+mn-ea"/>
+                          <a:cs typeface="+mn-cs"/>
+                        </a:rPr>
+                        <a:t>2021-04-16</a:t>
+                      </a:r>
+                    </a:p>
+                  </a:txBody>
+                  <a:tcPr anchor="ctr">
+                    <a:lnL w="12700" cap="flat" cmpd="sng" algn="ctr">
+                      <a:solidFill>
+                        <a:srgbClr val="777777"/>
+                      </a:solidFill>
+                      <a:prstDash val="solid"/>
+                      <a:round/>
+                      <a:headEnd type="none" w="med" len="med"/>
+                      <a:tailEnd type="none" w="med" len="med"/>
+                    </a:lnL>
+                    <a:lnR w="12700" cap="flat" cmpd="sng" algn="ctr">
+                      <a:solidFill>
+                        <a:srgbClr val="777777"/>
+                      </a:solidFill>
+                      <a:prstDash val="solid"/>
+                      <a:round/>
+                      <a:headEnd type="none" w="med" len="med"/>
+                      <a:tailEnd type="none" w="med" len="med"/>
+                    </a:lnR>
+                    <a:lnT w="12700" cap="flat" cmpd="sng" algn="ctr">
+                      <a:solidFill>
+                        <a:srgbClr val="777777"/>
+                      </a:solidFill>
+                      <a:prstDash val="solid"/>
+                      <a:round/>
+                      <a:headEnd type="none" w="med" len="med"/>
+                      <a:tailEnd type="none" w="med" len="med"/>
+                    </a:lnT>
+                    <a:lnB w="12700" cap="flat" cmpd="sng" algn="ctr">
+                      <a:solidFill>
+                        <a:srgbClr val="777777"/>
+                      </a:solidFill>
+                      <a:prstDash val="solid"/>
+                      <a:round/>
+                      <a:headEnd type="none" w="med" len="med"/>
+                      <a:tailEnd type="none" w="med" len="med"/>
+                    </a:lnB>
+                  </a:tcPr>
+                </a:tc>
+                <a:tc>
+                  <a:txBody>
+                    <a:bodyPr/>
+                    <a:lstStyle/>
+                    <a:p>
+                      <a:pPr marL="0" algn="l" defTabSz="457200" rtl="0" eaLnBrk="1" fontAlgn="t" latinLnBrk="0" hangingPunct="1">
+                        <a:spcBef>
+                          <a:spcPts val="0"/>
+                        </a:spcBef>
+                        <a:spcAft>
+                          <a:spcPts val="0"/>
+                        </a:spcAft>
+                      </a:pPr>
+                      <a:r>
+                        <a:rPr lang="de-AT" sz="900" b="0" i="0" u="none" strike="noStrike" kern="1200" dirty="0">
+                          <a:solidFill>
+                            <a:schemeClr val="tx1"/>
+                          </a:solidFill>
+                          <a:effectLst/>
+                          <a:latin typeface="Arial" panose="020B0604020202020204" pitchFamily="34" charset="0"/>
+                          <a:ea typeface="+mn-ea"/>
+                          <a:cs typeface="+mn-cs"/>
+                        </a:rPr>
+                        <a:t>2021-04-15</a:t>
+                      </a:r>
+                    </a:p>
+                  </a:txBody>
+                  <a:tcPr anchor="ctr">
+                    <a:lnL w="12700" cap="flat" cmpd="sng" algn="ctr">
+                      <a:solidFill>
+                        <a:srgbClr val="777777"/>
+                      </a:solidFill>
+                      <a:prstDash val="solid"/>
+                      <a:round/>
+                      <a:headEnd type="none" w="med" len="med"/>
+                      <a:tailEnd type="none" w="med" len="med"/>
+                    </a:lnL>
+                    <a:lnR w="12700" cap="flat" cmpd="sng" algn="ctr">
+                      <a:solidFill>
+                        <a:srgbClr val="777777"/>
+                      </a:solidFill>
+                      <a:prstDash val="solid"/>
+                      <a:round/>
+                      <a:headEnd type="none" w="med" len="med"/>
+                      <a:tailEnd type="none" w="med" len="med"/>
+                    </a:lnR>
+                    <a:lnT w="12700" cap="flat" cmpd="sng" algn="ctr">
+                      <a:solidFill>
+                        <a:srgbClr val="777777"/>
+                      </a:solidFill>
+                      <a:prstDash val="solid"/>
+                      <a:round/>
+                      <a:headEnd type="none" w="med" len="med"/>
+                      <a:tailEnd type="none" w="med" len="med"/>
+                    </a:lnT>
+                    <a:lnB w="12700" cap="flat" cmpd="sng" algn="ctr">
+                      <a:solidFill>
+                        <a:srgbClr val="777777"/>
+                      </a:solidFill>
+                      <a:prstDash val="solid"/>
+                      <a:round/>
+                      <a:headEnd type="none" w="med" len="med"/>
+                      <a:tailEnd type="none" w="med" len="med"/>
+                    </a:lnB>
+                  </a:tcPr>
+                </a:tc>
+                <a:extLst>
+                  <a:ext uri="{0D108BD9-81ED-4DB2-BD59-A6C34878D82A}">
+                    <a16:rowId xmlns:a16="http://schemas.microsoft.com/office/drawing/2014/main" val="3110529673"/>
+                  </a:ext>
+                </a:extLst>
+              </a:tr>
+            </a:tbl>
+          </a:graphicData>
+        </a:graphic>
+      </p:graphicFrame>
+    </p:spTree>
+    <p:extLst>
+      <p:ext uri="{BB962C8B-B14F-4D97-AF65-F5344CB8AC3E}">
+        <p14:creationId xmlns:p14="http://schemas.microsoft.com/office/powerpoint/2010/main" val="597475205"/>
+      </p:ext>
+    </p:extLst>
+  </p:cSld>
+  <p:clrMapOvr>
+    <a:masterClrMapping/>
+  </p:clrMapOvr>
+</p:sld>
+</file>
+
+<file path=ppt/slides/slide5.xml><?xml version="1.0" encoding="utf-8"?>
 <p:sld xmlns:a="http://schemas.openxmlformats.org/drawingml/2006/main" xmlns:r="http://schemas.openxmlformats.org/officeDocument/2006/relationships" xmlns:p="http://schemas.openxmlformats.org/presentationml/2006/main">
   <p:cSld>
     <p:spTree>
